--- a/GroupProject/GroupProject.pptx
+++ b/GroupProject/GroupProject.pptx
@@ -5,18 +5,19 @@
     <p:sldMasterId id="2147483725" r:id="rId1"/>
   </p:sldMasterIdLst>
   <p:notesMasterIdLst>
-    <p:notesMasterId r:id="rId11"/>
+    <p:notesMasterId r:id="rId12"/>
   </p:notesMasterIdLst>
   <p:sldIdLst>
     <p:sldId id="256" r:id="rId2"/>
     <p:sldId id="257" r:id="rId3"/>
-    <p:sldId id="259" r:id="rId4"/>
-    <p:sldId id="260" r:id="rId5"/>
-    <p:sldId id="262" r:id="rId6"/>
-    <p:sldId id="261" r:id="rId7"/>
-    <p:sldId id="263" r:id="rId8"/>
-    <p:sldId id="258" r:id="rId9"/>
-    <p:sldId id="264" r:id="rId10"/>
+    <p:sldId id="265" r:id="rId4"/>
+    <p:sldId id="259" r:id="rId5"/>
+    <p:sldId id="260" r:id="rId6"/>
+    <p:sldId id="262" r:id="rId7"/>
+    <p:sldId id="261" r:id="rId8"/>
+    <p:sldId id="263" r:id="rId9"/>
+    <p:sldId id="258" r:id="rId10"/>
+    <p:sldId id="264" r:id="rId11"/>
   </p:sldIdLst>
   <p:sldSz cx="12192000" cy="6858000"/>
   <p:notesSz cx="6858000" cy="9144000"/>
@@ -512,41 +513,6 @@
           <a:bodyPr/>
           <a:lstStyle/>
           <a:p>
-            <a:r>
-              <a:rPr lang="en-US" dirty="0" smtClean="0"/>
-              <a:t>Why were this season’s predictions</a:t>
-            </a:r>
-            <a:r>
-              <a:rPr lang="en-US" baseline="0" dirty="0" smtClean="0"/>
-              <a:t> so high?  </a:t>
-            </a:r>
-          </a:p>
-          <a:p>
-            <a:endParaRPr lang="en-US" baseline="0" dirty="0" smtClean="0"/>
-          </a:p>
-          <a:p>
-            <a:r>
-              <a:rPr lang="en-US" baseline="0" dirty="0" smtClean="0"/>
-              <a:t>Is model too simple?</a:t>
-            </a:r>
-          </a:p>
-          <a:p>
-            <a:endParaRPr lang="en-US" baseline="0" dirty="0" smtClean="0"/>
-          </a:p>
-          <a:p>
-            <a:r>
-              <a:rPr lang="en-US" baseline="0" dirty="0" smtClean="0"/>
-              <a:t>Were there unforeseen side effects from model updates?</a:t>
-            </a:r>
-          </a:p>
-          <a:p>
-            <a:endParaRPr lang="en-US" baseline="0" dirty="0" smtClean="0"/>
-          </a:p>
-          <a:p>
-            <a:r>
-              <a:rPr lang="en-US" baseline="0" dirty="0" smtClean="0"/>
-              <a:t>Is there something that the CDC is not capturing?</a:t>
-            </a:r>
             <a:endParaRPr lang="en-US" dirty="0"/>
           </a:p>
         </p:txBody>
@@ -568,7 +534,7 @@
           <a:p>
             <a:fld id="{379AA848-7A20-465D-A319-012F3EE62EEB}" type="slidenum">
               <a:rPr lang="en-US" smtClean="0"/>
-              <a:t>4</a:t>
+              <a:t>5</a:t>
             </a:fld>
             <a:endParaRPr lang="en-US"/>
           </a:p>
@@ -6631,6 +6597,112 @@
 </p:sld>
 </file>
 
+<file path=ppt/slides/slide10.xml><?xml version="1.0" encoding="utf-8"?>
+<p:sld xmlns:a="http://schemas.openxmlformats.org/drawingml/2006/main" xmlns:r="http://schemas.openxmlformats.org/officeDocument/2006/relationships" xmlns:p="http://schemas.openxmlformats.org/presentationml/2006/main">
+  <p:cSld>
+    <p:spTree>
+      <p:nvGrpSpPr>
+        <p:cNvPr id="1" name=""/>
+        <p:cNvGrpSpPr/>
+        <p:nvPr/>
+      </p:nvGrpSpPr>
+      <p:grpSpPr>
+        <a:xfrm>
+          <a:off x="0" y="0"/>
+          <a:ext cx="0" cy="0"/>
+          <a:chOff x="0" y="0"/>
+          <a:chExt cx="0" cy="0"/>
+        </a:xfrm>
+      </p:grpSpPr>
+      <p:sp>
+        <p:nvSpPr>
+          <p:cNvPr id="2" name="Title 1"/>
+          <p:cNvSpPr>
+            <a:spLocks noGrp="1"/>
+          </p:cNvSpPr>
+          <p:nvPr>
+            <p:ph type="title"/>
+          </p:nvPr>
+        </p:nvSpPr>
+        <p:spPr/>
+        <p:txBody>
+          <a:bodyPr/>
+          <a:lstStyle/>
+          <a:p>
+            <a:r>
+              <a:rPr lang="en-US" dirty="0" smtClean="0"/>
+              <a:t>Questions/Comments</a:t>
+            </a:r>
+            <a:endParaRPr lang="en-US" dirty="0"/>
+          </a:p>
+        </p:txBody>
+      </p:sp>
+      <p:sp>
+        <p:nvSpPr>
+          <p:cNvPr id="3" name="Content Placeholder 2"/>
+          <p:cNvSpPr>
+            <a:spLocks noGrp="1"/>
+          </p:cNvSpPr>
+          <p:nvPr>
+            <p:ph idx="1"/>
+          </p:nvPr>
+        </p:nvSpPr>
+        <p:spPr/>
+        <p:txBody>
+          <a:bodyPr>
+            <a:normAutofit/>
+          </a:bodyPr>
+          <a:lstStyle/>
+          <a:p>
+            <a:r>
+              <a:rPr lang="en-US" sz="2400" dirty="0" smtClean="0"/>
+              <a:t>Was Google Flu Trend’s model too simple?</a:t>
+            </a:r>
+          </a:p>
+          <a:p>
+            <a:pPr lvl="1"/>
+            <a:r>
+              <a:rPr lang="en-US" sz="2400" dirty="0" smtClean="0"/>
+              <a:t>CDC uses models to predict spread of disease </a:t>
+            </a:r>
+          </a:p>
+          <a:p>
+            <a:pPr lvl="2"/>
+            <a:r>
+              <a:rPr lang="en-US" sz="2400" dirty="0" smtClean="0"/>
+              <a:t>Should that model have been built into algorithm to determine whether</a:t>
+            </a:r>
+          </a:p>
+          <a:p>
+            <a:pPr lvl="2"/>
+            <a:endParaRPr lang="en-US" sz="2400" dirty="0"/>
+          </a:p>
+          <a:p>
+            <a:pPr lvl="2"/>
+            <a:endParaRPr lang="en-US" sz="2400" dirty="0" smtClean="0"/>
+          </a:p>
+          <a:p>
+            <a:r>
+              <a:rPr lang="en-US" sz="2800" smtClean="0"/>
+              <a:t>Additional comments…</a:t>
+            </a:r>
+            <a:endParaRPr lang="en-US" sz="2800" dirty="0"/>
+          </a:p>
+        </p:txBody>
+      </p:sp>
+    </p:spTree>
+    <p:extLst>
+      <p:ext uri="{BB962C8B-B14F-4D97-AF65-F5344CB8AC3E}">
+        <p14:creationId xmlns:p14="http://schemas.microsoft.com/office/powerpoint/2010/main" val="1484747386"/>
+      </p:ext>
+    </p:extLst>
+  </p:cSld>
+  <p:clrMapOvr>
+    <a:masterClrMapping/>
+  </p:clrMapOvr>
+</p:sld>
+</file>
+
 <file path=ppt/slides/slide2.xml><?xml version="1.0" encoding="utf-8"?>
 <p:sld xmlns:a="http://schemas.openxmlformats.org/drawingml/2006/main" xmlns:r="http://schemas.openxmlformats.org/officeDocument/2006/relationships" xmlns:p="http://schemas.openxmlformats.org/presentationml/2006/main">
   <p:cSld>
@@ -6776,6 +6848,131 @@
           <a:p>
             <a:r>
               <a:rPr lang="en-US" dirty="0" smtClean="0"/>
+              <a:t>Data Set (cont’d)</a:t>
+            </a:r>
+            <a:endParaRPr lang="en-US" dirty="0"/>
+          </a:p>
+        </p:txBody>
+      </p:sp>
+      <p:sp>
+        <p:nvSpPr>
+          <p:cNvPr id="3" name="Content Placeholder 2"/>
+          <p:cNvSpPr>
+            <a:spLocks noGrp="1"/>
+          </p:cNvSpPr>
+          <p:nvPr>
+            <p:ph idx="1"/>
+          </p:nvPr>
+        </p:nvSpPr>
+        <p:spPr/>
+        <p:txBody>
+          <a:bodyPr>
+            <a:normAutofit/>
+          </a:bodyPr>
+          <a:lstStyle/>
+          <a:p>
+            <a:r>
+              <a:rPr lang="en-US" sz="2400" dirty="0" smtClean="0"/>
+              <a:t>Attributes</a:t>
+            </a:r>
+          </a:p>
+          <a:p>
+            <a:pPr lvl="1"/>
+            <a:r>
+              <a:rPr lang="en-US" sz="2200" dirty="0" smtClean="0"/>
+              <a:t>Selected from larger databases of Census and crime information</a:t>
+            </a:r>
+          </a:p>
+          <a:p>
+            <a:pPr lvl="1"/>
+            <a:r>
+              <a:rPr lang="en-US" sz="2200" dirty="0" smtClean="0"/>
+              <a:t>Major attribute: Per Capita Violent Crimes</a:t>
+            </a:r>
+          </a:p>
+          <a:p>
+            <a:pPr lvl="1"/>
+            <a:r>
+              <a:rPr lang="en-US" sz="2200" dirty="0" smtClean="0"/>
+              <a:t>Other attributes: Racial composition, socioeconomics, education, family(married, divorced, </a:t>
+            </a:r>
+            <a:r>
+              <a:rPr lang="en-US" sz="2200" dirty="0" err="1" smtClean="0"/>
+              <a:t>etc</a:t>
+            </a:r>
+            <a:r>
+              <a:rPr lang="en-US" sz="2200" dirty="0" smtClean="0"/>
+              <a:t>)., immigration, housing, etc.</a:t>
+            </a:r>
+            <a:endParaRPr lang="en-US" sz="2200" dirty="0" smtClean="0"/>
+          </a:p>
+          <a:p>
+            <a:pPr lvl="1"/>
+            <a:r>
+              <a:rPr lang="en-US" sz="2200" dirty="0" smtClean="0"/>
+              <a:t>Limitations</a:t>
+            </a:r>
+          </a:p>
+          <a:p>
+            <a:pPr lvl="2"/>
+            <a:r>
+              <a:rPr lang="en-US" sz="2000" dirty="0" smtClean="0"/>
+              <a:t>Violent crime definitions, police departments with at least 100 police officers, etc.</a:t>
+            </a:r>
+            <a:endParaRPr lang="en-US" sz="2000" dirty="0" smtClean="0"/>
+          </a:p>
+          <a:p>
+            <a:endParaRPr lang="en-US" sz="2400" dirty="0"/>
+          </a:p>
+        </p:txBody>
+      </p:sp>
+    </p:spTree>
+    <p:extLst>
+      <p:ext uri="{BB962C8B-B14F-4D97-AF65-F5344CB8AC3E}">
+        <p14:creationId xmlns:p14="http://schemas.microsoft.com/office/powerpoint/2010/main" val="2451496612"/>
+      </p:ext>
+    </p:extLst>
+  </p:cSld>
+  <p:clrMapOvr>
+    <a:masterClrMapping/>
+  </p:clrMapOvr>
+</p:sld>
+</file>
+
+<file path=ppt/slides/slide4.xml><?xml version="1.0" encoding="utf-8"?>
+<p:sld xmlns:a="http://schemas.openxmlformats.org/drawingml/2006/main" xmlns:r="http://schemas.openxmlformats.org/officeDocument/2006/relationships" xmlns:p="http://schemas.openxmlformats.org/presentationml/2006/main">
+  <p:cSld>
+    <p:spTree>
+      <p:nvGrpSpPr>
+        <p:cNvPr id="1" name=""/>
+        <p:cNvGrpSpPr/>
+        <p:nvPr/>
+      </p:nvGrpSpPr>
+      <p:grpSpPr>
+        <a:xfrm>
+          <a:off x="0" y="0"/>
+          <a:ext cx="0" cy="0"/>
+          <a:chOff x="0" y="0"/>
+          <a:chExt cx="0" cy="0"/>
+        </a:xfrm>
+      </p:grpSpPr>
+      <p:sp>
+        <p:nvSpPr>
+          <p:cNvPr id="2" name="Title 1"/>
+          <p:cNvSpPr>
+            <a:spLocks noGrp="1"/>
+          </p:cNvSpPr>
+          <p:nvPr>
+            <p:ph type="title"/>
+          </p:nvPr>
+        </p:nvSpPr>
+        <p:spPr/>
+        <p:txBody>
+          <a:bodyPr/>
+          <a:lstStyle/>
+          <a:p>
+            <a:r>
+              <a:rPr lang="en-US" dirty="0" smtClean="0"/>
               <a:t>Background</a:t>
             </a:r>
             <a:endParaRPr lang="en-US" dirty="0"/>
@@ -6800,95 +6997,41 @@
         </p:spPr>
         <p:txBody>
           <a:bodyPr>
-            <a:normAutofit fontScale="85000" lnSpcReduction="10000"/>
+            <a:normAutofit/>
           </a:bodyPr>
           <a:lstStyle/>
           <a:p>
             <a:r>
               <a:rPr lang="en-US" sz="2400" dirty="0" smtClean="0"/>
-              <a:t>Purpose: </a:t>
-            </a:r>
+              <a:t>Objective: </a:t>
+            </a:r>
+            <a:endParaRPr lang="en-US" sz="2400" dirty="0" smtClean="0"/>
           </a:p>
           <a:p>
             <a:pPr lvl="1"/>
             <a:r>
               <a:rPr lang="en-US" sz="2400" dirty="0" smtClean="0"/>
-              <a:t>To use search keywords to produce a daily estimate of the occurrence of flu like illness two weeks prior to CDC survey data</a:t>
-            </a:r>
-          </a:p>
-          <a:p>
-            <a:pPr lvl="2"/>
-            <a:r>
-              <a:rPr lang="en-US" sz="2200" dirty="0" smtClean="0"/>
-              <a:t>Keywords such as “flu symptoms” that have a high historical correlation with doctor visits for flu like illnesses</a:t>
-            </a:r>
-          </a:p>
-          <a:p>
-            <a:pPr marL="457200" lvl="1" indent="0">
-              <a:buNone/>
-            </a:pPr>
-            <a:endParaRPr lang="en-US" sz="2400" dirty="0" smtClean="0"/>
-          </a:p>
-          <a:p>
-            <a:pPr lvl="1"/>
+              <a:t>Explore </a:t>
+            </a:r>
+            <a:r>
+              <a:rPr lang="en-US" sz="2400" dirty="0"/>
+              <a:t>other </a:t>
+            </a:r>
             <a:r>
               <a:rPr lang="en-US" sz="2400" dirty="0" smtClean="0"/>
-              <a:t>Primary</a:t>
+              <a:t>indicators/attributes </a:t>
             </a:r>
             <a:r>
               <a:rPr lang="en-US" sz="2400" dirty="0"/>
-              <a:t> </a:t>
+              <a:t>of communities along with its prevalence of violent crime to determine what relationships exist and suggest further areas of study</a:t>
             </a:r>
             <a:r>
               <a:rPr lang="en-US" sz="2400" dirty="0" smtClean="0"/>
-              <a:t>– </a:t>
-            </a:r>
-            <a:r>
-              <a:rPr lang="en-US" sz="2400" b="1" dirty="0" smtClean="0"/>
-              <a:t>Start and Peak </a:t>
-            </a:r>
-            <a:r>
-              <a:rPr lang="en-US" sz="2400" dirty="0" smtClean="0"/>
-              <a:t>of Flu season</a:t>
-            </a:r>
-          </a:p>
-          <a:p>
-            <a:pPr marL="457200" lvl="1" indent="0">
-              <a:buNone/>
-            </a:pPr>
-            <a:endParaRPr lang="en-US" sz="2400" dirty="0" smtClean="0"/>
-          </a:p>
-          <a:p>
-            <a:pPr lvl="1"/>
-            <a:r>
-              <a:rPr lang="en-US" sz="2400" dirty="0" smtClean="0"/>
-              <a:t>Secondary – </a:t>
-            </a:r>
-            <a:r>
-              <a:rPr lang="en-US" sz="2400" b="1" dirty="0" smtClean="0"/>
-              <a:t>Magnitude</a:t>
-            </a:r>
-            <a:r>
-              <a:rPr lang="en-US" sz="2400" dirty="0" smtClean="0"/>
-              <a:t> of flu-like visits</a:t>
-            </a:r>
-          </a:p>
-          <a:p>
-            <a:pPr lvl="1"/>
-            <a:endParaRPr lang="en-US" sz="2400" dirty="0"/>
-          </a:p>
-          <a:p>
-            <a:r>
-              <a:rPr lang="en-US" sz="2600" dirty="0" smtClean="0"/>
-              <a:t>Target Audience: health officials</a:t>
-            </a:r>
-          </a:p>
-          <a:p>
-            <a:pPr lvl="1"/>
-            <a:r>
-              <a:rPr lang="en-US" sz="2400" dirty="0" smtClean="0"/>
-              <a:t>How to stock/distribute vaccines, etc.</a:t>
-            </a:r>
+              <a:t>.</a:t>
+            </a:r>
+          </a:p>
+          <a:p>
+            <a:endParaRPr lang="en-US" sz="2600" dirty="0"/>
           </a:p>
         </p:txBody>
       </p:sp>
@@ -6905,7 +7048,7 @@
 </p:sld>
 </file>
 
-<file path=ppt/slides/slide4.xml><?xml version="1.0" encoding="utf-8"?>
+<file path=ppt/slides/slide5.xml><?xml version="1.0" encoding="utf-8"?>
 <p:sld xmlns:a="http://schemas.openxmlformats.org/drawingml/2006/main" xmlns:r="http://schemas.openxmlformats.org/officeDocument/2006/relationships" xmlns:p="http://schemas.openxmlformats.org/presentationml/2006/main">
   <p:cSld>
     <p:spTree>
@@ -7028,147 +7171,6 @@
 </p:sld>
 </file>
 
-<file path=ppt/slides/slide5.xml><?xml version="1.0" encoding="utf-8"?>
-<p:sld xmlns:a="http://schemas.openxmlformats.org/drawingml/2006/main" xmlns:r="http://schemas.openxmlformats.org/officeDocument/2006/relationships" xmlns:p="http://schemas.openxmlformats.org/presentationml/2006/main">
-  <p:cSld>
-    <p:spTree>
-      <p:nvGrpSpPr>
-        <p:cNvPr id="1" name=""/>
-        <p:cNvGrpSpPr/>
-        <p:nvPr/>
-      </p:nvGrpSpPr>
-      <p:grpSpPr>
-        <a:xfrm>
-          <a:off x="0" y="0"/>
-          <a:ext cx="0" cy="0"/>
-          <a:chOff x="0" y="0"/>
-          <a:chExt cx="0" cy="0"/>
-        </a:xfrm>
-      </p:grpSpPr>
-      <p:sp>
-        <p:nvSpPr>
-          <p:cNvPr id="2" name="Title 1"/>
-          <p:cNvSpPr>
-            <a:spLocks noGrp="1"/>
-          </p:cNvSpPr>
-          <p:nvPr>
-            <p:ph type="title"/>
-          </p:nvPr>
-        </p:nvSpPr>
-        <p:spPr/>
-        <p:txBody>
-          <a:bodyPr/>
-          <a:lstStyle/>
-          <a:p>
-            <a:r>
-              <a:rPr lang="en-US" dirty="0" smtClean="0"/>
-              <a:t>Major Factors</a:t>
-            </a:r>
-            <a:endParaRPr lang="en-US" dirty="0"/>
-          </a:p>
-        </p:txBody>
-      </p:sp>
-      <p:sp>
-        <p:nvSpPr>
-          <p:cNvPr id="3" name="Content Placeholder 2"/>
-          <p:cNvSpPr>
-            <a:spLocks noGrp="1"/>
-          </p:cNvSpPr>
-          <p:nvPr>
-            <p:ph idx="1"/>
-          </p:nvPr>
-        </p:nvSpPr>
-        <p:spPr/>
-        <p:txBody>
-          <a:bodyPr>
-            <a:normAutofit fontScale="92500" lnSpcReduction="20000"/>
-          </a:bodyPr>
-          <a:lstStyle/>
-          <a:p>
-            <a:pPr marL="457200" indent="-457200">
-              <a:buFont typeface="+mj-lt"/>
-              <a:buAutoNum type="arabicPeriod"/>
-            </a:pPr>
-            <a:r>
-              <a:rPr lang="en-US" sz="2800" dirty="0" smtClean="0"/>
-              <a:t>% of physician visits due to flu like symptoms</a:t>
-            </a:r>
-          </a:p>
-          <a:p>
-            <a:pPr marL="457200" indent="-457200">
-              <a:buFont typeface="+mj-lt"/>
-              <a:buAutoNum type="arabicPeriod"/>
-            </a:pPr>
-            <a:endParaRPr lang="en-US" sz="2800" dirty="0" smtClean="0"/>
-          </a:p>
-          <a:p>
-            <a:pPr marL="457200" indent="-457200">
-              <a:buFont typeface="+mj-lt"/>
-              <a:buAutoNum type="arabicPeriod"/>
-            </a:pPr>
-            <a:r>
-              <a:rPr lang="en-US" sz="2800" dirty="0" smtClean="0"/>
-              <a:t>Query fraction – total count of a query term in a given location aggregated weekly and normalized by total count of </a:t>
-            </a:r>
-            <a:r>
-              <a:rPr lang="en-US" sz="2800" b="1" dirty="0" smtClean="0"/>
-              <a:t>all </a:t>
-            </a:r>
-            <a:r>
-              <a:rPr lang="en-US" sz="2800" dirty="0" smtClean="0"/>
-              <a:t>queries</a:t>
-            </a:r>
-          </a:p>
-          <a:p>
-            <a:pPr marL="457200" indent="-457200">
-              <a:buFont typeface="+mj-lt"/>
-              <a:buAutoNum type="arabicPeriod"/>
-            </a:pPr>
-            <a:endParaRPr lang="en-US" sz="2800" b="1" dirty="0" smtClean="0"/>
-          </a:p>
-          <a:p>
-            <a:pPr marL="457200" indent="-457200">
-              <a:buFont typeface="+mj-lt"/>
-              <a:buAutoNum type="arabicPeriod"/>
-            </a:pPr>
-            <a:r>
-              <a:rPr lang="en-US" sz="2800" dirty="0" smtClean="0"/>
-              <a:t>Query terms that provide the highest correlation with CDC published target signals</a:t>
-            </a:r>
-          </a:p>
-          <a:p>
-            <a:pPr marL="857250" lvl="1" indent="-457200"/>
-            <a:r>
-              <a:rPr lang="en-US" sz="2800" dirty="0"/>
-              <a:t>Query fractions and target signal curves fit into a </a:t>
-            </a:r>
-            <a:r>
-              <a:rPr lang="en-US" sz="2800" b="1" dirty="0"/>
-              <a:t>univariate linear regression model </a:t>
-            </a:r>
-          </a:p>
-          <a:p>
-            <a:pPr marL="857250" lvl="1" indent="-457200">
-              <a:buFont typeface="+mj-lt"/>
-              <a:buAutoNum type="arabicPeriod"/>
-            </a:pPr>
-            <a:endParaRPr lang="en-US" sz="2600" dirty="0"/>
-          </a:p>
-        </p:txBody>
-      </p:sp>
-    </p:spTree>
-    <p:extLst>
-      <p:ext uri="{BB962C8B-B14F-4D97-AF65-F5344CB8AC3E}">
-        <p14:creationId xmlns:p14="http://schemas.microsoft.com/office/powerpoint/2010/main" val="2541789560"/>
-      </p:ext>
-    </p:extLst>
-  </p:cSld>
-  <p:clrMapOvr>
-    <a:masterClrMapping/>
-  </p:clrMapOvr>
-</p:sld>
-</file>
-
 <file path=ppt/slides/slide6.xml><?xml version="1.0" encoding="utf-8"?>
 <p:sld xmlns:a="http://schemas.openxmlformats.org/drawingml/2006/main" xmlns:r="http://schemas.openxmlformats.org/officeDocument/2006/relationships" xmlns:p="http://schemas.openxmlformats.org/presentationml/2006/main">
   <p:cSld>
@@ -7203,7 +7205,7 @@
           <a:p>
             <a:r>
               <a:rPr lang="en-US" dirty="0" smtClean="0"/>
-              <a:t>Constraints</a:t>
+              <a:t>Major Factors</a:t>
             </a:r>
             <a:endParaRPr lang="en-US" dirty="0"/>
           </a:p>
@@ -7222,24 +7224,85 @@
         <p:spPr/>
         <p:txBody>
           <a:bodyPr>
-            <a:normAutofit/>
+            <a:normAutofit fontScale="92500" lnSpcReduction="20000"/>
           </a:bodyPr>
           <a:lstStyle/>
           <a:p>
-            <a:r>
-              <a:rPr lang="en-US" sz="2400" dirty="0" smtClean="0"/>
-              <a:t>Country selection limited to “ground truth” data provided by a national or international public health agency</a:t>
-            </a:r>
-          </a:p>
-          <a:p>
-            <a:endParaRPr lang="en-US" sz="2400" dirty="0"/>
+            <a:pPr marL="457200" indent="-457200">
+              <a:buFont typeface="+mj-lt"/>
+              <a:buAutoNum type="arabicPeriod"/>
+            </a:pPr>
+            <a:r>
+              <a:rPr lang="en-US" sz="2800" dirty="0" smtClean="0"/>
+              <a:t>% of physician visits due to flu like symptoms</a:t>
+            </a:r>
+          </a:p>
+          <a:p>
+            <a:pPr marL="457200" indent="-457200">
+              <a:buFont typeface="+mj-lt"/>
+              <a:buAutoNum type="arabicPeriod"/>
+            </a:pPr>
+            <a:endParaRPr lang="en-US" sz="2800" dirty="0" smtClean="0"/>
+          </a:p>
+          <a:p>
+            <a:pPr marL="457200" indent="-457200">
+              <a:buFont typeface="+mj-lt"/>
+              <a:buAutoNum type="arabicPeriod"/>
+            </a:pPr>
+            <a:r>
+              <a:rPr lang="en-US" sz="2800" dirty="0" smtClean="0"/>
+              <a:t>Query fraction – total count of a query term in a given location aggregated weekly and normalized by total count of </a:t>
+            </a:r>
+            <a:r>
+              <a:rPr lang="en-US" sz="2800" b="1" dirty="0" smtClean="0"/>
+              <a:t>all </a:t>
+            </a:r>
+            <a:r>
+              <a:rPr lang="en-US" sz="2800" dirty="0" smtClean="0"/>
+              <a:t>queries</a:t>
+            </a:r>
+          </a:p>
+          <a:p>
+            <a:pPr marL="457200" indent="-457200">
+              <a:buFont typeface="+mj-lt"/>
+              <a:buAutoNum type="arabicPeriod"/>
+            </a:pPr>
+            <a:endParaRPr lang="en-US" sz="2800" b="1" dirty="0" smtClean="0"/>
+          </a:p>
+          <a:p>
+            <a:pPr marL="457200" indent="-457200">
+              <a:buFont typeface="+mj-lt"/>
+              <a:buAutoNum type="arabicPeriod"/>
+            </a:pPr>
+            <a:r>
+              <a:rPr lang="en-US" sz="2800" dirty="0" smtClean="0"/>
+              <a:t>Query terms that provide the highest correlation with CDC published target signals</a:t>
+            </a:r>
+          </a:p>
+          <a:p>
+            <a:pPr marL="857250" lvl="1" indent="-457200"/>
+            <a:r>
+              <a:rPr lang="en-US" sz="2800" dirty="0"/>
+              <a:t>Query fractions and target signal curves fit into a </a:t>
+            </a:r>
+            <a:r>
+              <a:rPr lang="en-US" sz="2800" b="1" dirty="0"/>
+              <a:t>univariate linear regression model </a:t>
+            </a:r>
+          </a:p>
+          <a:p>
+            <a:pPr marL="857250" lvl="1" indent="-457200">
+              <a:buFont typeface="+mj-lt"/>
+              <a:buAutoNum type="arabicPeriod"/>
+            </a:pPr>
+            <a:endParaRPr lang="en-US" sz="2600" dirty="0"/>
           </a:p>
         </p:txBody>
       </p:sp>
     </p:spTree>
     <p:extLst>
       <p:ext uri="{BB962C8B-B14F-4D97-AF65-F5344CB8AC3E}">
-        <p14:creationId xmlns:p14="http://schemas.microsoft.com/office/powerpoint/2010/main" val="2161083354"/>
+        <p14:creationId xmlns:p14="http://schemas.microsoft.com/office/powerpoint/2010/main" val="2541789560"/>
       </p:ext>
     </p:extLst>
   </p:cSld>
@@ -7283,6 +7346,86 @@
           <a:p>
             <a:r>
               <a:rPr lang="en-US" dirty="0" smtClean="0"/>
+              <a:t>Constraints</a:t>
+            </a:r>
+            <a:endParaRPr lang="en-US" dirty="0"/>
+          </a:p>
+        </p:txBody>
+      </p:sp>
+      <p:sp>
+        <p:nvSpPr>
+          <p:cNvPr id="3" name="Content Placeholder 2"/>
+          <p:cNvSpPr>
+            <a:spLocks noGrp="1"/>
+          </p:cNvSpPr>
+          <p:nvPr>
+            <p:ph idx="1"/>
+          </p:nvPr>
+        </p:nvSpPr>
+        <p:spPr/>
+        <p:txBody>
+          <a:bodyPr>
+            <a:normAutofit/>
+          </a:bodyPr>
+          <a:lstStyle/>
+          <a:p>
+            <a:r>
+              <a:rPr lang="en-US" sz="2400" dirty="0" smtClean="0"/>
+              <a:t>Country selection limited to “ground truth” data provided by a national or international public health agency</a:t>
+            </a:r>
+          </a:p>
+          <a:p>
+            <a:endParaRPr lang="en-US" sz="2400" dirty="0"/>
+          </a:p>
+        </p:txBody>
+      </p:sp>
+    </p:spTree>
+    <p:extLst>
+      <p:ext uri="{BB962C8B-B14F-4D97-AF65-F5344CB8AC3E}">
+        <p14:creationId xmlns:p14="http://schemas.microsoft.com/office/powerpoint/2010/main" val="2161083354"/>
+      </p:ext>
+    </p:extLst>
+  </p:cSld>
+  <p:clrMapOvr>
+    <a:masterClrMapping/>
+  </p:clrMapOvr>
+</p:sld>
+</file>
+
+<file path=ppt/slides/slide8.xml><?xml version="1.0" encoding="utf-8"?>
+<p:sld xmlns:a="http://schemas.openxmlformats.org/drawingml/2006/main" xmlns:r="http://schemas.openxmlformats.org/officeDocument/2006/relationships" xmlns:p="http://schemas.openxmlformats.org/presentationml/2006/main">
+  <p:cSld>
+    <p:spTree>
+      <p:nvGrpSpPr>
+        <p:cNvPr id="1" name=""/>
+        <p:cNvGrpSpPr/>
+        <p:nvPr/>
+      </p:nvGrpSpPr>
+      <p:grpSpPr>
+        <a:xfrm>
+          <a:off x="0" y="0"/>
+          <a:ext cx="0" cy="0"/>
+          <a:chOff x="0" y="0"/>
+          <a:chExt cx="0" cy="0"/>
+        </a:xfrm>
+      </p:grpSpPr>
+      <p:sp>
+        <p:nvSpPr>
+          <p:cNvPr id="2" name="Title 1"/>
+          <p:cNvSpPr>
+            <a:spLocks noGrp="1"/>
+          </p:cNvSpPr>
+          <p:nvPr>
+            <p:ph type="title"/>
+          </p:nvPr>
+        </p:nvSpPr>
+        <p:spPr/>
+        <p:txBody>
+          <a:bodyPr/>
+          <a:lstStyle/>
+          <a:p>
+            <a:r>
+              <a:rPr lang="en-US" dirty="0" smtClean="0"/>
               <a:t>What went wrong?</a:t>
             </a:r>
             <a:endParaRPr lang="en-US" dirty="0"/>
@@ -7375,7 +7518,7 @@
 </p:sld>
 </file>
 
-<file path=ppt/slides/slide8.xml><?xml version="1.0" encoding="utf-8"?>
+<file path=ppt/slides/slide9.xml><?xml version="1.0" encoding="utf-8"?>
 <p:sld xmlns:a="http://schemas.openxmlformats.org/drawingml/2006/main" xmlns:r="http://schemas.openxmlformats.org/officeDocument/2006/relationships" xmlns:p="http://schemas.openxmlformats.org/presentationml/2006/main">
   <p:cSld>
     <p:spTree>
@@ -7576,112 +7719,6 @@
     <p:extLst>
       <p:ext uri="{BB962C8B-B14F-4D97-AF65-F5344CB8AC3E}">
         <p14:creationId xmlns:p14="http://schemas.microsoft.com/office/powerpoint/2010/main" val="1947831433"/>
-      </p:ext>
-    </p:extLst>
-  </p:cSld>
-  <p:clrMapOvr>
-    <a:masterClrMapping/>
-  </p:clrMapOvr>
-</p:sld>
-</file>
-
-<file path=ppt/slides/slide9.xml><?xml version="1.0" encoding="utf-8"?>
-<p:sld xmlns:a="http://schemas.openxmlformats.org/drawingml/2006/main" xmlns:r="http://schemas.openxmlformats.org/officeDocument/2006/relationships" xmlns:p="http://schemas.openxmlformats.org/presentationml/2006/main">
-  <p:cSld>
-    <p:spTree>
-      <p:nvGrpSpPr>
-        <p:cNvPr id="1" name=""/>
-        <p:cNvGrpSpPr/>
-        <p:nvPr/>
-      </p:nvGrpSpPr>
-      <p:grpSpPr>
-        <a:xfrm>
-          <a:off x="0" y="0"/>
-          <a:ext cx="0" cy="0"/>
-          <a:chOff x="0" y="0"/>
-          <a:chExt cx="0" cy="0"/>
-        </a:xfrm>
-      </p:grpSpPr>
-      <p:sp>
-        <p:nvSpPr>
-          <p:cNvPr id="2" name="Title 1"/>
-          <p:cNvSpPr>
-            <a:spLocks noGrp="1"/>
-          </p:cNvSpPr>
-          <p:nvPr>
-            <p:ph type="title"/>
-          </p:nvPr>
-        </p:nvSpPr>
-        <p:spPr/>
-        <p:txBody>
-          <a:bodyPr/>
-          <a:lstStyle/>
-          <a:p>
-            <a:r>
-              <a:rPr lang="en-US" dirty="0" smtClean="0"/>
-              <a:t>Questions/Comments</a:t>
-            </a:r>
-            <a:endParaRPr lang="en-US" dirty="0"/>
-          </a:p>
-        </p:txBody>
-      </p:sp>
-      <p:sp>
-        <p:nvSpPr>
-          <p:cNvPr id="3" name="Content Placeholder 2"/>
-          <p:cNvSpPr>
-            <a:spLocks noGrp="1"/>
-          </p:cNvSpPr>
-          <p:nvPr>
-            <p:ph idx="1"/>
-          </p:nvPr>
-        </p:nvSpPr>
-        <p:spPr/>
-        <p:txBody>
-          <a:bodyPr>
-            <a:normAutofit/>
-          </a:bodyPr>
-          <a:lstStyle/>
-          <a:p>
-            <a:r>
-              <a:rPr lang="en-US" sz="2400" dirty="0" smtClean="0"/>
-              <a:t>Was Google Flu Trend’s model too simple?</a:t>
-            </a:r>
-          </a:p>
-          <a:p>
-            <a:pPr lvl="1"/>
-            <a:r>
-              <a:rPr lang="en-US" sz="2400" dirty="0" smtClean="0"/>
-              <a:t>CDC uses models to predict spread of disease </a:t>
-            </a:r>
-          </a:p>
-          <a:p>
-            <a:pPr lvl="2"/>
-            <a:r>
-              <a:rPr lang="en-US" sz="2400" dirty="0" smtClean="0"/>
-              <a:t>Should that model have been built into algorithm to determine whether</a:t>
-            </a:r>
-          </a:p>
-          <a:p>
-            <a:pPr lvl="2"/>
-            <a:endParaRPr lang="en-US" sz="2400" dirty="0"/>
-          </a:p>
-          <a:p>
-            <a:pPr lvl="2"/>
-            <a:endParaRPr lang="en-US" sz="2400" dirty="0" smtClean="0"/>
-          </a:p>
-          <a:p>
-            <a:r>
-              <a:rPr lang="en-US" sz="2800" smtClean="0"/>
-              <a:t>Additional comments…</a:t>
-            </a:r>
-            <a:endParaRPr lang="en-US" sz="2800" dirty="0"/>
-          </a:p>
-        </p:txBody>
-      </p:sp>
-    </p:spTree>
-    <p:extLst>
-      <p:ext uri="{BB962C8B-B14F-4D97-AF65-F5344CB8AC3E}">
-        <p14:creationId xmlns:p14="http://schemas.microsoft.com/office/powerpoint/2010/main" val="1484747386"/>
       </p:ext>
     </p:extLst>
   </p:cSld>

--- a/GroupProject/GroupProject.pptx
+++ b/GroupProject/GroupProject.pptx
@@ -1,11 +1,11 @@
 
 <file path=ppt/presentation.xml><?xml version="1.0" encoding="utf-8"?>
-<p:presentation xmlns:a="http://schemas.openxmlformats.org/drawingml/2006/main" xmlns:r="http://schemas.openxmlformats.org/officeDocument/2006/relationships" xmlns:p="http://schemas.openxmlformats.org/presentationml/2006/main" saveSubsetFonts="1">
+<p:presentation xmlns:a="http://schemas.openxmlformats.org/drawingml/2006/main" xmlns:r="http://schemas.openxmlformats.org/officeDocument/2006/relationships" xmlns:p="http://schemas.openxmlformats.org/presentationml/2006/main" saveSubsetFonts="1" bookmarkIdSeed="3">
   <p:sldMasterIdLst>
     <p:sldMasterId id="2147483725" r:id="rId1"/>
   </p:sldMasterIdLst>
   <p:notesMasterIdLst>
-    <p:notesMasterId r:id="rId12"/>
+    <p:notesMasterId r:id="rId14"/>
   </p:notesMasterIdLst>
   <p:sldIdLst>
     <p:sldId id="256" r:id="rId2"/>
@@ -15,9 +15,11 @@
     <p:sldId id="260" r:id="rId6"/>
     <p:sldId id="262" r:id="rId7"/>
     <p:sldId id="261" r:id="rId8"/>
-    <p:sldId id="263" r:id="rId9"/>
-    <p:sldId id="258" r:id="rId10"/>
-    <p:sldId id="264" r:id="rId11"/>
+    <p:sldId id="266" r:id="rId9"/>
+    <p:sldId id="267" r:id="rId10"/>
+    <p:sldId id="263" r:id="rId11"/>
+    <p:sldId id="258" r:id="rId12"/>
+    <p:sldId id="264" r:id="rId13"/>
   </p:sldIdLst>
   <p:sldSz cx="12192000" cy="6858000"/>
   <p:notesSz cx="6858000" cy="9144000"/>
@@ -201,7 +203,7 @@
           <a:p>
             <a:fld id="{68AB4E1C-804C-463D-90D8-E12D92B55F5A}" type="datetimeFigureOut">
               <a:rPr lang="en-US" smtClean="0"/>
-              <a:t>5/10/2016</a:t>
+              <a:t>5/11/2016</a:t>
             </a:fld>
             <a:endParaRPr lang="en-US"/>
           </a:p>
@@ -553,6 +555,227 @@
 </p:notes>
 </file>
 
+<file path=ppt/notesSlides/notesSlide2.xml><?xml version="1.0" encoding="utf-8"?>
+<p:notes xmlns:a="http://schemas.openxmlformats.org/drawingml/2006/main" xmlns:r="http://schemas.openxmlformats.org/officeDocument/2006/relationships" xmlns:p="http://schemas.openxmlformats.org/presentationml/2006/main">
+  <p:cSld>
+    <p:spTree>
+      <p:nvGrpSpPr>
+        <p:cNvPr id="1" name=""/>
+        <p:cNvGrpSpPr/>
+        <p:nvPr/>
+      </p:nvGrpSpPr>
+      <p:grpSpPr>
+        <a:xfrm>
+          <a:off x="0" y="0"/>
+          <a:ext cx="0" cy="0"/>
+          <a:chOff x="0" y="0"/>
+          <a:chExt cx="0" cy="0"/>
+        </a:xfrm>
+      </p:grpSpPr>
+      <p:sp>
+        <p:nvSpPr>
+          <p:cNvPr id="2" name="Slide Image Placeholder 1"/>
+          <p:cNvSpPr>
+            <a:spLocks noGrp="1" noRot="1" noChangeAspect="1"/>
+          </p:cNvSpPr>
+          <p:nvPr>
+            <p:ph type="sldImg"/>
+          </p:nvPr>
+        </p:nvSpPr>
+        <p:spPr/>
+      </p:sp>
+      <p:sp>
+        <p:nvSpPr>
+          <p:cNvPr id="3" name="Notes Placeholder 2"/>
+          <p:cNvSpPr>
+            <a:spLocks noGrp="1"/>
+          </p:cNvSpPr>
+          <p:nvPr>
+            <p:ph type="body" idx="1"/>
+          </p:nvPr>
+        </p:nvSpPr>
+        <p:spPr/>
+        <p:txBody>
+          <a:bodyPr/>
+          <a:lstStyle/>
+          <a:p>
+            <a:r>
+              <a:rPr lang="en-US" sz="1200" kern="1200" dirty="0" err="1" smtClean="0">
+                <a:solidFill>
+                  <a:schemeClr val="tx1"/>
+                </a:solidFill>
+                <a:latin typeface="+mn-lt"/>
+                <a:ea typeface="+mn-ea"/>
+                <a:cs typeface="+mn-cs"/>
+              </a:rPr>
+              <a:t>racePctWhite</a:t>
+            </a:r>
+            <a:r>
+              <a:rPr lang="en-US" sz="1200" kern="1200" dirty="0" smtClean="0">
+                <a:solidFill>
+                  <a:schemeClr val="tx1"/>
+                </a:solidFill>
+                <a:latin typeface="+mn-lt"/>
+                <a:ea typeface="+mn-ea"/>
+                <a:cs typeface="+mn-cs"/>
+              </a:rPr>
+              <a:t>: percentage of population that is </a:t>
+            </a:r>
+            <a:r>
+              <a:rPr lang="en-US" sz="1200" u="sng" kern="1200" dirty="0" err="1" smtClean="0">
+                <a:solidFill>
+                  <a:schemeClr val="tx1"/>
+                </a:solidFill>
+                <a:latin typeface="+mn-lt"/>
+                <a:ea typeface="+mn-ea"/>
+                <a:cs typeface="+mn-cs"/>
+              </a:rPr>
+              <a:t>caucasian</a:t>
+            </a:r>
+            <a:r>
+              <a:rPr lang="en-US" sz="1200" u="sng" kern="1200" dirty="0" smtClean="0">
+                <a:solidFill>
+                  <a:schemeClr val="tx1"/>
+                </a:solidFill>
+                <a:latin typeface="+mn-lt"/>
+                <a:ea typeface="+mn-ea"/>
+                <a:cs typeface="+mn-cs"/>
+              </a:rPr>
+              <a:t> (numeric - decimal)</a:t>
+            </a:r>
+          </a:p>
+          <a:p>
+            <a:r>
+              <a:rPr lang="en-US" sz="1200" u="none" kern="1200" baseline="0" dirty="0" smtClean="0">
+                <a:solidFill>
+                  <a:schemeClr val="tx1"/>
+                </a:solidFill>
+                <a:latin typeface="+mn-lt"/>
+                <a:ea typeface="+mn-ea"/>
+                <a:cs typeface="+mn-cs"/>
+              </a:rPr>
+              <a:t>	Every other race was inverse of this (African American, Asian, and Hispanic)</a:t>
+            </a:r>
+            <a:endParaRPr lang="en-US" sz="1200" u="none" kern="1200" dirty="0" smtClean="0">
+              <a:solidFill>
+                <a:schemeClr val="tx1"/>
+              </a:solidFill>
+              <a:latin typeface="+mn-lt"/>
+              <a:ea typeface="+mn-ea"/>
+              <a:cs typeface="+mn-cs"/>
+            </a:endParaRPr>
+          </a:p>
+          <a:p>
+            <a:r>
+              <a:rPr lang="en-US" sz="1200" kern="1200" dirty="0" err="1" smtClean="0">
+                <a:solidFill>
+                  <a:schemeClr val="tx1"/>
+                </a:solidFill>
+                <a:latin typeface="+mn-lt"/>
+                <a:ea typeface="+mn-ea"/>
+                <a:cs typeface="+mn-cs"/>
+              </a:rPr>
+              <a:t>pctWInvInc</a:t>
+            </a:r>
+            <a:r>
+              <a:rPr lang="en-US" sz="1200" kern="1200" dirty="0" smtClean="0">
+                <a:solidFill>
+                  <a:schemeClr val="tx1"/>
+                </a:solidFill>
+                <a:latin typeface="+mn-lt"/>
+                <a:ea typeface="+mn-ea"/>
+                <a:cs typeface="+mn-cs"/>
+              </a:rPr>
+              <a:t>: percentage of households with investment / rent income in 1989 (numeric - decimal)</a:t>
+            </a:r>
+          </a:p>
+          <a:p>
+            <a:r>
+              <a:rPr lang="en-US" sz="1200" kern="1200" dirty="0" err="1" smtClean="0">
+                <a:solidFill>
+                  <a:schemeClr val="tx1"/>
+                </a:solidFill>
+                <a:latin typeface="+mn-lt"/>
+                <a:ea typeface="+mn-ea"/>
+                <a:cs typeface="+mn-cs"/>
+              </a:rPr>
+              <a:t>PctNotHSGrad</a:t>
+            </a:r>
+            <a:r>
+              <a:rPr lang="en-US" sz="1200" kern="1200" dirty="0" smtClean="0">
+                <a:solidFill>
+                  <a:schemeClr val="tx1"/>
+                </a:solidFill>
+                <a:latin typeface="+mn-lt"/>
+                <a:ea typeface="+mn-ea"/>
+                <a:cs typeface="+mn-cs"/>
+              </a:rPr>
+              <a:t>: percentage of people 25 and over that are not high school graduates (numeric - decimal)</a:t>
+            </a:r>
+          </a:p>
+          <a:p>
+            <a:r>
+              <a:rPr lang="en-US" sz="1200" kern="1200" dirty="0" err="1" smtClean="0">
+                <a:solidFill>
+                  <a:schemeClr val="tx1"/>
+                </a:solidFill>
+                <a:latin typeface="+mn-lt"/>
+                <a:ea typeface="+mn-ea"/>
+                <a:cs typeface="+mn-cs"/>
+              </a:rPr>
+              <a:t>TotalPctDiv</a:t>
+            </a:r>
+            <a:r>
+              <a:rPr lang="en-US" sz="1200" kern="1200" dirty="0" smtClean="0">
+                <a:solidFill>
+                  <a:schemeClr val="tx1"/>
+                </a:solidFill>
+                <a:latin typeface="+mn-lt"/>
+                <a:ea typeface="+mn-ea"/>
+                <a:cs typeface="+mn-cs"/>
+              </a:rPr>
+              <a:t>: percentage of population who are divorced (numeric - decimal)</a:t>
+            </a:r>
+            <a:endParaRPr lang="en-US" dirty="0"/>
+          </a:p>
+        </p:txBody>
+      </p:sp>
+      <p:sp>
+        <p:nvSpPr>
+          <p:cNvPr id="4" name="Slide Number Placeholder 3"/>
+          <p:cNvSpPr>
+            <a:spLocks noGrp="1"/>
+          </p:cNvSpPr>
+          <p:nvPr>
+            <p:ph type="sldNum" sz="quarter" idx="10"/>
+          </p:nvPr>
+        </p:nvSpPr>
+        <p:spPr/>
+        <p:txBody>
+          <a:bodyPr/>
+          <a:lstStyle/>
+          <a:p>
+            <a:fld id="{379AA848-7A20-465D-A319-012F3EE62EEB}" type="slidenum">
+              <a:rPr lang="en-US" smtClean="0"/>
+              <a:t>6</a:t>
+            </a:fld>
+            <a:endParaRPr lang="en-US"/>
+          </a:p>
+        </p:txBody>
+      </p:sp>
+    </p:spTree>
+    <p:extLst>
+      <p:ext uri="{BB962C8B-B14F-4D97-AF65-F5344CB8AC3E}">
+        <p14:creationId xmlns:p14="http://schemas.microsoft.com/office/powerpoint/2010/main" val="3598488852"/>
+      </p:ext>
+    </p:extLst>
+  </p:cSld>
+  <p:clrMapOvr>
+    <a:masterClrMapping/>
+  </p:clrMapOvr>
+</p:notes>
+</file>
+
 <file path=ppt/slideLayouts/slideLayout1.xml><?xml version="1.0" encoding="utf-8"?>
 <p:sldLayout xmlns:a="http://schemas.openxmlformats.org/drawingml/2006/main" xmlns:r="http://schemas.openxmlformats.org/officeDocument/2006/relationships" xmlns:p="http://schemas.openxmlformats.org/presentationml/2006/main" type="title" preserve="1">
   <p:cSld name="Title Slide">
@@ -739,7 +962,7 @@
           <a:p>
             <a:fld id="{B2C8D8C6-32A1-4BAE-BA07-FB9B53739353}" type="datetimeFigureOut">
               <a:rPr lang="en-US" smtClean="0"/>
-              <a:t>5/10/2016</a:t>
+              <a:t>5/11/2016</a:t>
             </a:fld>
             <a:endParaRPr lang="en-US"/>
           </a:p>
@@ -1014,7 +1237,7 @@
           <a:p>
             <a:fld id="{B2C8D8C6-32A1-4BAE-BA07-FB9B53739353}" type="datetimeFigureOut">
               <a:rPr lang="en-US" smtClean="0"/>
-              <a:t>5/10/2016</a:t>
+              <a:t>5/11/2016</a:t>
             </a:fld>
             <a:endParaRPr lang="en-US"/>
           </a:p>
@@ -1208,7 +1431,7 @@
           <a:p>
             <a:fld id="{B2C8D8C6-32A1-4BAE-BA07-FB9B53739353}" type="datetimeFigureOut">
               <a:rPr lang="en-US" smtClean="0"/>
-              <a:t>5/10/2016</a:t>
+              <a:t>5/11/2016</a:t>
             </a:fld>
             <a:endParaRPr lang="en-US"/>
           </a:p>
@@ -1481,7 +1704,7 @@
           <a:p>
             <a:fld id="{B2C8D8C6-32A1-4BAE-BA07-FB9B53739353}" type="datetimeFigureOut">
               <a:rPr lang="en-US" smtClean="0"/>
-              <a:t>5/10/2016</a:t>
+              <a:t>5/11/2016</a:t>
             </a:fld>
             <a:endParaRPr lang="en-US"/>
           </a:p>
@@ -1822,7 +2045,7 @@
           <a:p>
             <a:fld id="{B2C8D8C6-32A1-4BAE-BA07-FB9B53739353}" type="datetimeFigureOut">
               <a:rPr lang="en-US" smtClean="0"/>
-              <a:t>5/10/2016</a:t>
+              <a:t>5/11/2016</a:t>
             </a:fld>
             <a:endParaRPr lang="en-US"/>
           </a:p>
@@ -2445,7 +2668,7 @@
           <a:p>
             <a:fld id="{B2C8D8C6-32A1-4BAE-BA07-FB9B53739353}" type="datetimeFigureOut">
               <a:rPr lang="en-US" smtClean="0"/>
-              <a:t>5/10/2016</a:t>
+              <a:t>5/11/2016</a:t>
             </a:fld>
             <a:endParaRPr lang="en-US"/>
           </a:p>
@@ -3305,7 +3528,7 @@
           <a:p>
             <a:fld id="{B2C8D8C6-32A1-4BAE-BA07-FB9B53739353}" type="datetimeFigureOut">
               <a:rPr lang="en-US" smtClean="0"/>
-              <a:t>5/10/2016</a:t>
+              <a:t>5/11/2016</a:t>
             </a:fld>
             <a:endParaRPr lang="en-US"/>
           </a:p>
@@ -3475,7 +3698,7 @@
           <a:p>
             <a:fld id="{B2C8D8C6-32A1-4BAE-BA07-FB9B53739353}" type="datetimeFigureOut">
               <a:rPr lang="en-US" smtClean="0"/>
-              <a:t>5/10/2016</a:t>
+              <a:t>5/11/2016</a:t>
             </a:fld>
             <a:endParaRPr lang="en-US"/>
           </a:p>
@@ -3655,7 +3878,7 @@
           <a:p>
             <a:fld id="{B2C8D8C6-32A1-4BAE-BA07-FB9B53739353}" type="datetimeFigureOut">
               <a:rPr lang="en-US" smtClean="0"/>
-              <a:t>5/10/2016</a:t>
+              <a:t>5/11/2016</a:t>
             </a:fld>
             <a:endParaRPr lang="en-US"/>
           </a:p>
@@ -3825,7 +4048,7 @@
           <a:p>
             <a:fld id="{B2C8D8C6-32A1-4BAE-BA07-FB9B53739353}" type="datetimeFigureOut">
               <a:rPr lang="en-US" smtClean="0"/>
-              <a:t>5/10/2016</a:t>
+              <a:t>5/11/2016</a:t>
             </a:fld>
             <a:endParaRPr lang="en-US"/>
           </a:p>
@@ -4072,7 +4295,7 @@
           <a:p>
             <a:fld id="{B2C8D8C6-32A1-4BAE-BA07-FB9B53739353}" type="datetimeFigureOut">
               <a:rPr lang="en-US" smtClean="0"/>
-              <a:t>5/10/2016</a:t>
+              <a:t>5/11/2016</a:t>
             </a:fld>
             <a:endParaRPr lang="en-US"/>
           </a:p>
@@ -4364,7 +4587,7 @@
           <a:p>
             <a:fld id="{B2C8D8C6-32A1-4BAE-BA07-FB9B53739353}" type="datetimeFigureOut">
               <a:rPr lang="en-US" smtClean="0"/>
-              <a:t>5/10/2016</a:t>
+              <a:t>5/11/2016</a:t>
             </a:fld>
             <a:endParaRPr lang="en-US"/>
           </a:p>
@@ -4808,7 +5031,7 @@
           <a:p>
             <a:fld id="{B2C8D8C6-32A1-4BAE-BA07-FB9B53739353}" type="datetimeFigureOut">
               <a:rPr lang="en-US" smtClean="0"/>
-              <a:t>5/10/2016</a:t>
+              <a:t>5/11/2016</a:t>
             </a:fld>
             <a:endParaRPr lang="en-US"/>
           </a:p>
@@ -4926,7 +5149,7 @@
           <a:p>
             <a:fld id="{B2C8D8C6-32A1-4BAE-BA07-FB9B53739353}" type="datetimeFigureOut">
               <a:rPr lang="en-US" smtClean="0"/>
-              <a:t>5/10/2016</a:t>
+              <a:t>5/11/2016</a:t>
             </a:fld>
             <a:endParaRPr lang="en-US"/>
           </a:p>
@@ -5021,7 +5244,7 @@
           <a:p>
             <a:fld id="{B2C8D8C6-32A1-4BAE-BA07-FB9B53739353}" type="datetimeFigureOut">
               <a:rPr lang="en-US" smtClean="0"/>
-              <a:t>5/10/2016</a:t>
+              <a:t>5/11/2016</a:t>
             </a:fld>
             <a:endParaRPr lang="en-US"/>
           </a:p>
@@ -5300,7 +5523,7 @@
           <a:p>
             <a:fld id="{B2C8D8C6-32A1-4BAE-BA07-FB9B53739353}" type="datetimeFigureOut">
               <a:rPr lang="en-US" smtClean="0"/>
-              <a:t>5/10/2016</a:t>
+              <a:t>5/11/2016</a:t>
             </a:fld>
             <a:endParaRPr lang="en-US"/>
           </a:p>
@@ -5575,7 +5798,7 @@
           <a:p>
             <a:fld id="{B2C8D8C6-32A1-4BAE-BA07-FB9B53739353}" type="datetimeFigureOut">
               <a:rPr lang="en-US" smtClean="0"/>
-              <a:t>5/10/2016</a:t>
+              <a:t>5/11/2016</a:t>
             </a:fld>
             <a:endParaRPr lang="en-US"/>
           </a:p>
@@ -6004,7 +6227,7 @@
           <a:p>
             <a:fld id="{B2C8D8C6-32A1-4BAE-BA07-FB9B53739353}" type="datetimeFigureOut">
               <a:rPr lang="en-US" smtClean="0"/>
-              <a:t>5/10/2016</a:t>
+              <a:t>5/11/2016</a:t>
             </a:fld>
             <a:endParaRPr lang="en-US"/>
           </a:p>
@@ -6574,11 +6797,7 @@
           <a:p>
             <a:r>
               <a:rPr lang="en-US" sz="2800" dirty="0" smtClean="0"/>
-              <a:t>Kevin </a:t>
-            </a:r>
-            <a:r>
-              <a:rPr lang="en-US" sz="2800" dirty="0" smtClean="0"/>
-              <a:t>Kuo &amp; Mary Snyder</a:t>
+              <a:t>Kevin Kuo &amp; Mary Snyder</a:t>
             </a:r>
             <a:endParaRPr lang="en-US" sz="2800" dirty="0"/>
           </a:p>
@@ -6631,801 +6850,6 @@
           <a:p>
             <a:r>
               <a:rPr lang="en-US" dirty="0" smtClean="0"/>
-              <a:t>Questions/Comments</a:t>
-            </a:r>
-            <a:endParaRPr lang="en-US" dirty="0"/>
-          </a:p>
-        </p:txBody>
-      </p:sp>
-      <p:sp>
-        <p:nvSpPr>
-          <p:cNvPr id="3" name="Content Placeholder 2"/>
-          <p:cNvSpPr>
-            <a:spLocks noGrp="1"/>
-          </p:cNvSpPr>
-          <p:nvPr>
-            <p:ph idx="1"/>
-          </p:nvPr>
-        </p:nvSpPr>
-        <p:spPr/>
-        <p:txBody>
-          <a:bodyPr>
-            <a:normAutofit/>
-          </a:bodyPr>
-          <a:lstStyle/>
-          <a:p>
-            <a:r>
-              <a:rPr lang="en-US" sz="2400" dirty="0" smtClean="0"/>
-              <a:t>Was Google Flu Trend’s model too simple?</a:t>
-            </a:r>
-          </a:p>
-          <a:p>
-            <a:pPr lvl="1"/>
-            <a:r>
-              <a:rPr lang="en-US" sz="2400" dirty="0" smtClean="0"/>
-              <a:t>CDC uses models to predict spread of disease </a:t>
-            </a:r>
-          </a:p>
-          <a:p>
-            <a:pPr lvl="2"/>
-            <a:r>
-              <a:rPr lang="en-US" sz="2400" dirty="0" smtClean="0"/>
-              <a:t>Should that model have been built into algorithm to determine whether</a:t>
-            </a:r>
-          </a:p>
-          <a:p>
-            <a:pPr lvl="2"/>
-            <a:endParaRPr lang="en-US" sz="2400" dirty="0"/>
-          </a:p>
-          <a:p>
-            <a:pPr lvl="2"/>
-            <a:endParaRPr lang="en-US" sz="2400" dirty="0" smtClean="0"/>
-          </a:p>
-          <a:p>
-            <a:r>
-              <a:rPr lang="en-US" sz="2800" smtClean="0"/>
-              <a:t>Additional comments…</a:t>
-            </a:r>
-            <a:endParaRPr lang="en-US" sz="2800" dirty="0"/>
-          </a:p>
-        </p:txBody>
-      </p:sp>
-    </p:spTree>
-    <p:extLst>
-      <p:ext uri="{BB962C8B-B14F-4D97-AF65-F5344CB8AC3E}">
-        <p14:creationId xmlns:p14="http://schemas.microsoft.com/office/powerpoint/2010/main" val="1484747386"/>
-      </p:ext>
-    </p:extLst>
-  </p:cSld>
-  <p:clrMapOvr>
-    <a:masterClrMapping/>
-  </p:clrMapOvr>
-</p:sld>
-</file>
-
-<file path=ppt/slides/slide2.xml><?xml version="1.0" encoding="utf-8"?>
-<p:sld xmlns:a="http://schemas.openxmlformats.org/drawingml/2006/main" xmlns:r="http://schemas.openxmlformats.org/officeDocument/2006/relationships" xmlns:p="http://schemas.openxmlformats.org/presentationml/2006/main">
-  <p:cSld>
-    <p:spTree>
-      <p:nvGrpSpPr>
-        <p:cNvPr id="1" name=""/>
-        <p:cNvGrpSpPr/>
-        <p:nvPr/>
-      </p:nvGrpSpPr>
-      <p:grpSpPr>
-        <a:xfrm>
-          <a:off x="0" y="0"/>
-          <a:ext cx="0" cy="0"/>
-          <a:chOff x="0" y="0"/>
-          <a:chExt cx="0" cy="0"/>
-        </a:xfrm>
-      </p:grpSpPr>
-      <p:sp>
-        <p:nvSpPr>
-          <p:cNvPr id="2" name="Title 1"/>
-          <p:cNvSpPr>
-            <a:spLocks noGrp="1"/>
-          </p:cNvSpPr>
-          <p:nvPr>
-            <p:ph type="title"/>
-          </p:nvPr>
-        </p:nvSpPr>
-        <p:spPr/>
-        <p:txBody>
-          <a:bodyPr/>
-          <a:lstStyle/>
-          <a:p>
-            <a:r>
-              <a:rPr lang="en-US" dirty="0" smtClean="0"/>
-              <a:t>Data Set</a:t>
-            </a:r>
-            <a:endParaRPr lang="en-US" dirty="0"/>
-          </a:p>
-        </p:txBody>
-      </p:sp>
-      <p:sp>
-        <p:nvSpPr>
-          <p:cNvPr id="3" name="Content Placeholder 2"/>
-          <p:cNvSpPr>
-            <a:spLocks noGrp="1"/>
-          </p:cNvSpPr>
-          <p:nvPr>
-            <p:ph idx="1"/>
-          </p:nvPr>
-        </p:nvSpPr>
-        <p:spPr/>
-        <p:txBody>
-          <a:bodyPr>
-            <a:normAutofit/>
-          </a:bodyPr>
-          <a:lstStyle/>
-          <a:p>
-            <a:r>
-              <a:rPr lang="en-US" sz="2400" dirty="0" smtClean="0"/>
-              <a:t>Author: Michael Redmond</a:t>
-            </a:r>
-            <a:endParaRPr lang="en-US" sz="2400" dirty="0" smtClean="0"/>
-          </a:p>
-          <a:p>
-            <a:pPr marL="0" indent="0">
-              <a:buNone/>
-            </a:pPr>
-            <a:endParaRPr lang="en-US" sz="2400" dirty="0" smtClean="0"/>
-          </a:p>
-          <a:p>
-            <a:r>
-              <a:rPr lang="en-US" sz="2400" dirty="0" smtClean="0"/>
-              <a:t>Title: </a:t>
-            </a:r>
-            <a:r>
-              <a:rPr lang="en-US" sz="2400" dirty="0" smtClean="0"/>
-              <a:t>Communities and Crime</a:t>
-            </a:r>
-            <a:endParaRPr lang="en-US" sz="2400" dirty="0" smtClean="0"/>
-          </a:p>
-          <a:p>
-            <a:pPr marL="0" indent="0">
-              <a:buNone/>
-            </a:pPr>
-            <a:endParaRPr lang="en-US" sz="2400" dirty="0" smtClean="0"/>
-          </a:p>
-          <a:p>
-            <a:r>
-              <a:rPr lang="en-US" sz="2400" dirty="0" smtClean="0"/>
-              <a:t>Source: 1995 Federal Bureau of Investigation Uniform Crime Report</a:t>
-            </a:r>
-            <a:endParaRPr lang="en-US" sz="2400" dirty="0" smtClean="0"/>
-          </a:p>
-          <a:p>
-            <a:endParaRPr lang="en-US" sz="2400" dirty="0"/>
-          </a:p>
-        </p:txBody>
-      </p:sp>
-    </p:spTree>
-    <p:extLst>
-      <p:ext uri="{BB962C8B-B14F-4D97-AF65-F5344CB8AC3E}">
-        <p14:creationId xmlns:p14="http://schemas.microsoft.com/office/powerpoint/2010/main" val="1008165413"/>
-      </p:ext>
-    </p:extLst>
-  </p:cSld>
-  <p:clrMapOvr>
-    <a:masterClrMapping/>
-  </p:clrMapOvr>
-</p:sld>
-</file>
-
-<file path=ppt/slides/slide3.xml><?xml version="1.0" encoding="utf-8"?>
-<p:sld xmlns:a="http://schemas.openxmlformats.org/drawingml/2006/main" xmlns:r="http://schemas.openxmlformats.org/officeDocument/2006/relationships" xmlns:p="http://schemas.openxmlformats.org/presentationml/2006/main">
-  <p:cSld>
-    <p:spTree>
-      <p:nvGrpSpPr>
-        <p:cNvPr id="1" name=""/>
-        <p:cNvGrpSpPr/>
-        <p:nvPr/>
-      </p:nvGrpSpPr>
-      <p:grpSpPr>
-        <a:xfrm>
-          <a:off x="0" y="0"/>
-          <a:ext cx="0" cy="0"/>
-          <a:chOff x="0" y="0"/>
-          <a:chExt cx="0" cy="0"/>
-        </a:xfrm>
-      </p:grpSpPr>
-      <p:sp>
-        <p:nvSpPr>
-          <p:cNvPr id="2" name="Title 1"/>
-          <p:cNvSpPr>
-            <a:spLocks noGrp="1"/>
-          </p:cNvSpPr>
-          <p:nvPr>
-            <p:ph type="title"/>
-          </p:nvPr>
-        </p:nvSpPr>
-        <p:spPr/>
-        <p:txBody>
-          <a:bodyPr/>
-          <a:lstStyle/>
-          <a:p>
-            <a:r>
-              <a:rPr lang="en-US" dirty="0" smtClean="0"/>
-              <a:t>Data Set (cont’d)</a:t>
-            </a:r>
-            <a:endParaRPr lang="en-US" dirty="0"/>
-          </a:p>
-        </p:txBody>
-      </p:sp>
-      <p:sp>
-        <p:nvSpPr>
-          <p:cNvPr id="3" name="Content Placeholder 2"/>
-          <p:cNvSpPr>
-            <a:spLocks noGrp="1"/>
-          </p:cNvSpPr>
-          <p:nvPr>
-            <p:ph idx="1"/>
-          </p:nvPr>
-        </p:nvSpPr>
-        <p:spPr/>
-        <p:txBody>
-          <a:bodyPr>
-            <a:normAutofit/>
-          </a:bodyPr>
-          <a:lstStyle/>
-          <a:p>
-            <a:r>
-              <a:rPr lang="en-US" sz="2400" dirty="0" smtClean="0"/>
-              <a:t>Attributes</a:t>
-            </a:r>
-          </a:p>
-          <a:p>
-            <a:pPr lvl="1"/>
-            <a:r>
-              <a:rPr lang="en-US" sz="2200" dirty="0" smtClean="0"/>
-              <a:t>Selected from larger databases of Census and crime information</a:t>
-            </a:r>
-          </a:p>
-          <a:p>
-            <a:pPr lvl="1"/>
-            <a:r>
-              <a:rPr lang="en-US" sz="2200" dirty="0" smtClean="0"/>
-              <a:t>Major attribute: Per Capita Violent Crimes</a:t>
-            </a:r>
-          </a:p>
-          <a:p>
-            <a:pPr lvl="1"/>
-            <a:r>
-              <a:rPr lang="en-US" sz="2200" dirty="0" smtClean="0"/>
-              <a:t>Other attributes: Racial composition, socioeconomics, education, family(married, divorced, </a:t>
-            </a:r>
-            <a:r>
-              <a:rPr lang="en-US" sz="2200" dirty="0" err="1" smtClean="0"/>
-              <a:t>etc</a:t>
-            </a:r>
-            <a:r>
-              <a:rPr lang="en-US" sz="2200" dirty="0" smtClean="0"/>
-              <a:t>)., immigration, housing, etc.</a:t>
-            </a:r>
-            <a:endParaRPr lang="en-US" sz="2200" dirty="0" smtClean="0"/>
-          </a:p>
-          <a:p>
-            <a:pPr lvl="1"/>
-            <a:r>
-              <a:rPr lang="en-US" sz="2200" dirty="0" smtClean="0"/>
-              <a:t>Limitations</a:t>
-            </a:r>
-          </a:p>
-          <a:p>
-            <a:pPr lvl="2"/>
-            <a:r>
-              <a:rPr lang="en-US" sz="2000" dirty="0" smtClean="0"/>
-              <a:t>Violent crime definitions, police departments with at least 100 police officers, etc.</a:t>
-            </a:r>
-            <a:endParaRPr lang="en-US" sz="2000" dirty="0" smtClean="0"/>
-          </a:p>
-          <a:p>
-            <a:endParaRPr lang="en-US" sz="2400" dirty="0"/>
-          </a:p>
-        </p:txBody>
-      </p:sp>
-    </p:spTree>
-    <p:extLst>
-      <p:ext uri="{BB962C8B-B14F-4D97-AF65-F5344CB8AC3E}">
-        <p14:creationId xmlns:p14="http://schemas.microsoft.com/office/powerpoint/2010/main" val="2451496612"/>
-      </p:ext>
-    </p:extLst>
-  </p:cSld>
-  <p:clrMapOvr>
-    <a:masterClrMapping/>
-  </p:clrMapOvr>
-</p:sld>
-</file>
-
-<file path=ppt/slides/slide4.xml><?xml version="1.0" encoding="utf-8"?>
-<p:sld xmlns:a="http://schemas.openxmlformats.org/drawingml/2006/main" xmlns:r="http://schemas.openxmlformats.org/officeDocument/2006/relationships" xmlns:p="http://schemas.openxmlformats.org/presentationml/2006/main">
-  <p:cSld>
-    <p:spTree>
-      <p:nvGrpSpPr>
-        <p:cNvPr id="1" name=""/>
-        <p:cNvGrpSpPr/>
-        <p:nvPr/>
-      </p:nvGrpSpPr>
-      <p:grpSpPr>
-        <a:xfrm>
-          <a:off x="0" y="0"/>
-          <a:ext cx="0" cy="0"/>
-          <a:chOff x="0" y="0"/>
-          <a:chExt cx="0" cy="0"/>
-        </a:xfrm>
-      </p:grpSpPr>
-      <p:sp>
-        <p:nvSpPr>
-          <p:cNvPr id="2" name="Title 1"/>
-          <p:cNvSpPr>
-            <a:spLocks noGrp="1"/>
-          </p:cNvSpPr>
-          <p:nvPr>
-            <p:ph type="title"/>
-          </p:nvPr>
-        </p:nvSpPr>
-        <p:spPr/>
-        <p:txBody>
-          <a:bodyPr/>
-          <a:lstStyle/>
-          <a:p>
-            <a:r>
-              <a:rPr lang="en-US" dirty="0" smtClean="0"/>
-              <a:t>Background</a:t>
-            </a:r>
-            <a:endParaRPr lang="en-US" dirty="0"/>
-          </a:p>
-        </p:txBody>
-      </p:sp>
-      <p:sp>
-        <p:nvSpPr>
-          <p:cNvPr id="3" name="Content Placeholder 2"/>
-          <p:cNvSpPr>
-            <a:spLocks noGrp="1"/>
-          </p:cNvSpPr>
-          <p:nvPr>
-            <p:ph idx="1"/>
-          </p:nvPr>
-        </p:nvSpPr>
-        <p:spPr>
-          <a:xfrm>
-            <a:off x="927699" y="1610857"/>
-            <a:ext cx="8946541" cy="4659314"/>
-          </a:xfrm>
-        </p:spPr>
-        <p:txBody>
-          <a:bodyPr>
-            <a:normAutofit/>
-          </a:bodyPr>
-          <a:lstStyle/>
-          <a:p>
-            <a:r>
-              <a:rPr lang="en-US" sz="2400" dirty="0" smtClean="0"/>
-              <a:t>Objective: </a:t>
-            </a:r>
-            <a:endParaRPr lang="en-US" sz="2400" dirty="0" smtClean="0"/>
-          </a:p>
-          <a:p>
-            <a:pPr lvl="1"/>
-            <a:r>
-              <a:rPr lang="en-US" sz="2400" dirty="0" smtClean="0"/>
-              <a:t>Explore </a:t>
-            </a:r>
-            <a:r>
-              <a:rPr lang="en-US" sz="2400" dirty="0"/>
-              <a:t>other </a:t>
-            </a:r>
-            <a:r>
-              <a:rPr lang="en-US" sz="2400" dirty="0" smtClean="0"/>
-              <a:t>indicators/attributes </a:t>
-            </a:r>
-            <a:r>
-              <a:rPr lang="en-US" sz="2400" dirty="0"/>
-              <a:t>of communities along with its prevalence of violent crime to determine what relationships exist and suggest further areas of study</a:t>
-            </a:r>
-            <a:r>
-              <a:rPr lang="en-US" sz="2400" dirty="0" smtClean="0"/>
-              <a:t>.</a:t>
-            </a:r>
-          </a:p>
-          <a:p>
-            <a:endParaRPr lang="en-US" sz="2600" dirty="0"/>
-          </a:p>
-        </p:txBody>
-      </p:sp>
-    </p:spTree>
-    <p:extLst>
-      <p:ext uri="{BB962C8B-B14F-4D97-AF65-F5344CB8AC3E}">
-        <p14:creationId xmlns:p14="http://schemas.microsoft.com/office/powerpoint/2010/main" val="3768458800"/>
-      </p:ext>
-    </p:extLst>
-  </p:cSld>
-  <p:clrMapOvr>
-    <a:masterClrMapping/>
-  </p:clrMapOvr>
-</p:sld>
-</file>
-
-<file path=ppt/slides/slide5.xml><?xml version="1.0" encoding="utf-8"?>
-<p:sld xmlns:a="http://schemas.openxmlformats.org/drawingml/2006/main" xmlns:r="http://schemas.openxmlformats.org/officeDocument/2006/relationships" xmlns:p="http://schemas.openxmlformats.org/presentationml/2006/main">
-  <p:cSld>
-    <p:spTree>
-      <p:nvGrpSpPr>
-        <p:cNvPr id="1" name=""/>
-        <p:cNvGrpSpPr/>
-        <p:nvPr/>
-      </p:nvGrpSpPr>
-      <p:grpSpPr>
-        <a:xfrm>
-          <a:off x="0" y="0"/>
-          <a:ext cx="0" cy="0"/>
-          <a:chOff x="0" y="0"/>
-          <a:chExt cx="0" cy="0"/>
-        </a:xfrm>
-      </p:grpSpPr>
-      <p:sp>
-        <p:nvSpPr>
-          <p:cNvPr id="2" name="Title 1"/>
-          <p:cNvSpPr>
-            <a:spLocks noGrp="1"/>
-          </p:cNvSpPr>
-          <p:nvPr>
-            <p:ph type="title"/>
-          </p:nvPr>
-        </p:nvSpPr>
-        <p:spPr/>
-        <p:txBody>
-          <a:bodyPr/>
-          <a:lstStyle/>
-          <a:p>
-            <a:r>
-              <a:rPr lang="en-US" dirty="0" smtClean="0"/>
-              <a:t>Research Problem</a:t>
-            </a:r>
-            <a:endParaRPr lang="en-US" dirty="0"/>
-          </a:p>
-        </p:txBody>
-      </p:sp>
-      <p:sp>
-        <p:nvSpPr>
-          <p:cNvPr id="3" name="Content Placeholder 2"/>
-          <p:cNvSpPr>
-            <a:spLocks noGrp="1"/>
-          </p:cNvSpPr>
-          <p:nvPr>
-            <p:ph idx="1"/>
-          </p:nvPr>
-        </p:nvSpPr>
-        <p:spPr/>
-        <p:txBody>
-          <a:bodyPr>
-            <a:normAutofit/>
-          </a:bodyPr>
-          <a:lstStyle/>
-          <a:p>
-            <a:pPr marL="342900" lvl="1" indent="-342900"/>
-            <a:r>
-              <a:rPr lang="en-US" sz="2400" dirty="0" smtClean="0"/>
-              <a:t>Algorithm susceptible to heightened media coverage</a:t>
-            </a:r>
-          </a:p>
-          <a:p>
-            <a:pPr marL="742950" lvl="2" indent="-342900"/>
-            <a:r>
-              <a:rPr lang="en-US" sz="2400" b="1" dirty="0" smtClean="0"/>
-              <a:t>Overestimation</a:t>
-            </a:r>
-            <a:br>
-              <a:rPr lang="en-US" sz="2400" b="1" dirty="0" smtClean="0"/>
-            </a:br>
-            <a:r>
-              <a:rPr lang="en-US" sz="2400" b="1" dirty="0" smtClean="0"/>
-              <a:t/>
-            </a:r>
-            <a:br>
-              <a:rPr lang="en-US" sz="2400" b="1" dirty="0" smtClean="0"/>
-            </a:br>
-            <a:endParaRPr lang="en-US" sz="2400" b="1" dirty="0"/>
-          </a:p>
-          <a:p>
-            <a:endParaRPr lang="en-US" sz="2400" dirty="0"/>
-          </a:p>
-        </p:txBody>
-      </p:sp>
-      <p:pic>
-        <p:nvPicPr>
-          <p:cNvPr id="4" name="Picture 3"/>
-          <p:cNvPicPr>
-            <a:picLocks noChangeAspect="1"/>
-          </p:cNvPicPr>
-          <p:nvPr/>
-        </p:nvPicPr>
-        <p:blipFill>
-          <a:blip r:embed="rId3"/>
-          <a:stretch>
-            <a:fillRect/>
-          </a:stretch>
-        </p:blipFill>
-        <p:spPr>
-          <a:xfrm>
-            <a:off x="2007620" y="3359651"/>
-            <a:ext cx="8034784" cy="3005258"/>
-          </a:xfrm>
-          <a:prstGeom prst="rect">
-            <a:avLst/>
-          </a:prstGeom>
-        </p:spPr>
-      </p:pic>
-    </p:spTree>
-    <p:extLst>
-      <p:ext uri="{BB962C8B-B14F-4D97-AF65-F5344CB8AC3E}">
-        <p14:creationId xmlns:p14="http://schemas.microsoft.com/office/powerpoint/2010/main" val="2117577309"/>
-      </p:ext>
-    </p:extLst>
-  </p:cSld>
-  <p:clrMapOvr>
-    <a:masterClrMapping/>
-  </p:clrMapOvr>
-</p:sld>
-</file>
-
-<file path=ppt/slides/slide6.xml><?xml version="1.0" encoding="utf-8"?>
-<p:sld xmlns:a="http://schemas.openxmlformats.org/drawingml/2006/main" xmlns:r="http://schemas.openxmlformats.org/officeDocument/2006/relationships" xmlns:p="http://schemas.openxmlformats.org/presentationml/2006/main">
-  <p:cSld>
-    <p:spTree>
-      <p:nvGrpSpPr>
-        <p:cNvPr id="1" name=""/>
-        <p:cNvGrpSpPr/>
-        <p:nvPr/>
-      </p:nvGrpSpPr>
-      <p:grpSpPr>
-        <a:xfrm>
-          <a:off x="0" y="0"/>
-          <a:ext cx="0" cy="0"/>
-          <a:chOff x="0" y="0"/>
-          <a:chExt cx="0" cy="0"/>
-        </a:xfrm>
-      </p:grpSpPr>
-      <p:sp>
-        <p:nvSpPr>
-          <p:cNvPr id="2" name="Title 1"/>
-          <p:cNvSpPr>
-            <a:spLocks noGrp="1"/>
-          </p:cNvSpPr>
-          <p:nvPr>
-            <p:ph type="title"/>
-          </p:nvPr>
-        </p:nvSpPr>
-        <p:spPr/>
-        <p:txBody>
-          <a:bodyPr/>
-          <a:lstStyle/>
-          <a:p>
-            <a:r>
-              <a:rPr lang="en-US" dirty="0" smtClean="0"/>
-              <a:t>Major Factors</a:t>
-            </a:r>
-            <a:endParaRPr lang="en-US" dirty="0"/>
-          </a:p>
-        </p:txBody>
-      </p:sp>
-      <p:sp>
-        <p:nvSpPr>
-          <p:cNvPr id="3" name="Content Placeholder 2"/>
-          <p:cNvSpPr>
-            <a:spLocks noGrp="1"/>
-          </p:cNvSpPr>
-          <p:nvPr>
-            <p:ph idx="1"/>
-          </p:nvPr>
-        </p:nvSpPr>
-        <p:spPr/>
-        <p:txBody>
-          <a:bodyPr>
-            <a:normAutofit fontScale="92500" lnSpcReduction="20000"/>
-          </a:bodyPr>
-          <a:lstStyle/>
-          <a:p>
-            <a:pPr marL="457200" indent="-457200">
-              <a:buFont typeface="+mj-lt"/>
-              <a:buAutoNum type="arabicPeriod"/>
-            </a:pPr>
-            <a:r>
-              <a:rPr lang="en-US" sz="2800" dirty="0" smtClean="0"/>
-              <a:t>% of physician visits due to flu like symptoms</a:t>
-            </a:r>
-          </a:p>
-          <a:p>
-            <a:pPr marL="457200" indent="-457200">
-              <a:buFont typeface="+mj-lt"/>
-              <a:buAutoNum type="arabicPeriod"/>
-            </a:pPr>
-            <a:endParaRPr lang="en-US" sz="2800" dirty="0" smtClean="0"/>
-          </a:p>
-          <a:p>
-            <a:pPr marL="457200" indent="-457200">
-              <a:buFont typeface="+mj-lt"/>
-              <a:buAutoNum type="arabicPeriod"/>
-            </a:pPr>
-            <a:r>
-              <a:rPr lang="en-US" sz="2800" dirty="0" smtClean="0"/>
-              <a:t>Query fraction – total count of a query term in a given location aggregated weekly and normalized by total count of </a:t>
-            </a:r>
-            <a:r>
-              <a:rPr lang="en-US" sz="2800" b="1" dirty="0" smtClean="0"/>
-              <a:t>all </a:t>
-            </a:r>
-            <a:r>
-              <a:rPr lang="en-US" sz="2800" dirty="0" smtClean="0"/>
-              <a:t>queries</a:t>
-            </a:r>
-          </a:p>
-          <a:p>
-            <a:pPr marL="457200" indent="-457200">
-              <a:buFont typeface="+mj-lt"/>
-              <a:buAutoNum type="arabicPeriod"/>
-            </a:pPr>
-            <a:endParaRPr lang="en-US" sz="2800" b="1" dirty="0" smtClean="0"/>
-          </a:p>
-          <a:p>
-            <a:pPr marL="457200" indent="-457200">
-              <a:buFont typeface="+mj-lt"/>
-              <a:buAutoNum type="arabicPeriod"/>
-            </a:pPr>
-            <a:r>
-              <a:rPr lang="en-US" sz="2800" dirty="0" smtClean="0"/>
-              <a:t>Query terms that provide the highest correlation with CDC published target signals</a:t>
-            </a:r>
-          </a:p>
-          <a:p>
-            <a:pPr marL="857250" lvl="1" indent="-457200"/>
-            <a:r>
-              <a:rPr lang="en-US" sz="2800" dirty="0"/>
-              <a:t>Query fractions and target signal curves fit into a </a:t>
-            </a:r>
-            <a:r>
-              <a:rPr lang="en-US" sz="2800" b="1" dirty="0"/>
-              <a:t>univariate linear regression model </a:t>
-            </a:r>
-          </a:p>
-          <a:p>
-            <a:pPr marL="857250" lvl="1" indent="-457200">
-              <a:buFont typeface="+mj-lt"/>
-              <a:buAutoNum type="arabicPeriod"/>
-            </a:pPr>
-            <a:endParaRPr lang="en-US" sz="2600" dirty="0"/>
-          </a:p>
-        </p:txBody>
-      </p:sp>
-    </p:spTree>
-    <p:extLst>
-      <p:ext uri="{BB962C8B-B14F-4D97-AF65-F5344CB8AC3E}">
-        <p14:creationId xmlns:p14="http://schemas.microsoft.com/office/powerpoint/2010/main" val="2541789560"/>
-      </p:ext>
-    </p:extLst>
-  </p:cSld>
-  <p:clrMapOvr>
-    <a:masterClrMapping/>
-  </p:clrMapOvr>
-</p:sld>
-</file>
-
-<file path=ppt/slides/slide7.xml><?xml version="1.0" encoding="utf-8"?>
-<p:sld xmlns:a="http://schemas.openxmlformats.org/drawingml/2006/main" xmlns:r="http://schemas.openxmlformats.org/officeDocument/2006/relationships" xmlns:p="http://schemas.openxmlformats.org/presentationml/2006/main">
-  <p:cSld>
-    <p:spTree>
-      <p:nvGrpSpPr>
-        <p:cNvPr id="1" name=""/>
-        <p:cNvGrpSpPr/>
-        <p:nvPr/>
-      </p:nvGrpSpPr>
-      <p:grpSpPr>
-        <a:xfrm>
-          <a:off x="0" y="0"/>
-          <a:ext cx="0" cy="0"/>
-          <a:chOff x="0" y="0"/>
-          <a:chExt cx="0" cy="0"/>
-        </a:xfrm>
-      </p:grpSpPr>
-      <p:sp>
-        <p:nvSpPr>
-          <p:cNvPr id="2" name="Title 1"/>
-          <p:cNvSpPr>
-            <a:spLocks noGrp="1"/>
-          </p:cNvSpPr>
-          <p:nvPr>
-            <p:ph type="title"/>
-          </p:nvPr>
-        </p:nvSpPr>
-        <p:spPr/>
-        <p:txBody>
-          <a:bodyPr/>
-          <a:lstStyle/>
-          <a:p>
-            <a:r>
-              <a:rPr lang="en-US" dirty="0" smtClean="0"/>
-              <a:t>Constraints</a:t>
-            </a:r>
-            <a:endParaRPr lang="en-US" dirty="0"/>
-          </a:p>
-        </p:txBody>
-      </p:sp>
-      <p:sp>
-        <p:nvSpPr>
-          <p:cNvPr id="3" name="Content Placeholder 2"/>
-          <p:cNvSpPr>
-            <a:spLocks noGrp="1"/>
-          </p:cNvSpPr>
-          <p:nvPr>
-            <p:ph idx="1"/>
-          </p:nvPr>
-        </p:nvSpPr>
-        <p:spPr/>
-        <p:txBody>
-          <a:bodyPr>
-            <a:normAutofit/>
-          </a:bodyPr>
-          <a:lstStyle/>
-          <a:p>
-            <a:r>
-              <a:rPr lang="en-US" sz="2400" dirty="0" smtClean="0"/>
-              <a:t>Country selection limited to “ground truth” data provided by a national or international public health agency</a:t>
-            </a:r>
-          </a:p>
-          <a:p>
-            <a:endParaRPr lang="en-US" sz="2400" dirty="0"/>
-          </a:p>
-        </p:txBody>
-      </p:sp>
-    </p:spTree>
-    <p:extLst>
-      <p:ext uri="{BB962C8B-B14F-4D97-AF65-F5344CB8AC3E}">
-        <p14:creationId xmlns:p14="http://schemas.microsoft.com/office/powerpoint/2010/main" val="2161083354"/>
-      </p:ext>
-    </p:extLst>
-  </p:cSld>
-  <p:clrMapOvr>
-    <a:masterClrMapping/>
-  </p:clrMapOvr>
-</p:sld>
-</file>
-
-<file path=ppt/slides/slide8.xml><?xml version="1.0" encoding="utf-8"?>
-<p:sld xmlns:a="http://schemas.openxmlformats.org/drawingml/2006/main" xmlns:r="http://schemas.openxmlformats.org/officeDocument/2006/relationships" xmlns:p="http://schemas.openxmlformats.org/presentationml/2006/main">
-  <p:cSld>
-    <p:spTree>
-      <p:nvGrpSpPr>
-        <p:cNvPr id="1" name=""/>
-        <p:cNvGrpSpPr/>
-        <p:nvPr/>
-      </p:nvGrpSpPr>
-      <p:grpSpPr>
-        <a:xfrm>
-          <a:off x="0" y="0"/>
-          <a:ext cx="0" cy="0"/>
-          <a:chOff x="0" y="0"/>
-          <a:chExt cx="0" cy="0"/>
-        </a:xfrm>
-      </p:grpSpPr>
-      <p:sp>
-        <p:nvSpPr>
-          <p:cNvPr id="2" name="Title 1"/>
-          <p:cNvSpPr>
-            <a:spLocks noGrp="1"/>
-          </p:cNvSpPr>
-          <p:nvPr>
-            <p:ph type="title"/>
-          </p:nvPr>
-        </p:nvSpPr>
-        <p:spPr/>
-        <p:txBody>
-          <a:bodyPr/>
-          <a:lstStyle/>
-          <a:p>
-            <a:r>
-              <a:rPr lang="en-US" dirty="0" smtClean="0"/>
               <a:t>What went wrong?</a:t>
             </a:r>
             <a:endParaRPr lang="en-US" dirty="0"/>
@@ -7518,7 +6942,7 @@
 </p:sld>
 </file>
 
-<file path=ppt/slides/slide9.xml><?xml version="1.0" encoding="utf-8"?>
+<file path=ppt/slides/slide11.xml><?xml version="1.0" encoding="utf-8"?>
 <p:sld xmlns:a="http://schemas.openxmlformats.org/drawingml/2006/main" xmlns:r="http://schemas.openxmlformats.org/officeDocument/2006/relationships" xmlns:p="http://schemas.openxmlformats.org/presentationml/2006/main">
   <p:cSld>
     <p:spTree>
@@ -7719,6 +7143,1467 @@
     <p:extLst>
       <p:ext uri="{BB962C8B-B14F-4D97-AF65-F5344CB8AC3E}">
         <p14:creationId xmlns:p14="http://schemas.microsoft.com/office/powerpoint/2010/main" val="1947831433"/>
+      </p:ext>
+    </p:extLst>
+  </p:cSld>
+  <p:clrMapOvr>
+    <a:masterClrMapping/>
+  </p:clrMapOvr>
+</p:sld>
+</file>
+
+<file path=ppt/slides/slide12.xml><?xml version="1.0" encoding="utf-8"?>
+<p:sld xmlns:a="http://schemas.openxmlformats.org/drawingml/2006/main" xmlns:r="http://schemas.openxmlformats.org/officeDocument/2006/relationships" xmlns:p="http://schemas.openxmlformats.org/presentationml/2006/main">
+  <p:cSld>
+    <p:spTree>
+      <p:nvGrpSpPr>
+        <p:cNvPr id="1" name=""/>
+        <p:cNvGrpSpPr/>
+        <p:nvPr/>
+      </p:nvGrpSpPr>
+      <p:grpSpPr>
+        <a:xfrm>
+          <a:off x="0" y="0"/>
+          <a:ext cx="0" cy="0"/>
+          <a:chOff x="0" y="0"/>
+          <a:chExt cx="0" cy="0"/>
+        </a:xfrm>
+      </p:grpSpPr>
+      <p:sp>
+        <p:nvSpPr>
+          <p:cNvPr id="2" name="Title 1"/>
+          <p:cNvSpPr>
+            <a:spLocks noGrp="1"/>
+          </p:cNvSpPr>
+          <p:nvPr>
+            <p:ph type="title"/>
+          </p:nvPr>
+        </p:nvSpPr>
+        <p:spPr/>
+        <p:txBody>
+          <a:bodyPr/>
+          <a:lstStyle/>
+          <a:p>
+            <a:r>
+              <a:rPr lang="en-US" dirty="0" smtClean="0"/>
+              <a:t>Questions/Comments</a:t>
+            </a:r>
+            <a:endParaRPr lang="en-US" dirty="0"/>
+          </a:p>
+        </p:txBody>
+      </p:sp>
+      <p:sp>
+        <p:nvSpPr>
+          <p:cNvPr id="3" name="Content Placeholder 2"/>
+          <p:cNvSpPr>
+            <a:spLocks noGrp="1"/>
+          </p:cNvSpPr>
+          <p:nvPr>
+            <p:ph idx="1"/>
+          </p:nvPr>
+        </p:nvSpPr>
+        <p:spPr/>
+        <p:txBody>
+          <a:bodyPr>
+            <a:normAutofit/>
+          </a:bodyPr>
+          <a:lstStyle/>
+          <a:p>
+            <a:r>
+              <a:rPr lang="en-US" sz="2400" dirty="0" smtClean="0"/>
+              <a:t>Was Google Flu Trend’s model too simple?</a:t>
+            </a:r>
+          </a:p>
+          <a:p>
+            <a:pPr lvl="1"/>
+            <a:r>
+              <a:rPr lang="en-US" sz="2400" dirty="0" smtClean="0"/>
+              <a:t>CDC uses models to predict spread of disease </a:t>
+            </a:r>
+          </a:p>
+          <a:p>
+            <a:pPr lvl="2"/>
+            <a:r>
+              <a:rPr lang="en-US" sz="2400" dirty="0" smtClean="0"/>
+              <a:t>Should that model have been built into algorithm to determine whether</a:t>
+            </a:r>
+          </a:p>
+          <a:p>
+            <a:pPr lvl="2"/>
+            <a:endParaRPr lang="en-US" sz="2400" dirty="0"/>
+          </a:p>
+          <a:p>
+            <a:pPr lvl="2"/>
+            <a:endParaRPr lang="en-US" sz="2400" dirty="0" smtClean="0"/>
+          </a:p>
+          <a:p>
+            <a:r>
+              <a:rPr lang="en-US" sz="2800" smtClean="0"/>
+              <a:t>Additional comments…</a:t>
+            </a:r>
+            <a:endParaRPr lang="en-US" sz="2800" dirty="0"/>
+          </a:p>
+        </p:txBody>
+      </p:sp>
+    </p:spTree>
+    <p:extLst>
+      <p:ext uri="{BB962C8B-B14F-4D97-AF65-F5344CB8AC3E}">
+        <p14:creationId xmlns:p14="http://schemas.microsoft.com/office/powerpoint/2010/main" val="1484747386"/>
+      </p:ext>
+    </p:extLst>
+  </p:cSld>
+  <p:clrMapOvr>
+    <a:masterClrMapping/>
+  </p:clrMapOvr>
+</p:sld>
+</file>
+
+<file path=ppt/slides/slide2.xml><?xml version="1.0" encoding="utf-8"?>
+<p:sld xmlns:a="http://schemas.openxmlformats.org/drawingml/2006/main" xmlns:r="http://schemas.openxmlformats.org/officeDocument/2006/relationships" xmlns:p="http://schemas.openxmlformats.org/presentationml/2006/main">
+  <p:cSld>
+    <p:spTree>
+      <p:nvGrpSpPr>
+        <p:cNvPr id="1" name=""/>
+        <p:cNvGrpSpPr/>
+        <p:nvPr/>
+      </p:nvGrpSpPr>
+      <p:grpSpPr>
+        <a:xfrm>
+          <a:off x="0" y="0"/>
+          <a:ext cx="0" cy="0"/>
+          <a:chOff x="0" y="0"/>
+          <a:chExt cx="0" cy="0"/>
+        </a:xfrm>
+      </p:grpSpPr>
+      <p:sp>
+        <p:nvSpPr>
+          <p:cNvPr id="2" name="Title 1"/>
+          <p:cNvSpPr>
+            <a:spLocks noGrp="1"/>
+          </p:cNvSpPr>
+          <p:nvPr>
+            <p:ph type="title"/>
+          </p:nvPr>
+        </p:nvSpPr>
+        <p:spPr/>
+        <p:txBody>
+          <a:bodyPr/>
+          <a:lstStyle/>
+          <a:p>
+            <a:r>
+              <a:rPr lang="en-US" dirty="0" smtClean="0"/>
+              <a:t>Data Set</a:t>
+            </a:r>
+            <a:endParaRPr lang="en-US" dirty="0"/>
+          </a:p>
+        </p:txBody>
+      </p:sp>
+      <p:sp>
+        <p:nvSpPr>
+          <p:cNvPr id="3" name="Content Placeholder 2"/>
+          <p:cNvSpPr>
+            <a:spLocks noGrp="1"/>
+          </p:cNvSpPr>
+          <p:nvPr>
+            <p:ph idx="1"/>
+          </p:nvPr>
+        </p:nvSpPr>
+        <p:spPr/>
+        <p:txBody>
+          <a:bodyPr>
+            <a:normAutofit/>
+          </a:bodyPr>
+          <a:lstStyle/>
+          <a:p>
+            <a:r>
+              <a:rPr lang="en-US" sz="2400" dirty="0" smtClean="0"/>
+              <a:t>Author: Michael Redmond</a:t>
+            </a:r>
+          </a:p>
+          <a:p>
+            <a:pPr marL="0" indent="0">
+              <a:buNone/>
+            </a:pPr>
+            <a:endParaRPr lang="en-US" sz="2400" dirty="0" smtClean="0"/>
+          </a:p>
+          <a:p>
+            <a:r>
+              <a:rPr lang="en-US" sz="2400" dirty="0" smtClean="0"/>
+              <a:t>Title: Communities and Crime</a:t>
+            </a:r>
+          </a:p>
+          <a:p>
+            <a:pPr marL="0" indent="0">
+              <a:buNone/>
+            </a:pPr>
+            <a:endParaRPr lang="en-US" sz="2400" dirty="0" smtClean="0"/>
+          </a:p>
+          <a:p>
+            <a:r>
+              <a:rPr lang="en-US" sz="2400" dirty="0" smtClean="0"/>
+              <a:t>Source: 1995 Federal Bureau of Investigation Uniform Crime Report</a:t>
+            </a:r>
+          </a:p>
+          <a:p>
+            <a:endParaRPr lang="en-US" sz="2400" dirty="0"/>
+          </a:p>
+        </p:txBody>
+      </p:sp>
+    </p:spTree>
+    <p:extLst>
+      <p:ext uri="{BB962C8B-B14F-4D97-AF65-F5344CB8AC3E}">
+        <p14:creationId xmlns:p14="http://schemas.microsoft.com/office/powerpoint/2010/main" val="1008165413"/>
+      </p:ext>
+    </p:extLst>
+  </p:cSld>
+  <p:clrMapOvr>
+    <a:masterClrMapping/>
+  </p:clrMapOvr>
+</p:sld>
+</file>
+
+<file path=ppt/slides/slide3.xml><?xml version="1.0" encoding="utf-8"?>
+<p:sld xmlns:a="http://schemas.openxmlformats.org/drawingml/2006/main" xmlns:r="http://schemas.openxmlformats.org/officeDocument/2006/relationships" xmlns:p="http://schemas.openxmlformats.org/presentationml/2006/main">
+  <p:cSld>
+    <p:spTree>
+      <p:nvGrpSpPr>
+        <p:cNvPr id="1" name=""/>
+        <p:cNvGrpSpPr/>
+        <p:nvPr/>
+      </p:nvGrpSpPr>
+      <p:grpSpPr>
+        <a:xfrm>
+          <a:off x="0" y="0"/>
+          <a:ext cx="0" cy="0"/>
+          <a:chOff x="0" y="0"/>
+          <a:chExt cx="0" cy="0"/>
+        </a:xfrm>
+      </p:grpSpPr>
+      <p:sp>
+        <p:nvSpPr>
+          <p:cNvPr id="2" name="Title 1"/>
+          <p:cNvSpPr>
+            <a:spLocks noGrp="1"/>
+          </p:cNvSpPr>
+          <p:nvPr>
+            <p:ph type="title"/>
+          </p:nvPr>
+        </p:nvSpPr>
+        <p:spPr/>
+        <p:txBody>
+          <a:bodyPr/>
+          <a:lstStyle/>
+          <a:p>
+            <a:r>
+              <a:rPr lang="en-US" dirty="0" smtClean="0"/>
+              <a:t>Data Set (cont’d)</a:t>
+            </a:r>
+            <a:endParaRPr lang="en-US" dirty="0"/>
+          </a:p>
+        </p:txBody>
+      </p:sp>
+      <p:sp>
+        <p:nvSpPr>
+          <p:cNvPr id="3" name="Content Placeholder 2"/>
+          <p:cNvSpPr>
+            <a:spLocks noGrp="1"/>
+          </p:cNvSpPr>
+          <p:nvPr>
+            <p:ph idx="1"/>
+          </p:nvPr>
+        </p:nvSpPr>
+        <p:spPr/>
+        <p:txBody>
+          <a:bodyPr>
+            <a:normAutofit/>
+          </a:bodyPr>
+          <a:lstStyle/>
+          <a:p>
+            <a:r>
+              <a:rPr lang="en-US" sz="2400" dirty="0" smtClean="0"/>
+              <a:t>Attributes</a:t>
+            </a:r>
+          </a:p>
+          <a:p>
+            <a:pPr lvl="1"/>
+            <a:r>
+              <a:rPr lang="en-US" sz="2200" dirty="0" smtClean="0"/>
+              <a:t>Selected from larger databases of Census and crime information</a:t>
+            </a:r>
+          </a:p>
+          <a:p>
+            <a:pPr lvl="1"/>
+            <a:r>
+              <a:rPr lang="en-US" sz="2200" dirty="0" smtClean="0"/>
+              <a:t>Major attribute: Per Capita Violent Crimes</a:t>
+            </a:r>
+          </a:p>
+          <a:p>
+            <a:pPr lvl="1"/>
+            <a:r>
+              <a:rPr lang="en-US" sz="2200" dirty="0" smtClean="0"/>
+              <a:t>Other attributes: Racial composition, socioeconomics, education, family(married, divorced, </a:t>
+            </a:r>
+            <a:r>
+              <a:rPr lang="en-US" sz="2200" dirty="0" err="1" smtClean="0"/>
+              <a:t>etc</a:t>
+            </a:r>
+            <a:r>
+              <a:rPr lang="en-US" sz="2200" dirty="0" smtClean="0"/>
+              <a:t>)., immigration, housing, etc.</a:t>
+            </a:r>
+          </a:p>
+          <a:p>
+            <a:pPr lvl="1"/>
+            <a:r>
+              <a:rPr lang="en-US" sz="2200" dirty="0" smtClean="0"/>
+              <a:t>Limitations</a:t>
+            </a:r>
+          </a:p>
+          <a:p>
+            <a:pPr lvl="2"/>
+            <a:r>
+              <a:rPr lang="en-US" sz="2000" dirty="0" smtClean="0"/>
+              <a:t>Violent crime definitions, police departments with at least 100 police officers, etc.</a:t>
+            </a:r>
+          </a:p>
+          <a:p>
+            <a:endParaRPr lang="en-US" sz="2400" dirty="0"/>
+          </a:p>
+        </p:txBody>
+      </p:sp>
+    </p:spTree>
+    <p:extLst>
+      <p:ext uri="{BB962C8B-B14F-4D97-AF65-F5344CB8AC3E}">
+        <p14:creationId xmlns:p14="http://schemas.microsoft.com/office/powerpoint/2010/main" val="2451496612"/>
+      </p:ext>
+    </p:extLst>
+  </p:cSld>
+  <p:clrMapOvr>
+    <a:masterClrMapping/>
+  </p:clrMapOvr>
+</p:sld>
+</file>
+
+<file path=ppt/slides/slide4.xml><?xml version="1.0" encoding="utf-8"?>
+<p:sld xmlns:a="http://schemas.openxmlformats.org/drawingml/2006/main" xmlns:r="http://schemas.openxmlformats.org/officeDocument/2006/relationships" xmlns:p="http://schemas.openxmlformats.org/presentationml/2006/main">
+  <p:cSld>
+    <p:spTree>
+      <p:nvGrpSpPr>
+        <p:cNvPr id="1" name=""/>
+        <p:cNvGrpSpPr/>
+        <p:nvPr/>
+      </p:nvGrpSpPr>
+      <p:grpSpPr>
+        <a:xfrm>
+          <a:off x="0" y="0"/>
+          <a:ext cx="0" cy="0"/>
+          <a:chOff x="0" y="0"/>
+          <a:chExt cx="0" cy="0"/>
+        </a:xfrm>
+      </p:grpSpPr>
+      <p:sp>
+        <p:nvSpPr>
+          <p:cNvPr id="2" name="Title 1"/>
+          <p:cNvSpPr>
+            <a:spLocks noGrp="1"/>
+          </p:cNvSpPr>
+          <p:nvPr>
+            <p:ph type="title"/>
+          </p:nvPr>
+        </p:nvSpPr>
+        <p:spPr/>
+        <p:txBody>
+          <a:bodyPr/>
+          <a:lstStyle/>
+          <a:p>
+            <a:r>
+              <a:rPr lang="en-US" dirty="0" smtClean="0"/>
+              <a:t>Background</a:t>
+            </a:r>
+            <a:endParaRPr lang="en-US" dirty="0"/>
+          </a:p>
+        </p:txBody>
+      </p:sp>
+      <p:sp>
+        <p:nvSpPr>
+          <p:cNvPr id="3" name="Content Placeholder 2"/>
+          <p:cNvSpPr>
+            <a:spLocks noGrp="1"/>
+          </p:cNvSpPr>
+          <p:nvPr>
+            <p:ph idx="1"/>
+          </p:nvPr>
+        </p:nvSpPr>
+        <p:spPr>
+          <a:xfrm>
+            <a:off x="927699" y="1610857"/>
+            <a:ext cx="8946541" cy="4659314"/>
+          </a:xfrm>
+        </p:spPr>
+        <p:txBody>
+          <a:bodyPr>
+            <a:normAutofit/>
+          </a:bodyPr>
+          <a:lstStyle/>
+          <a:p>
+            <a:r>
+              <a:rPr lang="en-US" sz="2400" dirty="0" smtClean="0"/>
+              <a:t>Objective: </a:t>
+            </a:r>
+          </a:p>
+          <a:p>
+            <a:pPr lvl="1"/>
+            <a:r>
+              <a:rPr lang="en-US" sz="2400" dirty="0" smtClean="0"/>
+              <a:t>Explore </a:t>
+            </a:r>
+            <a:r>
+              <a:rPr lang="en-US" sz="2400" dirty="0"/>
+              <a:t>other </a:t>
+            </a:r>
+            <a:r>
+              <a:rPr lang="en-US" sz="2400" dirty="0" smtClean="0"/>
+              <a:t>indicators/attributes </a:t>
+            </a:r>
+            <a:r>
+              <a:rPr lang="en-US" sz="2400" dirty="0"/>
+              <a:t>of communities along with its prevalence of violent crime to determine what relationships exist and suggest further areas of study</a:t>
+            </a:r>
+            <a:r>
+              <a:rPr lang="en-US" sz="2400" dirty="0" smtClean="0"/>
+              <a:t>.</a:t>
+            </a:r>
+          </a:p>
+          <a:p>
+            <a:endParaRPr lang="en-US" sz="2600" dirty="0"/>
+          </a:p>
+        </p:txBody>
+      </p:sp>
+    </p:spTree>
+    <p:extLst>
+      <p:ext uri="{BB962C8B-B14F-4D97-AF65-F5344CB8AC3E}">
+        <p14:creationId xmlns:p14="http://schemas.microsoft.com/office/powerpoint/2010/main" val="3768458800"/>
+      </p:ext>
+    </p:extLst>
+  </p:cSld>
+  <p:clrMapOvr>
+    <a:masterClrMapping/>
+  </p:clrMapOvr>
+</p:sld>
+</file>
+
+<file path=ppt/slides/slide5.xml><?xml version="1.0" encoding="utf-8"?>
+<p:sld xmlns:a="http://schemas.openxmlformats.org/drawingml/2006/main" xmlns:r="http://schemas.openxmlformats.org/officeDocument/2006/relationships" xmlns:p="http://schemas.openxmlformats.org/presentationml/2006/main">
+  <p:cSld>
+    <p:spTree>
+      <p:nvGrpSpPr>
+        <p:cNvPr id="1" name=""/>
+        <p:cNvGrpSpPr/>
+        <p:nvPr/>
+      </p:nvGrpSpPr>
+      <p:grpSpPr>
+        <a:xfrm>
+          <a:off x="0" y="0"/>
+          <a:ext cx="0" cy="0"/>
+          <a:chOff x="0" y="0"/>
+          <a:chExt cx="0" cy="0"/>
+        </a:xfrm>
+      </p:grpSpPr>
+      <p:sp>
+        <p:nvSpPr>
+          <p:cNvPr id="2" name="Title 1"/>
+          <p:cNvSpPr>
+            <a:spLocks noGrp="1"/>
+          </p:cNvSpPr>
+          <p:nvPr>
+            <p:ph type="title"/>
+          </p:nvPr>
+        </p:nvSpPr>
+        <p:spPr/>
+        <p:txBody>
+          <a:bodyPr/>
+          <a:lstStyle/>
+          <a:p>
+            <a:r>
+              <a:rPr lang="en-US" dirty="0" smtClean="0"/>
+              <a:t>Pre-Processing</a:t>
+            </a:r>
+            <a:endParaRPr lang="en-US" dirty="0"/>
+          </a:p>
+        </p:txBody>
+      </p:sp>
+      <p:sp>
+        <p:nvSpPr>
+          <p:cNvPr id="3" name="Content Placeholder 2"/>
+          <p:cNvSpPr>
+            <a:spLocks noGrp="1"/>
+          </p:cNvSpPr>
+          <p:nvPr>
+            <p:ph idx="1"/>
+          </p:nvPr>
+        </p:nvSpPr>
+        <p:spPr/>
+        <p:txBody>
+          <a:bodyPr>
+            <a:normAutofit/>
+          </a:bodyPr>
+          <a:lstStyle/>
+          <a:p>
+            <a:pPr marL="342900" lvl="1" indent="-342900"/>
+            <a:r>
+              <a:rPr lang="en-US" sz="2400" dirty="0" smtClean="0"/>
+              <a:t>1994 instances + 128 attributes!</a:t>
+            </a:r>
+          </a:p>
+          <a:p>
+            <a:pPr marL="0" lvl="1" indent="0">
+              <a:buNone/>
+            </a:pPr>
+            <a:endParaRPr lang="en-US" sz="2400" dirty="0" smtClean="0"/>
+          </a:p>
+          <a:p>
+            <a:pPr marL="342900" lvl="1" indent="-342900"/>
+            <a:r>
+              <a:rPr lang="en-US" sz="2400" dirty="0" smtClean="0"/>
+              <a:t>Already normalized</a:t>
+            </a:r>
+          </a:p>
+          <a:p>
+            <a:pPr marL="342900" lvl="1" indent="-342900"/>
+            <a:endParaRPr lang="en-US" sz="2400" dirty="0"/>
+          </a:p>
+          <a:p>
+            <a:pPr marL="342900" lvl="1" indent="-342900"/>
+            <a:r>
+              <a:rPr lang="en-US" sz="2400" dirty="0" smtClean="0"/>
+              <a:t>Binning (equa</a:t>
+            </a:r>
+            <a:r>
+              <a:rPr lang="en-US" sz="2400" dirty="0" smtClean="0"/>
+              <a:t>l width)</a:t>
+            </a:r>
+            <a:endParaRPr lang="en-US" sz="2400" dirty="0" smtClean="0"/>
+          </a:p>
+          <a:p>
+            <a:pPr marL="342900" lvl="1" indent="-342900"/>
+            <a:endParaRPr lang="en-US" sz="2400" dirty="0" smtClean="0"/>
+          </a:p>
+          <a:p>
+            <a:pPr marL="342900" lvl="1" indent="-342900"/>
+            <a:r>
+              <a:rPr lang="en-US" sz="2400" dirty="0" smtClean="0"/>
+              <a:t>Scatterplots</a:t>
+            </a:r>
+            <a:r>
+              <a:rPr lang="en-US" sz="2400" b="1" dirty="0" smtClean="0"/>
+              <a:t/>
+            </a:r>
+            <a:br>
+              <a:rPr lang="en-US" sz="2400" b="1" dirty="0" smtClean="0"/>
+            </a:br>
+            <a:r>
+              <a:rPr lang="en-US" sz="2400" b="1" dirty="0" smtClean="0"/>
+              <a:t/>
+            </a:r>
+            <a:br>
+              <a:rPr lang="en-US" sz="2400" b="1" dirty="0" smtClean="0"/>
+            </a:br>
+            <a:endParaRPr lang="en-US" sz="2400" b="1" dirty="0"/>
+          </a:p>
+          <a:p>
+            <a:endParaRPr lang="en-US" sz="2400" dirty="0"/>
+          </a:p>
+        </p:txBody>
+      </p:sp>
+    </p:spTree>
+    <p:extLst>
+      <p:ext uri="{BB962C8B-B14F-4D97-AF65-F5344CB8AC3E}">
+        <p14:creationId xmlns:p14="http://schemas.microsoft.com/office/powerpoint/2010/main" val="2117577309"/>
+      </p:ext>
+    </p:extLst>
+  </p:cSld>
+  <p:clrMapOvr>
+    <a:masterClrMapping/>
+  </p:clrMapOvr>
+</p:sld>
+</file>
+
+<file path=ppt/slides/slide6.xml><?xml version="1.0" encoding="utf-8"?>
+<p:sld xmlns:a="http://schemas.openxmlformats.org/drawingml/2006/main" xmlns:r="http://schemas.openxmlformats.org/officeDocument/2006/relationships" xmlns:p="http://schemas.openxmlformats.org/presentationml/2006/main">
+  <p:cSld>
+    <p:spTree>
+      <p:nvGrpSpPr>
+        <p:cNvPr id="1" name=""/>
+        <p:cNvGrpSpPr/>
+        <p:nvPr/>
+      </p:nvGrpSpPr>
+      <p:grpSpPr>
+        <a:xfrm>
+          <a:off x="0" y="0"/>
+          <a:ext cx="0" cy="0"/>
+          <a:chOff x="0" y="0"/>
+          <a:chExt cx="0" cy="0"/>
+        </a:xfrm>
+      </p:grpSpPr>
+      <p:sp>
+        <p:nvSpPr>
+          <p:cNvPr id="2" name="Title 1"/>
+          <p:cNvSpPr>
+            <a:spLocks noGrp="1"/>
+          </p:cNvSpPr>
+          <p:nvPr>
+            <p:ph type="title"/>
+          </p:nvPr>
+        </p:nvSpPr>
+        <p:spPr/>
+        <p:txBody>
+          <a:bodyPr/>
+          <a:lstStyle/>
+          <a:p>
+            <a:r>
+              <a:rPr lang="en-US" dirty="0" smtClean="0"/>
+              <a:t>Exploratory Data Analysis</a:t>
+            </a:r>
+            <a:endParaRPr lang="en-US" dirty="0"/>
+          </a:p>
+        </p:txBody>
+      </p:sp>
+      <p:sp>
+        <p:nvSpPr>
+          <p:cNvPr id="3" name="Content Placeholder 2"/>
+          <p:cNvSpPr>
+            <a:spLocks noGrp="1"/>
+          </p:cNvSpPr>
+          <p:nvPr>
+            <p:ph idx="1"/>
+          </p:nvPr>
+        </p:nvSpPr>
+        <p:spPr>
+          <a:xfrm>
+            <a:off x="1" y="2061028"/>
+            <a:ext cx="4499428" cy="4332513"/>
+          </a:xfrm>
+        </p:spPr>
+        <p:txBody>
+          <a:bodyPr>
+            <a:normAutofit/>
+          </a:bodyPr>
+          <a:lstStyle/>
+          <a:p>
+            <a:pPr marL="857250" lvl="1" indent="-457200">
+              <a:buFont typeface="Wingdings" panose="05000000000000000000" pitchFamily="2" charset="2"/>
+              <a:buChar char="Ø"/>
+            </a:pPr>
+            <a:r>
+              <a:rPr lang="en-US" sz="2600" dirty="0" smtClean="0"/>
+              <a:t>Significant Attributes</a:t>
+            </a:r>
+          </a:p>
+          <a:p>
+            <a:pPr marL="1257300" lvl="2" indent="-457200">
+              <a:buFont typeface="Wingdings" panose="05000000000000000000" pitchFamily="2" charset="2"/>
+              <a:buChar char="Ø"/>
+            </a:pPr>
+            <a:r>
+              <a:rPr lang="en-US" sz="2400" dirty="0" smtClean="0"/>
+              <a:t>% Caucasian</a:t>
+            </a:r>
+          </a:p>
+          <a:p>
+            <a:pPr marL="1257300" lvl="2" indent="-457200">
+              <a:buFont typeface="Wingdings" panose="05000000000000000000" pitchFamily="2" charset="2"/>
+              <a:buChar char="Ø"/>
+            </a:pPr>
+            <a:r>
+              <a:rPr lang="en-US" sz="2400" dirty="0" smtClean="0"/>
+              <a:t>Investment Income</a:t>
+            </a:r>
+          </a:p>
+          <a:p>
+            <a:pPr marL="1257300" lvl="2" indent="-457200">
+              <a:buFont typeface="Wingdings" panose="05000000000000000000" pitchFamily="2" charset="2"/>
+              <a:buChar char="Ø"/>
+            </a:pPr>
+            <a:r>
+              <a:rPr lang="en-US" sz="2400" dirty="0" smtClean="0"/>
+              <a:t>High school graduates</a:t>
+            </a:r>
+          </a:p>
+          <a:p>
+            <a:pPr marL="1257300" lvl="2" indent="-457200">
+              <a:buFont typeface="Wingdings" panose="05000000000000000000" pitchFamily="2" charset="2"/>
+              <a:buChar char="Ø"/>
+            </a:pPr>
+            <a:r>
+              <a:rPr lang="en-US" sz="2400" dirty="0" smtClean="0"/>
+              <a:t>% Divorced</a:t>
+            </a:r>
+          </a:p>
+          <a:p>
+            <a:pPr marL="1257300" lvl="2" indent="-457200">
+              <a:buFont typeface="Wingdings" panose="05000000000000000000" pitchFamily="2" charset="2"/>
+              <a:buChar char="Ø"/>
+            </a:pPr>
+            <a:endParaRPr lang="en-US" sz="2400" dirty="0"/>
+          </a:p>
+        </p:txBody>
+      </p:sp>
+      <p:pic>
+        <p:nvPicPr>
+          <p:cNvPr id="4" name="Picture 3"/>
+          <p:cNvPicPr>
+            <a:picLocks noChangeAspect="1"/>
+          </p:cNvPicPr>
+          <p:nvPr/>
+        </p:nvPicPr>
+        <p:blipFill>
+          <a:blip r:embed="rId3">
+            <a:extLst>
+              <a:ext uri="{28A0092B-C50C-407E-A947-70E740481C1C}">
+                <a14:useLocalDpi xmlns:a14="http://schemas.microsoft.com/office/drawing/2010/main" val="0"/>
+              </a:ext>
+            </a:extLst>
+          </a:blip>
+          <a:stretch>
+            <a:fillRect/>
+          </a:stretch>
+        </p:blipFill>
+        <p:spPr>
+          <a:xfrm>
+            <a:off x="4556823" y="1886856"/>
+            <a:ext cx="7431977" cy="4762887"/>
+          </a:xfrm>
+          <a:prstGeom prst="rect">
+            <a:avLst/>
+          </a:prstGeom>
+        </p:spPr>
+      </p:pic>
+    </p:spTree>
+    <p:extLst>
+      <p:ext uri="{BB962C8B-B14F-4D97-AF65-F5344CB8AC3E}">
+        <p14:creationId xmlns:p14="http://schemas.microsoft.com/office/powerpoint/2010/main" val="2541789560"/>
+      </p:ext>
+    </p:extLst>
+  </p:cSld>
+  <p:clrMapOvr>
+    <a:masterClrMapping/>
+  </p:clrMapOvr>
+</p:sld>
+</file>
+
+<file path=ppt/slides/slide7.xml><?xml version="1.0" encoding="utf-8"?>
+<p:sld xmlns:a="http://schemas.openxmlformats.org/drawingml/2006/main" xmlns:r="http://schemas.openxmlformats.org/officeDocument/2006/relationships" xmlns:p="http://schemas.openxmlformats.org/presentationml/2006/main">
+  <p:cSld>
+    <p:spTree>
+      <p:nvGrpSpPr>
+        <p:cNvPr id="1" name=""/>
+        <p:cNvGrpSpPr/>
+        <p:nvPr/>
+      </p:nvGrpSpPr>
+      <p:grpSpPr>
+        <a:xfrm>
+          <a:off x="0" y="0"/>
+          <a:ext cx="0" cy="0"/>
+          <a:chOff x="0" y="0"/>
+          <a:chExt cx="0" cy="0"/>
+        </a:xfrm>
+      </p:grpSpPr>
+      <p:sp>
+        <p:nvSpPr>
+          <p:cNvPr id="2" name="Title 1"/>
+          <p:cNvSpPr>
+            <a:spLocks noGrp="1"/>
+          </p:cNvSpPr>
+          <p:nvPr>
+            <p:ph type="title"/>
+          </p:nvPr>
+        </p:nvSpPr>
+        <p:spPr/>
+        <p:txBody>
+          <a:bodyPr/>
+          <a:lstStyle/>
+          <a:p>
+            <a:r>
+              <a:rPr lang="en-US" dirty="0" smtClean="0"/>
+              <a:t>Results - Classification</a:t>
+            </a:r>
+            <a:endParaRPr lang="en-US" dirty="0"/>
+          </a:p>
+        </p:txBody>
+      </p:sp>
+      <p:sp>
+        <p:nvSpPr>
+          <p:cNvPr id="3" name="Content Placeholder 2"/>
+          <p:cNvSpPr>
+            <a:spLocks noGrp="1"/>
+          </p:cNvSpPr>
+          <p:nvPr>
+            <p:ph idx="1"/>
+          </p:nvPr>
+        </p:nvSpPr>
+        <p:spPr/>
+        <p:txBody>
+          <a:bodyPr>
+            <a:normAutofit/>
+          </a:bodyPr>
+          <a:lstStyle/>
+          <a:p>
+            <a:r>
+              <a:rPr lang="en-US" sz="2400" dirty="0" smtClean="0"/>
+              <a:t>Decision Tree</a:t>
+            </a:r>
+            <a:endParaRPr lang="en-US" sz="2400" dirty="0" smtClean="0"/>
+          </a:p>
+          <a:p>
+            <a:endParaRPr lang="en-US" sz="2400" dirty="0"/>
+          </a:p>
+        </p:txBody>
+      </p:sp>
+      <p:sp>
+        <p:nvSpPr>
+          <p:cNvPr id="4" name="Rectangle 2"/>
+          <p:cNvSpPr>
+            <a:spLocks noChangeArrowheads="1"/>
+          </p:cNvSpPr>
+          <p:nvPr/>
+        </p:nvSpPr>
+        <p:spPr bwMode="auto">
+          <a:xfrm>
+            <a:off x="0" y="0"/>
+            <a:ext cx="12192000" cy="457200"/>
+          </a:xfrm>
+          <a:prstGeom prst="rect">
+            <a:avLst/>
+          </a:prstGeom>
+          <a:noFill/>
+          <a:ln>
+            <a:noFill/>
+          </a:ln>
+          <a:effectLst/>
+          <a:extLst>
+            <a:ext uri="{909E8E84-426E-40DD-AFC4-6F175D3DCCD1}">
+              <a14:hiddenFill xmlns:a14="http://schemas.microsoft.com/office/drawing/2010/main">
+                <a:solidFill>
+                  <a:schemeClr val="accent1"/>
+                </a:solidFill>
+              </a14:hiddenFill>
+            </a:ext>
+            <a:ext uri="{91240B29-F687-4F45-9708-019B960494DF}">
+              <a14:hiddenLine xmlns:a14="http://schemas.microsoft.com/office/drawing/2010/main" w="9525">
+                <a:solidFill>
+                  <a:schemeClr val="tx1"/>
+                </a:solidFill>
+                <a:miter lim="800000"/>
+                <a:headEnd/>
+                <a:tailEnd/>
+              </a14:hiddenLine>
+            </a:ext>
+            <a:ext uri="{AF507438-7753-43E0-B8FC-AC1667EBCBE1}">
+              <a14:hiddenEffects xmlns:a14="http://schemas.microsoft.com/office/drawing/2010/main">
+                <a:effectLst>
+                  <a:outerShdw dist="35921" dir="2700000" algn="ctr" rotWithShape="0">
+                    <a:schemeClr val="bg2"/>
+                  </a:outerShdw>
+                </a:effectLst>
+              </a14:hiddenEffects>
+            </a:ext>
+          </a:extLst>
+        </p:spPr>
+        <p:txBody>
+          <a:bodyPr vert="horz" wrap="none" lIns="91440" tIns="45720" rIns="91440" bIns="45720" numCol="1" anchor="ctr" anchorCtr="0" compatLnSpc="1">
+            <a:prstTxWarp prst="textNoShape">
+              <a:avLst/>
+            </a:prstTxWarp>
+            <a:spAutoFit/>
+          </a:bodyPr>
+          <a:lstStyle/>
+          <a:p>
+            <a:endParaRPr lang="en-US"/>
+          </a:p>
+        </p:txBody>
+      </p:sp>
+      <p:pic>
+        <p:nvPicPr>
+          <p:cNvPr id="8" name="Picture 7"/>
+          <p:cNvPicPr/>
+          <p:nvPr/>
+        </p:nvPicPr>
+        <p:blipFill>
+          <a:blip r:embed="rId2" cstate="print">
+            <a:extLst>
+              <a:ext uri="{28A0092B-C50C-407E-A947-70E740481C1C}">
+                <a14:useLocalDpi xmlns:a14="http://schemas.microsoft.com/office/drawing/2010/main" val="0"/>
+              </a:ext>
+            </a:extLst>
+          </a:blip>
+          <a:stretch>
+            <a:fillRect/>
+          </a:stretch>
+        </p:blipFill>
+        <p:spPr>
+          <a:xfrm>
+            <a:off x="6889491" y="2938073"/>
+            <a:ext cx="4797091" cy="3072884"/>
+          </a:xfrm>
+          <a:prstGeom prst="rect">
+            <a:avLst/>
+          </a:prstGeom>
+        </p:spPr>
+      </p:pic>
+      <p:sp>
+        <p:nvSpPr>
+          <p:cNvPr id="7" name="Rectangle 6"/>
+          <p:cNvSpPr/>
+          <p:nvPr/>
+        </p:nvSpPr>
+        <p:spPr>
+          <a:xfrm>
+            <a:off x="6632495" y="6242367"/>
+            <a:ext cx="5291833" cy="369332"/>
+          </a:xfrm>
+          <a:prstGeom prst="rect">
+            <a:avLst/>
+          </a:prstGeom>
+        </p:spPr>
+        <p:txBody>
+          <a:bodyPr wrap="none">
+            <a:spAutoFit/>
+          </a:bodyPr>
+          <a:lstStyle/>
+          <a:p>
+            <a:r>
+              <a:rPr lang="en-US" b="1" dirty="0"/>
+              <a:t>Figure 6. Relative Error and CP – Binning </a:t>
+            </a:r>
+            <a:r>
+              <a:rPr lang="en-US" b="1" i="1" dirty="0"/>
+              <a:t>k</a:t>
+            </a:r>
+            <a:r>
+              <a:rPr lang="en-US" b="1" dirty="0"/>
+              <a:t> = 10</a:t>
+            </a:r>
+          </a:p>
+        </p:txBody>
+      </p:sp>
+      <p:sp>
+        <p:nvSpPr>
+          <p:cNvPr id="9" name="Rectangle 8"/>
+          <p:cNvSpPr/>
+          <p:nvPr/>
+        </p:nvSpPr>
+        <p:spPr>
+          <a:xfrm>
+            <a:off x="222516" y="6242367"/>
+            <a:ext cx="5990743" cy="369332"/>
+          </a:xfrm>
+          <a:prstGeom prst="rect">
+            <a:avLst/>
+          </a:prstGeom>
+        </p:spPr>
+        <p:txBody>
+          <a:bodyPr wrap="none">
+            <a:spAutoFit/>
+          </a:bodyPr>
+          <a:lstStyle/>
+          <a:p>
+            <a:r>
+              <a:rPr lang="en-US" b="1" dirty="0"/>
+              <a:t>Figure 5. Classification Decision Tree – Binning </a:t>
+            </a:r>
+            <a:r>
+              <a:rPr lang="en-US" b="1" i="1" dirty="0"/>
+              <a:t>k</a:t>
+            </a:r>
+            <a:r>
+              <a:rPr lang="en-US" b="1" dirty="0"/>
+              <a:t> = 10</a:t>
+            </a:r>
+          </a:p>
+        </p:txBody>
+      </p:sp>
+      <p:pic>
+        <p:nvPicPr>
+          <p:cNvPr id="11" name="Picture 10"/>
+          <p:cNvPicPr/>
+          <p:nvPr/>
+        </p:nvPicPr>
+        <p:blipFill rotWithShape="1">
+          <a:blip r:embed="rId3" cstate="print">
+            <a:extLst>
+              <a:ext uri="{28A0092B-C50C-407E-A947-70E740481C1C}">
+                <a14:useLocalDpi xmlns:a14="http://schemas.microsoft.com/office/drawing/2010/main" val="0"/>
+              </a:ext>
+            </a:extLst>
+          </a:blip>
+          <a:srcRect l="6532" t="10656" r="2594" b="12887"/>
+          <a:stretch/>
+        </p:blipFill>
+        <p:spPr bwMode="auto">
+          <a:xfrm>
+            <a:off x="366980" y="2938073"/>
+            <a:ext cx="5701814" cy="3072884"/>
+          </a:xfrm>
+          <a:prstGeom prst="rect">
+            <a:avLst/>
+          </a:prstGeom>
+          <a:ln>
+            <a:noFill/>
+          </a:ln>
+          <a:extLst>
+            <a:ext uri="{53640926-AAD7-44D8-BBD7-CCE9431645EC}">
+              <a14:shadowObscured xmlns:a14="http://schemas.microsoft.com/office/drawing/2010/main"/>
+            </a:ext>
+          </a:extLst>
+        </p:spPr>
+      </p:pic>
+    </p:spTree>
+    <p:extLst>
+      <p:ext uri="{BB962C8B-B14F-4D97-AF65-F5344CB8AC3E}">
+        <p14:creationId xmlns:p14="http://schemas.microsoft.com/office/powerpoint/2010/main" val="2161083354"/>
+      </p:ext>
+    </p:extLst>
+  </p:cSld>
+  <p:clrMapOvr>
+    <a:masterClrMapping/>
+  </p:clrMapOvr>
+</p:sld>
+</file>
+
+<file path=ppt/slides/slide8.xml><?xml version="1.0" encoding="utf-8"?>
+<p:sld xmlns:a="http://schemas.openxmlformats.org/drawingml/2006/main" xmlns:r="http://schemas.openxmlformats.org/officeDocument/2006/relationships" xmlns:p="http://schemas.openxmlformats.org/presentationml/2006/main">
+  <p:cSld>
+    <p:spTree>
+      <p:nvGrpSpPr>
+        <p:cNvPr id="1" name=""/>
+        <p:cNvGrpSpPr/>
+        <p:nvPr/>
+      </p:nvGrpSpPr>
+      <p:grpSpPr>
+        <a:xfrm>
+          <a:off x="0" y="0"/>
+          <a:ext cx="0" cy="0"/>
+          <a:chOff x="0" y="0"/>
+          <a:chExt cx="0" cy="0"/>
+        </a:xfrm>
+      </p:grpSpPr>
+      <p:sp>
+        <p:nvSpPr>
+          <p:cNvPr id="2" name="Title 1"/>
+          <p:cNvSpPr>
+            <a:spLocks noGrp="1"/>
+          </p:cNvSpPr>
+          <p:nvPr>
+            <p:ph type="title"/>
+          </p:nvPr>
+        </p:nvSpPr>
+        <p:spPr/>
+        <p:txBody>
+          <a:bodyPr/>
+          <a:lstStyle/>
+          <a:p>
+            <a:r>
+              <a:rPr lang="en-US" dirty="0" smtClean="0"/>
+              <a:t>Results – Frequent Item Sets</a:t>
+            </a:r>
+            <a:endParaRPr lang="en-US" dirty="0"/>
+          </a:p>
+        </p:txBody>
+      </p:sp>
+      <p:sp>
+        <p:nvSpPr>
+          <p:cNvPr id="3" name="Content Placeholder 2"/>
+          <p:cNvSpPr>
+            <a:spLocks noGrp="1"/>
+          </p:cNvSpPr>
+          <p:nvPr>
+            <p:ph idx="1"/>
+          </p:nvPr>
+        </p:nvSpPr>
+        <p:spPr>
+          <a:xfrm>
+            <a:off x="1103312" y="1501375"/>
+            <a:ext cx="8946541" cy="4195481"/>
+          </a:xfrm>
+        </p:spPr>
+        <p:txBody>
+          <a:bodyPr>
+            <a:normAutofit/>
+          </a:bodyPr>
+          <a:lstStyle/>
+          <a:p>
+            <a:r>
+              <a:rPr lang="en-US" sz="2400" dirty="0" err="1" smtClean="0"/>
+              <a:t>Apriori</a:t>
+            </a:r>
+            <a:endParaRPr lang="en-US" sz="2400" dirty="0" smtClean="0"/>
+          </a:p>
+          <a:p>
+            <a:endParaRPr lang="en-US" sz="2400" dirty="0"/>
+          </a:p>
+        </p:txBody>
+      </p:sp>
+      <p:sp>
+        <p:nvSpPr>
+          <p:cNvPr id="4" name="Rectangle 2"/>
+          <p:cNvSpPr>
+            <a:spLocks noChangeArrowheads="1"/>
+          </p:cNvSpPr>
+          <p:nvPr/>
+        </p:nvSpPr>
+        <p:spPr bwMode="auto">
+          <a:xfrm>
+            <a:off x="0" y="0"/>
+            <a:ext cx="12192000" cy="457200"/>
+          </a:xfrm>
+          <a:prstGeom prst="rect">
+            <a:avLst/>
+          </a:prstGeom>
+          <a:noFill/>
+          <a:ln>
+            <a:noFill/>
+          </a:ln>
+          <a:effectLst/>
+          <a:extLst>
+            <a:ext uri="{909E8E84-426E-40DD-AFC4-6F175D3DCCD1}">
+              <a14:hiddenFill xmlns:a14="http://schemas.microsoft.com/office/drawing/2010/main">
+                <a:solidFill>
+                  <a:schemeClr val="accent1"/>
+                </a:solidFill>
+              </a14:hiddenFill>
+            </a:ext>
+            <a:ext uri="{91240B29-F687-4F45-9708-019B960494DF}">
+              <a14:hiddenLine xmlns:a14="http://schemas.microsoft.com/office/drawing/2010/main" w="9525">
+                <a:solidFill>
+                  <a:schemeClr val="tx1"/>
+                </a:solidFill>
+                <a:miter lim="800000"/>
+                <a:headEnd/>
+                <a:tailEnd/>
+              </a14:hiddenLine>
+            </a:ext>
+            <a:ext uri="{AF507438-7753-43E0-B8FC-AC1667EBCBE1}">
+              <a14:hiddenEffects xmlns:a14="http://schemas.microsoft.com/office/drawing/2010/main">
+                <a:effectLst>
+                  <a:outerShdw dist="35921" dir="2700000" algn="ctr" rotWithShape="0">
+                    <a:schemeClr val="bg2"/>
+                  </a:outerShdw>
+                </a:effectLst>
+              </a14:hiddenEffects>
+            </a:ext>
+          </a:extLst>
+        </p:spPr>
+        <p:txBody>
+          <a:bodyPr vert="horz" wrap="none" lIns="91440" tIns="45720" rIns="91440" bIns="45720" numCol="1" anchor="ctr" anchorCtr="0" compatLnSpc="1">
+            <a:prstTxWarp prst="textNoShape">
+              <a:avLst/>
+            </a:prstTxWarp>
+            <a:spAutoFit/>
+          </a:bodyPr>
+          <a:lstStyle/>
+          <a:p>
+            <a:endParaRPr lang="en-US"/>
+          </a:p>
+        </p:txBody>
+      </p:sp>
+      <p:pic>
+        <p:nvPicPr>
+          <p:cNvPr id="10" name="Picture 9"/>
+          <p:cNvPicPr/>
+          <p:nvPr/>
+        </p:nvPicPr>
+        <p:blipFill>
+          <a:blip r:embed="rId2" cstate="print">
+            <a:extLst>
+              <a:ext uri="{28A0092B-C50C-407E-A947-70E740481C1C}">
+                <a14:useLocalDpi xmlns:a14="http://schemas.microsoft.com/office/drawing/2010/main" val="0"/>
+              </a:ext>
+            </a:extLst>
+          </a:blip>
+          <a:stretch>
+            <a:fillRect/>
+          </a:stretch>
+        </p:blipFill>
+        <p:spPr>
+          <a:xfrm>
+            <a:off x="916937" y="2644690"/>
+            <a:ext cx="9311986" cy="2173831"/>
+          </a:xfrm>
+          <a:prstGeom prst="rect">
+            <a:avLst/>
+          </a:prstGeom>
+        </p:spPr>
+      </p:pic>
+      <p:sp>
+        <p:nvSpPr>
+          <p:cNvPr id="5" name="Rectangle 4"/>
+          <p:cNvSpPr/>
+          <p:nvPr/>
+        </p:nvSpPr>
+        <p:spPr>
+          <a:xfrm>
+            <a:off x="2154538" y="5244181"/>
+            <a:ext cx="6836784" cy="369332"/>
+          </a:xfrm>
+          <a:prstGeom prst="rect">
+            <a:avLst/>
+          </a:prstGeom>
+        </p:spPr>
+        <p:txBody>
+          <a:bodyPr wrap="square">
+            <a:spAutoFit/>
+          </a:bodyPr>
+          <a:lstStyle/>
+          <a:p>
+            <a:r>
+              <a:rPr lang="en-US" b="1" dirty="0"/>
+              <a:t>Table 5. </a:t>
+            </a:r>
+            <a:r>
+              <a:rPr lang="en-US" b="1" dirty="0" err="1"/>
+              <a:t>Apriori</a:t>
+            </a:r>
+            <a:r>
+              <a:rPr lang="en-US" b="1" dirty="0"/>
+              <a:t> </a:t>
+            </a:r>
+            <a:r>
+              <a:rPr lang="en-US" b="1" dirty="0" err="1"/>
+              <a:t>ViolentCrimesPerPop</a:t>
+            </a:r>
+            <a:r>
+              <a:rPr lang="en-US" b="1" dirty="0"/>
+              <a:t> RHS Confidence Sort</a:t>
+            </a:r>
+          </a:p>
+        </p:txBody>
+      </p:sp>
+    </p:spTree>
+    <p:extLst>
+      <p:ext uri="{BB962C8B-B14F-4D97-AF65-F5344CB8AC3E}">
+        <p14:creationId xmlns:p14="http://schemas.microsoft.com/office/powerpoint/2010/main" val="1937515719"/>
+      </p:ext>
+    </p:extLst>
+  </p:cSld>
+  <p:clrMapOvr>
+    <a:masterClrMapping/>
+  </p:clrMapOvr>
+</p:sld>
+</file>
+
+<file path=ppt/slides/slide9.xml><?xml version="1.0" encoding="utf-8"?>
+<p:sld xmlns:a="http://schemas.openxmlformats.org/drawingml/2006/main" xmlns:r="http://schemas.openxmlformats.org/officeDocument/2006/relationships" xmlns:p="http://schemas.openxmlformats.org/presentationml/2006/main">
+  <p:cSld>
+    <p:spTree>
+      <p:nvGrpSpPr>
+        <p:cNvPr id="1" name=""/>
+        <p:cNvGrpSpPr/>
+        <p:nvPr/>
+      </p:nvGrpSpPr>
+      <p:grpSpPr>
+        <a:xfrm>
+          <a:off x="0" y="0"/>
+          <a:ext cx="0" cy="0"/>
+          <a:chOff x="0" y="0"/>
+          <a:chExt cx="0" cy="0"/>
+        </a:xfrm>
+      </p:grpSpPr>
+      <p:sp>
+        <p:nvSpPr>
+          <p:cNvPr id="2" name="Title 1"/>
+          <p:cNvSpPr>
+            <a:spLocks noGrp="1"/>
+          </p:cNvSpPr>
+          <p:nvPr>
+            <p:ph type="title"/>
+          </p:nvPr>
+        </p:nvSpPr>
+        <p:spPr/>
+        <p:txBody>
+          <a:bodyPr/>
+          <a:lstStyle/>
+          <a:p>
+            <a:r>
+              <a:rPr lang="en-US" dirty="0" smtClean="0"/>
+              <a:t>Results – Frequent Item Sets</a:t>
+            </a:r>
+            <a:endParaRPr lang="en-US" dirty="0"/>
+          </a:p>
+        </p:txBody>
+      </p:sp>
+      <p:sp>
+        <p:nvSpPr>
+          <p:cNvPr id="3" name="Content Placeholder 2"/>
+          <p:cNvSpPr>
+            <a:spLocks noGrp="1"/>
+          </p:cNvSpPr>
+          <p:nvPr>
+            <p:ph idx="1"/>
+          </p:nvPr>
+        </p:nvSpPr>
+        <p:spPr>
+          <a:xfrm>
+            <a:off x="1103312" y="1501375"/>
+            <a:ext cx="8946541" cy="4195481"/>
+          </a:xfrm>
+        </p:spPr>
+        <p:txBody>
+          <a:bodyPr>
+            <a:normAutofit/>
+          </a:bodyPr>
+          <a:lstStyle/>
+          <a:p>
+            <a:r>
+              <a:rPr lang="en-US" sz="2400" dirty="0" err="1" smtClean="0"/>
+              <a:t>Eclat</a:t>
+            </a:r>
+            <a:endParaRPr lang="en-US" sz="2400" dirty="0" smtClean="0"/>
+          </a:p>
+          <a:p>
+            <a:endParaRPr lang="en-US" sz="2400" dirty="0"/>
+          </a:p>
+        </p:txBody>
+      </p:sp>
+      <p:sp>
+        <p:nvSpPr>
+          <p:cNvPr id="4" name="Rectangle 2"/>
+          <p:cNvSpPr>
+            <a:spLocks noChangeArrowheads="1"/>
+          </p:cNvSpPr>
+          <p:nvPr/>
+        </p:nvSpPr>
+        <p:spPr bwMode="auto">
+          <a:xfrm>
+            <a:off x="0" y="0"/>
+            <a:ext cx="12192000" cy="457200"/>
+          </a:xfrm>
+          <a:prstGeom prst="rect">
+            <a:avLst/>
+          </a:prstGeom>
+          <a:noFill/>
+          <a:ln>
+            <a:noFill/>
+          </a:ln>
+          <a:effectLst/>
+          <a:extLst>
+            <a:ext uri="{909E8E84-426E-40DD-AFC4-6F175D3DCCD1}">
+              <a14:hiddenFill xmlns:a14="http://schemas.microsoft.com/office/drawing/2010/main">
+                <a:solidFill>
+                  <a:schemeClr val="accent1"/>
+                </a:solidFill>
+              </a14:hiddenFill>
+            </a:ext>
+            <a:ext uri="{91240B29-F687-4F45-9708-019B960494DF}">
+              <a14:hiddenLine xmlns:a14="http://schemas.microsoft.com/office/drawing/2010/main" w="9525">
+                <a:solidFill>
+                  <a:schemeClr val="tx1"/>
+                </a:solidFill>
+                <a:miter lim="800000"/>
+                <a:headEnd/>
+                <a:tailEnd/>
+              </a14:hiddenLine>
+            </a:ext>
+            <a:ext uri="{AF507438-7753-43E0-B8FC-AC1667EBCBE1}">
+              <a14:hiddenEffects xmlns:a14="http://schemas.microsoft.com/office/drawing/2010/main">
+                <a:effectLst>
+                  <a:outerShdw dist="35921" dir="2700000" algn="ctr" rotWithShape="0">
+                    <a:schemeClr val="bg2"/>
+                  </a:outerShdw>
+                </a:effectLst>
+              </a14:hiddenEffects>
+            </a:ext>
+          </a:extLst>
+        </p:spPr>
+        <p:txBody>
+          <a:bodyPr vert="horz" wrap="none" lIns="91440" tIns="45720" rIns="91440" bIns="45720" numCol="1" anchor="ctr" anchorCtr="0" compatLnSpc="1">
+            <a:prstTxWarp prst="textNoShape">
+              <a:avLst/>
+            </a:prstTxWarp>
+            <a:spAutoFit/>
+          </a:bodyPr>
+          <a:lstStyle/>
+          <a:p>
+            <a:endParaRPr lang="en-US"/>
+          </a:p>
+        </p:txBody>
+      </p:sp>
+      <p:pic>
+        <p:nvPicPr>
+          <p:cNvPr id="6" name="Picture 5"/>
+          <p:cNvPicPr/>
+          <p:nvPr/>
+        </p:nvPicPr>
+        <p:blipFill>
+          <a:blip r:embed="rId2">
+            <a:extLst>
+              <a:ext uri="{28A0092B-C50C-407E-A947-70E740481C1C}">
+                <a14:useLocalDpi xmlns:a14="http://schemas.microsoft.com/office/drawing/2010/main" val="0"/>
+              </a:ext>
+            </a:extLst>
+          </a:blip>
+          <a:stretch>
+            <a:fillRect/>
+          </a:stretch>
+        </p:blipFill>
+        <p:spPr>
+          <a:xfrm>
+            <a:off x="3502140" y="2220686"/>
+            <a:ext cx="5187719" cy="3232331"/>
+          </a:xfrm>
+          <a:prstGeom prst="rect">
+            <a:avLst/>
+          </a:prstGeom>
+        </p:spPr>
+      </p:pic>
+      <p:sp>
+        <p:nvSpPr>
+          <p:cNvPr id="5" name="Rectangle 4"/>
+          <p:cNvSpPr/>
+          <p:nvPr/>
+        </p:nvSpPr>
+        <p:spPr>
+          <a:xfrm>
+            <a:off x="3502140" y="5730297"/>
+            <a:ext cx="5442516" cy="369332"/>
+          </a:xfrm>
+          <a:prstGeom prst="rect">
+            <a:avLst/>
+          </a:prstGeom>
+        </p:spPr>
+        <p:txBody>
+          <a:bodyPr wrap="none">
+            <a:spAutoFit/>
+          </a:bodyPr>
+          <a:lstStyle/>
+          <a:p>
+            <a:r>
+              <a:rPr lang="en-US" b="1" dirty="0"/>
+              <a:t>Table 7. </a:t>
+            </a:r>
+            <a:r>
+              <a:rPr lang="en-US" b="1" dirty="0" err="1"/>
+              <a:t>Eclat</a:t>
+            </a:r>
+            <a:r>
+              <a:rPr lang="en-US" b="1" dirty="0"/>
+              <a:t> </a:t>
+            </a:r>
+            <a:r>
+              <a:rPr lang="en-US" b="1" dirty="0" err="1"/>
+              <a:t>ViolentCrimesPerPop</a:t>
+            </a:r>
+            <a:r>
+              <a:rPr lang="en-US" b="1" dirty="0"/>
+              <a:t> Support Sort</a:t>
+            </a:r>
+          </a:p>
+        </p:txBody>
+      </p:sp>
+    </p:spTree>
+    <p:extLst>
+      <p:ext uri="{BB962C8B-B14F-4D97-AF65-F5344CB8AC3E}">
+        <p14:creationId xmlns:p14="http://schemas.microsoft.com/office/powerpoint/2010/main" val="197626889"/>
       </p:ext>
     </p:extLst>
   </p:cSld>

--- a/GroupProject/GroupProject.pptx
+++ b/GroupProject/GroupProject.pptx
@@ -118,6 +118,22 @@
       </a:defRPr>
     </a:lvl9pPr>
   </p:defaultTextStyle>
+  <p:extLst>
+    <p:ext uri="{EFAFB233-063F-42B5-8137-9DF3F51BA10A}">
+      <p15:sldGuideLst xmlns:p15="http://schemas.microsoft.com/office/powerpoint/2012/main">
+        <p15:guide id="1" orient="horz" pos="2160">
+          <p15:clr>
+            <a:srgbClr val="A4A3A4"/>
+          </p15:clr>
+        </p15:guide>
+        <p15:guide id="2" pos="3840">
+          <p15:clr>
+            <a:srgbClr val="A4A3A4"/>
+          </p15:clr>
+        </p15:guide>
+      </p15:sldGuideLst>
+    </p:ext>
+  </p:extLst>
 </p:presentation>
 </file>
 
@@ -767,6 +783,321 @@
     <p:extLst>
       <p:ext uri="{BB962C8B-B14F-4D97-AF65-F5344CB8AC3E}">
         <p14:creationId xmlns:p14="http://schemas.microsoft.com/office/powerpoint/2010/main" val="3598488852"/>
+      </p:ext>
+    </p:extLst>
+  </p:cSld>
+  <p:clrMapOvr>
+    <a:masterClrMapping/>
+  </p:clrMapOvr>
+</p:notes>
+</file>
+
+<file path=ppt/notesSlides/notesSlide3.xml><?xml version="1.0" encoding="utf-8"?>
+<p:notes xmlns:a="http://schemas.openxmlformats.org/drawingml/2006/main" xmlns:r="http://schemas.openxmlformats.org/officeDocument/2006/relationships" xmlns:p="http://schemas.openxmlformats.org/presentationml/2006/main">
+  <p:cSld>
+    <p:spTree>
+      <p:nvGrpSpPr>
+        <p:cNvPr id="1" name=""/>
+        <p:cNvGrpSpPr/>
+        <p:nvPr/>
+      </p:nvGrpSpPr>
+      <p:grpSpPr>
+        <a:xfrm>
+          <a:off x="0" y="0"/>
+          <a:ext cx="0" cy="0"/>
+          <a:chOff x="0" y="0"/>
+          <a:chExt cx="0" cy="0"/>
+        </a:xfrm>
+      </p:grpSpPr>
+      <p:sp>
+        <p:nvSpPr>
+          <p:cNvPr id="2" name="Slide Image Placeholder 1"/>
+          <p:cNvSpPr>
+            <a:spLocks noGrp="1" noRot="1" noChangeAspect="1"/>
+          </p:cNvSpPr>
+          <p:nvPr>
+            <p:ph type="sldImg"/>
+          </p:nvPr>
+        </p:nvSpPr>
+        <p:spPr/>
+      </p:sp>
+      <p:sp>
+        <p:nvSpPr>
+          <p:cNvPr id="3" name="Notes Placeholder 2"/>
+          <p:cNvSpPr>
+            <a:spLocks noGrp="1"/>
+          </p:cNvSpPr>
+          <p:nvPr>
+            <p:ph type="body" idx="1"/>
+          </p:nvPr>
+        </p:nvSpPr>
+        <p:spPr/>
+        <p:txBody>
+          <a:bodyPr/>
+          <a:lstStyle/>
+          <a:p>
+            <a:r>
+              <a:rPr lang="en-US" dirty="0" smtClean="0"/>
+              <a:t>Performed decision tree when k</a:t>
+            </a:r>
+            <a:r>
+              <a:rPr lang="en-US" baseline="0" dirty="0" smtClean="0"/>
+              <a:t> = 5</a:t>
+            </a:r>
+          </a:p>
+          <a:p>
+            <a:r>
+              <a:rPr lang="en-US" baseline="0" dirty="0" smtClean="0"/>
+              <a:t>Similar results -&gt; 3 levels</a:t>
+            </a:r>
+          </a:p>
+          <a:p>
+            <a:endParaRPr lang="en-US" baseline="0" dirty="0" smtClean="0"/>
+          </a:p>
+          <a:p>
+            <a:r>
+              <a:rPr lang="en-US" baseline="0" dirty="0" smtClean="0"/>
+              <a:t>Overall accuracy: 47%</a:t>
+            </a:r>
+          </a:p>
+          <a:p>
+            <a:r>
+              <a:rPr lang="en-US" baseline="0" dirty="0" smtClean="0"/>
+              <a:t>Overall error rate: 53%</a:t>
+            </a:r>
+            <a:endParaRPr lang="en-US" dirty="0"/>
+          </a:p>
+        </p:txBody>
+      </p:sp>
+      <p:sp>
+        <p:nvSpPr>
+          <p:cNvPr id="4" name="Slide Number Placeholder 3"/>
+          <p:cNvSpPr>
+            <a:spLocks noGrp="1"/>
+          </p:cNvSpPr>
+          <p:nvPr>
+            <p:ph type="sldNum" sz="quarter" idx="10"/>
+          </p:nvPr>
+        </p:nvSpPr>
+        <p:spPr/>
+        <p:txBody>
+          <a:bodyPr/>
+          <a:lstStyle/>
+          <a:p>
+            <a:fld id="{379AA848-7A20-465D-A319-012F3EE62EEB}" type="slidenum">
+              <a:rPr lang="en-US" smtClean="0"/>
+              <a:t>7</a:t>
+            </a:fld>
+            <a:endParaRPr lang="en-US"/>
+          </a:p>
+        </p:txBody>
+      </p:sp>
+    </p:spTree>
+    <p:extLst>
+      <p:ext uri="{BB962C8B-B14F-4D97-AF65-F5344CB8AC3E}">
+        <p14:creationId xmlns:p14="http://schemas.microsoft.com/office/powerpoint/2010/main" val="3107911012"/>
+      </p:ext>
+    </p:extLst>
+  </p:cSld>
+  <p:clrMapOvr>
+    <a:masterClrMapping/>
+  </p:clrMapOvr>
+</p:notes>
+</file>
+
+<file path=ppt/notesSlides/notesSlide4.xml><?xml version="1.0" encoding="utf-8"?>
+<p:notes xmlns:a="http://schemas.openxmlformats.org/drawingml/2006/main" xmlns:r="http://schemas.openxmlformats.org/officeDocument/2006/relationships" xmlns:p="http://schemas.openxmlformats.org/presentationml/2006/main">
+  <p:cSld>
+    <p:spTree>
+      <p:nvGrpSpPr>
+        <p:cNvPr id="1" name=""/>
+        <p:cNvGrpSpPr/>
+        <p:nvPr/>
+      </p:nvGrpSpPr>
+      <p:grpSpPr>
+        <a:xfrm>
+          <a:off x="0" y="0"/>
+          <a:ext cx="0" cy="0"/>
+          <a:chOff x="0" y="0"/>
+          <a:chExt cx="0" cy="0"/>
+        </a:xfrm>
+      </p:grpSpPr>
+      <p:sp>
+        <p:nvSpPr>
+          <p:cNvPr id="2" name="Slide Image Placeholder 1"/>
+          <p:cNvSpPr>
+            <a:spLocks noGrp="1" noRot="1" noChangeAspect="1"/>
+          </p:cNvSpPr>
+          <p:nvPr>
+            <p:ph type="sldImg"/>
+          </p:nvPr>
+        </p:nvSpPr>
+        <p:spPr/>
+      </p:sp>
+      <p:sp>
+        <p:nvSpPr>
+          <p:cNvPr id="3" name="Notes Placeholder 2"/>
+          <p:cNvSpPr>
+            <a:spLocks noGrp="1"/>
+          </p:cNvSpPr>
+          <p:nvPr>
+            <p:ph type="body" idx="1"/>
+          </p:nvPr>
+        </p:nvSpPr>
+        <p:spPr/>
+        <p:txBody>
+          <a:bodyPr/>
+          <a:lstStyle/>
+          <a:p>
+            <a:r>
+              <a:rPr lang="en-US" dirty="0" smtClean="0"/>
+              <a:t>Right</a:t>
+            </a:r>
+            <a:r>
+              <a:rPr lang="en-US" baseline="0" dirty="0" smtClean="0"/>
+              <a:t> Hand Side vs. Left Hand Side </a:t>
+            </a:r>
+            <a:r>
+              <a:rPr lang="en-US" baseline="0" dirty="0" err="1" smtClean="0"/>
+              <a:t>Apriori</a:t>
+            </a:r>
+            <a:r>
+              <a:rPr lang="en-US" baseline="0" dirty="0" smtClean="0"/>
+              <a:t> comparison</a:t>
+            </a:r>
+            <a:endParaRPr lang="en-US" dirty="0"/>
+          </a:p>
+        </p:txBody>
+      </p:sp>
+      <p:sp>
+        <p:nvSpPr>
+          <p:cNvPr id="4" name="Slide Number Placeholder 3"/>
+          <p:cNvSpPr>
+            <a:spLocks noGrp="1"/>
+          </p:cNvSpPr>
+          <p:nvPr>
+            <p:ph type="sldNum" sz="quarter" idx="10"/>
+          </p:nvPr>
+        </p:nvSpPr>
+        <p:spPr/>
+        <p:txBody>
+          <a:bodyPr/>
+          <a:lstStyle/>
+          <a:p>
+            <a:fld id="{379AA848-7A20-465D-A319-012F3EE62EEB}" type="slidenum">
+              <a:rPr lang="en-US" smtClean="0"/>
+              <a:t>8</a:t>
+            </a:fld>
+            <a:endParaRPr lang="en-US"/>
+          </a:p>
+        </p:txBody>
+      </p:sp>
+    </p:spTree>
+    <p:extLst>
+      <p:ext uri="{BB962C8B-B14F-4D97-AF65-F5344CB8AC3E}">
+        <p14:creationId xmlns:p14="http://schemas.microsoft.com/office/powerpoint/2010/main" val="2826107052"/>
+      </p:ext>
+    </p:extLst>
+  </p:cSld>
+  <p:clrMapOvr>
+    <a:masterClrMapping/>
+  </p:clrMapOvr>
+</p:notes>
+</file>
+
+<file path=ppt/notesSlides/notesSlide5.xml><?xml version="1.0" encoding="utf-8"?>
+<p:notes xmlns:a="http://schemas.openxmlformats.org/drawingml/2006/main" xmlns:r="http://schemas.openxmlformats.org/officeDocument/2006/relationships" xmlns:p="http://schemas.openxmlformats.org/presentationml/2006/main">
+  <p:cSld>
+    <p:spTree>
+      <p:nvGrpSpPr>
+        <p:cNvPr id="1" name=""/>
+        <p:cNvGrpSpPr/>
+        <p:nvPr/>
+      </p:nvGrpSpPr>
+      <p:grpSpPr>
+        <a:xfrm>
+          <a:off x="0" y="0"/>
+          <a:ext cx="0" cy="0"/>
+          <a:chOff x="0" y="0"/>
+          <a:chExt cx="0" cy="0"/>
+        </a:xfrm>
+      </p:grpSpPr>
+      <p:sp>
+        <p:nvSpPr>
+          <p:cNvPr id="2" name="Slide Image Placeholder 1"/>
+          <p:cNvSpPr>
+            <a:spLocks noGrp="1" noRot="1" noChangeAspect="1"/>
+          </p:cNvSpPr>
+          <p:nvPr>
+            <p:ph type="sldImg"/>
+          </p:nvPr>
+        </p:nvSpPr>
+        <p:spPr/>
+      </p:sp>
+      <p:sp>
+        <p:nvSpPr>
+          <p:cNvPr id="3" name="Notes Placeholder 2"/>
+          <p:cNvSpPr>
+            <a:spLocks noGrp="1"/>
+          </p:cNvSpPr>
+          <p:nvPr>
+            <p:ph type="body" idx="1"/>
+          </p:nvPr>
+        </p:nvSpPr>
+        <p:spPr/>
+        <p:txBody>
+          <a:bodyPr/>
+          <a:lstStyle/>
+          <a:p>
+            <a:r>
+              <a:rPr lang="en-US" dirty="0" smtClean="0"/>
+              <a:t>No confidence value; used support instead</a:t>
+            </a:r>
+          </a:p>
+          <a:p>
+            <a:r>
+              <a:rPr lang="en-US" dirty="0" smtClean="0"/>
+              <a:t>Same results</a:t>
+            </a:r>
+            <a:r>
+              <a:rPr lang="en-US" baseline="0" dirty="0" smtClean="0"/>
+              <a:t> as </a:t>
+            </a:r>
+            <a:r>
+              <a:rPr lang="en-US" baseline="0" smtClean="0"/>
+              <a:t>Apriori</a:t>
+            </a:r>
+            <a:endParaRPr lang="en-US" dirty="0"/>
+          </a:p>
+        </p:txBody>
+      </p:sp>
+      <p:sp>
+        <p:nvSpPr>
+          <p:cNvPr id="4" name="Slide Number Placeholder 3"/>
+          <p:cNvSpPr>
+            <a:spLocks noGrp="1"/>
+          </p:cNvSpPr>
+          <p:nvPr>
+            <p:ph type="sldNum" sz="quarter" idx="10"/>
+          </p:nvPr>
+        </p:nvSpPr>
+        <p:spPr/>
+        <p:txBody>
+          <a:bodyPr/>
+          <a:lstStyle/>
+          <a:p>
+            <a:fld id="{379AA848-7A20-465D-A319-012F3EE62EEB}" type="slidenum">
+              <a:rPr lang="en-US" smtClean="0"/>
+              <a:t>9</a:t>
+            </a:fld>
+            <a:endParaRPr lang="en-US"/>
+          </a:p>
+        </p:txBody>
+      </p:sp>
+    </p:spTree>
+    <p:extLst>
+      <p:ext uri="{BB962C8B-B14F-4D97-AF65-F5344CB8AC3E}">
+        <p14:creationId xmlns:p14="http://schemas.microsoft.com/office/powerpoint/2010/main" val="4250063609"/>
       </p:ext>
     </p:extLst>
   </p:cSld>
@@ -6850,7 +7181,7 @@
           <a:p>
             <a:r>
               <a:rPr lang="en-US" dirty="0" smtClean="0"/>
-              <a:t>What went wrong?</a:t>
+              <a:t>Conclusions</a:t>
             </a:r>
             <a:endParaRPr lang="en-US" dirty="0"/>
           </a:p>
@@ -6875,57 +7206,27 @@
           <a:p>
             <a:r>
               <a:rPr lang="en-US" sz="2400" dirty="0"/>
-              <a:t>Users over-reacted to media reports</a:t>
-            </a:r>
-          </a:p>
-          <a:p>
-            <a:pPr lvl="1"/>
-            <a:r>
-              <a:rPr lang="en-US" sz="2200" dirty="0"/>
-              <a:t>Unexpected spike in query </a:t>
-            </a:r>
-            <a:r>
-              <a:rPr lang="en-US" sz="2200" dirty="0" smtClean="0"/>
-              <a:t>volume</a:t>
-            </a:r>
+              <a:t>Initial findings from scatterplots were consistent with decision trees, frequent item </a:t>
+            </a:r>
+            <a:r>
+              <a:rPr lang="en-US" sz="2400" dirty="0" smtClean="0"/>
+              <a:t>sets</a:t>
+            </a:r>
+          </a:p>
+          <a:p>
             <a:endParaRPr lang="en-US" sz="2400" dirty="0" smtClean="0"/>
           </a:p>
           <a:p>
+            <a:r>
+              <a:rPr lang="en-US" sz="2400" dirty="0" smtClean="0"/>
+              <a:t>High correlation among violent crime, primarily Caucasian communities, investment income, and parental marriage status</a:t>
+            </a:r>
+          </a:p>
+          <a:p>
+            <a:pPr marL="0" indent="0">
+              <a:buNone/>
+            </a:pPr>
             <a:endParaRPr lang="en-US" sz="2400" dirty="0"/>
-          </a:p>
-          <a:p>
-            <a:r>
-              <a:rPr lang="en-US" sz="2400" dirty="0" smtClean="0"/>
-              <a:t>Overestimated in January 2013</a:t>
-            </a:r>
-          </a:p>
-          <a:p>
-            <a:pPr lvl="1"/>
-            <a:r>
-              <a:rPr lang="en-US" sz="2200" dirty="0" smtClean="0"/>
-              <a:t>CDC incidence rate: 4.52%</a:t>
-            </a:r>
-          </a:p>
-          <a:p>
-            <a:pPr lvl="1"/>
-            <a:r>
-              <a:rPr lang="en-US" sz="2200" dirty="0" smtClean="0"/>
-              <a:t>Google Flu Trends predicted rate: 10.56%</a:t>
-            </a:r>
-            <a:br>
-              <a:rPr lang="en-US" sz="2200" dirty="0" smtClean="0"/>
-            </a:br>
-            <a:endParaRPr lang="en-US" sz="2200" dirty="0" smtClean="0"/>
-          </a:p>
-          <a:p>
-            <a:pPr lvl="1"/>
-            <a:endParaRPr lang="en-US" sz="2200" dirty="0"/>
-          </a:p>
-          <a:p>
-            <a:r>
-              <a:rPr lang="en-US" sz="2400" dirty="0" smtClean="0"/>
-              <a:t>Google shut down Google Flu Trends (quietly)</a:t>
-            </a:r>
           </a:p>
         </p:txBody>
       </p:sp>
@@ -6995,150 +7296,34 @@
         <p:spPr>
           <a:xfrm>
             <a:off x="1103312" y="1380684"/>
-            <a:ext cx="8946541" cy="4867716"/>
+            <a:ext cx="9400255" cy="4899800"/>
           </a:xfrm>
         </p:spPr>
         <p:txBody>
-          <a:bodyPr/>
+          <a:bodyPr>
+            <a:normAutofit/>
+          </a:bodyPr>
           <a:lstStyle/>
           <a:p>
             <a:r>
               <a:rPr lang="en-US" dirty="0" smtClean="0"/>
-              <a:t>Dampen anomalous media spikes</a:t>
+              <a:t>Additional studies to analyze how changes in any specific attribute is correlated with a change in violent crim</a:t>
+            </a:r>
+            <a:r>
+              <a:rPr lang="en-US" dirty="0" smtClean="0"/>
+              <a:t>e per capita</a:t>
             </a:r>
           </a:p>
           <a:p>
             <a:pPr lvl="1"/>
             <a:r>
               <a:rPr lang="en-US" dirty="0" smtClean="0"/>
-              <a:t>Media spikes are usually short term 3-7 days</a:t>
-            </a:r>
-          </a:p>
-          <a:p>
-            <a:pPr lvl="1"/>
-            <a:r>
-              <a:rPr lang="en-US" dirty="0" smtClean="0"/>
-              <a:t>Remove them from the model</a:t>
-            </a:r>
-            <a:br>
-              <a:rPr lang="en-US" dirty="0" smtClean="0"/>
-            </a:br>
-            <a:r>
-              <a:rPr lang="en-US" dirty="0" smtClean="0"/>
-              <a:t/>
-            </a:r>
-            <a:br>
-              <a:rPr lang="en-US" dirty="0" smtClean="0"/>
-            </a:br>
-            <a:r>
-              <a:rPr lang="en-US" dirty="0" smtClean="0"/>
-              <a:t/>
-            </a:r>
-            <a:br>
-              <a:rPr lang="en-US" dirty="0" smtClean="0"/>
-            </a:br>
-            <a:r>
-              <a:rPr lang="en-US" dirty="0" smtClean="0"/>
-              <a:t/>
-            </a:r>
-            <a:br>
-              <a:rPr lang="en-US" dirty="0" smtClean="0"/>
-            </a:br>
+              <a:t>Will require additional data sets in preceding and succeeding years.</a:t>
+            </a:r>
             <a:endParaRPr lang="en-US" dirty="0" smtClean="0"/>
           </a:p>
-          <a:p>
-            <a:r>
-              <a:rPr lang="en-US" dirty="0" smtClean="0"/>
-              <a:t>Use </a:t>
-            </a:r>
-            <a:r>
-              <a:rPr lang="en-US" dirty="0" err="1" smtClean="0"/>
-              <a:t>ElasticNet</a:t>
-            </a:r>
-            <a:r>
-              <a:rPr lang="en-US" dirty="0" smtClean="0"/>
-              <a:t> model</a:t>
-            </a:r>
-          </a:p>
-          <a:p>
-            <a:pPr lvl="1"/>
-            <a:r>
-              <a:rPr lang="en-US" dirty="0" smtClean="0"/>
-              <a:t>Results were better than:</a:t>
-            </a:r>
-          </a:p>
-          <a:p>
-            <a:pPr lvl="2"/>
-            <a:r>
-              <a:rPr lang="en-US" dirty="0" smtClean="0"/>
-              <a:t>Current model</a:t>
-            </a:r>
-          </a:p>
-          <a:p>
-            <a:pPr lvl="2"/>
-            <a:r>
-              <a:rPr lang="en-US" dirty="0" smtClean="0"/>
-              <a:t>Lasso model</a:t>
-            </a:r>
-          </a:p>
-          <a:p>
-            <a:pPr lvl="2"/>
-            <a:r>
-              <a:rPr lang="en-US" dirty="0" smtClean="0"/>
-              <a:t>BSTS model</a:t>
-            </a:r>
-            <a:endParaRPr lang="en-US" dirty="0"/>
-          </a:p>
-        </p:txBody>
-      </p:sp>
-      <p:pic>
-        <p:nvPicPr>
-          <p:cNvPr id="5" name="Picture 4"/>
-          <p:cNvPicPr>
-            <a:picLocks noChangeAspect="1"/>
-          </p:cNvPicPr>
-          <p:nvPr/>
-        </p:nvPicPr>
-        <p:blipFill>
-          <a:blip r:embed="rId2"/>
-          <a:stretch>
-            <a:fillRect/>
-          </a:stretch>
-        </p:blipFill>
-        <p:spPr>
-          <a:xfrm>
-            <a:off x="7114008" y="1380684"/>
-            <a:ext cx="4887095" cy="1937801"/>
-          </a:xfrm>
-          <a:prstGeom prst="rect">
-            <a:avLst/>
-          </a:prstGeom>
-        </p:spPr>
-      </p:pic>
-      <p:pic>
-        <p:nvPicPr>
-          <p:cNvPr id="6" name="Picture 5"/>
-          <p:cNvPicPr>
-            <a:picLocks noChangeAspect="1"/>
-          </p:cNvPicPr>
-          <p:nvPr/>
-        </p:nvPicPr>
-        <p:blipFill>
-          <a:blip r:embed="rId3"/>
-          <a:stretch>
-            <a:fillRect/>
-          </a:stretch>
-        </p:blipFill>
-        <p:spPr>
-          <a:xfrm>
-            <a:off x="7114008" y="3701090"/>
-            <a:ext cx="3633116" cy="2687599"/>
-          </a:xfrm>
-          <a:prstGeom prst="rect">
-            <a:avLst/>
-          </a:prstGeom>
-        </p:spPr>
-      </p:pic>
+        </p:txBody>
+      </p:sp>
     </p:spTree>
     <p:extLst>
       <p:ext uri="{BB962C8B-B14F-4D97-AF65-F5344CB8AC3E}">
@@ -7435,23 +7620,20 @@
             <a:pPr lvl="1"/>
             <a:r>
               <a:rPr lang="en-US" sz="2200" dirty="0" smtClean="0"/>
-              <a:t>Major attribute: Per Capita Violent Crimes</a:t>
+              <a:t>Focus </a:t>
+            </a:r>
+            <a:r>
+              <a:rPr lang="en-US" sz="2200" dirty="0" smtClean="0"/>
+              <a:t>attribute: Per Capita Violent Crimes</a:t>
             </a:r>
           </a:p>
           <a:p>
             <a:pPr lvl="1"/>
             <a:r>
               <a:rPr lang="en-US" sz="2200" dirty="0" smtClean="0"/>
-              <a:t>Other attributes: Racial composition, socioeconomics, education, family(married, divorced, </a:t>
-            </a:r>
-            <a:r>
-              <a:rPr lang="en-US" sz="2200" dirty="0" err="1" smtClean="0"/>
-              <a:t>etc</a:t>
-            </a:r>
-            <a:r>
-              <a:rPr lang="en-US" sz="2200" dirty="0" smtClean="0"/>
-              <a:t>)., immigration, housing, etc.</a:t>
-            </a:r>
+              <a:t>127 other attributes</a:t>
+            </a:r>
+            <a:endParaRPr lang="en-US" sz="2200" dirty="0" smtClean="0"/>
           </a:p>
           <a:p>
             <a:pPr lvl="1"/>
@@ -7464,7 +7646,15 @@
             <a:pPr lvl="2"/>
             <a:r>
               <a:rPr lang="en-US" sz="2000" dirty="0" smtClean="0"/>
-              <a:t>Violent crime definitions, police departments with at least 100 police officers, etc.</a:t>
+              <a:t>Violent crime </a:t>
+            </a:r>
+            <a:r>
+              <a:rPr lang="en-US" sz="2000" dirty="0" smtClean="0"/>
+              <a:t>definition differences among jurisdictions, </a:t>
+            </a:r>
+            <a:r>
+              <a:rPr lang="en-US" sz="2000" dirty="0" smtClean="0"/>
+              <a:t>police departments with at least 100 police officers, etc.</a:t>
             </a:r>
           </a:p>
           <a:p>
@@ -7568,7 +7758,15 @@
             </a:r>
             <a:r>
               <a:rPr lang="en-US" sz="2400" dirty="0"/>
-              <a:t>of communities along with its prevalence of violent crime to determine what relationships exist and suggest further areas of study</a:t>
+              <a:t>of communities along with </a:t>
+            </a:r>
+            <a:r>
+              <a:rPr lang="en-US" sz="2400" dirty="0" smtClean="0"/>
+              <a:t>the incidence of </a:t>
+            </a:r>
+            <a:r>
+              <a:rPr lang="en-US" sz="2400" dirty="0"/>
+              <a:t>violent crime to determine what relationships exist and suggest further areas of study</a:t>
             </a:r>
             <a:r>
               <a:rPr lang="en-US" sz="2400" dirty="0" smtClean="0"/>
@@ -7646,7 +7844,7 @@
         <p:spPr/>
         <p:txBody>
           <a:bodyPr>
-            <a:normAutofit/>
+            <a:normAutofit fontScale="92500" lnSpcReduction="20000"/>
           </a:bodyPr>
           <a:lstStyle/>
           <a:p>
@@ -7666,8 +7864,26 @@
             <a:pPr marL="342900" lvl="1" indent="-342900"/>
             <a:r>
               <a:rPr lang="en-US" sz="2400" dirty="0" smtClean="0"/>
-              <a:t>Already normalized</a:t>
-            </a:r>
+              <a:t>Already </a:t>
+            </a:r>
+            <a:r>
+              <a:rPr lang="en-US" sz="2400" dirty="0" smtClean="0"/>
+              <a:t>normalized</a:t>
+            </a:r>
+          </a:p>
+          <a:p>
+            <a:pPr marL="0" lvl="1" indent="0">
+              <a:buNone/>
+            </a:pPr>
+            <a:endParaRPr lang="en-US" sz="2400" dirty="0" smtClean="0"/>
+          </a:p>
+          <a:p>
+            <a:pPr marL="342900" lvl="1" indent="-342900"/>
+            <a:r>
+              <a:rPr lang="en-US" sz="2400" dirty="0" smtClean="0"/>
+              <a:t>Classification - Holdout Method</a:t>
+            </a:r>
+            <a:endParaRPr lang="en-US" sz="2400" dirty="0" smtClean="0"/>
           </a:p>
           <a:p>
             <a:pPr marL="342900" lvl="1" indent="-342900"/>
@@ -7677,13 +7893,8 @@
             <a:pPr marL="342900" lvl="1" indent="-342900"/>
             <a:r>
               <a:rPr lang="en-US" sz="2400" dirty="0" smtClean="0"/>
-              <a:t>Binning (equa</a:t>
-            </a:r>
-            <a:r>
-              <a:rPr lang="en-US" sz="2400" dirty="0" smtClean="0"/>
-              <a:t>l width)</a:t>
-            </a:r>
-            <a:endParaRPr lang="en-US" sz="2400" dirty="0" smtClean="0"/>
+              <a:t>Binning (equal width)</a:t>
+            </a:r>
           </a:p>
           <a:p>
             <a:pPr marL="342900" lvl="1" indent="-342900"/>
@@ -7797,8 +8008,17 @@
             </a:pPr>
             <a:r>
               <a:rPr lang="en-US" sz="2600" dirty="0" smtClean="0"/>
-              <a:t>Significant Attributes</a:t>
-            </a:r>
+              <a:t>Most Significant Attributes out of 122 plausible </a:t>
+            </a:r>
+            <a:r>
+              <a:rPr lang="en-US" sz="2600" dirty="0" err="1" smtClean="0"/>
+              <a:t>attirbutes</a:t>
+            </a:r>
+            <a:r>
+              <a:rPr lang="en-US" sz="2600" dirty="0" smtClean="0"/>
+              <a:t>:</a:t>
+            </a:r>
+            <a:endParaRPr lang="en-US" sz="2600" dirty="0" smtClean="0"/>
           </a:p>
           <a:p>
             <a:pPr marL="1257300" lvl="2" indent="-457200">
@@ -7953,7 +8173,6 @@
               <a:rPr lang="en-US" sz="2400" dirty="0" smtClean="0"/>
               <a:t>Decision Tree</a:t>
             </a:r>
-            <a:endParaRPr lang="en-US" sz="2400" dirty="0" smtClean="0"/>
           </a:p>
           <a:p>
             <a:endParaRPr lang="en-US" sz="2400" dirty="0"/>
@@ -8030,7 +8249,7 @@
           <p:nvPr/>
         </p:nvPicPr>
         <p:blipFill>
-          <a:blip r:embed="rId2" cstate="print">
+          <a:blip r:embed="rId3" cstate="print">
             <a:extLst>
               <a:ext uri="{28A0092B-C50C-407E-A947-70E740481C1C}">
                 <a14:useLocalDpi xmlns:a14="http://schemas.microsoft.com/office/drawing/2010/main" val="0"/>
@@ -8130,7 +8349,7 @@
           <p:nvPr/>
         </p:nvPicPr>
         <p:blipFill rotWithShape="1">
-          <a:blip r:embed="rId3" cstate="print">
+          <a:blip r:embed="rId4" cstate="print">
             <a:extLst>
               <a:ext uri="{28A0092B-C50C-407E-A947-70E740481C1C}">
                 <a14:useLocalDpi xmlns:a14="http://schemas.microsoft.com/office/drawing/2010/main" val="0"/>
@@ -8223,7 +8442,7 @@
         </p:nvSpPr>
         <p:spPr>
           <a:xfrm>
-            <a:off x="1103312" y="1501375"/>
+            <a:off x="1102331" y="1152983"/>
             <a:ext cx="8946541" cy="4195481"/>
           </a:xfrm>
         </p:spPr>
@@ -8314,7 +8533,7 @@
           <p:nvPr/>
         </p:nvPicPr>
         <p:blipFill>
-          <a:blip r:embed="rId2" cstate="print">
+          <a:blip r:embed="rId3" cstate="print">
             <a:extLst>
               <a:ext uri="{28A0092B-C50C-407E-A947-70E740481C1C}">
                 <a14:useLocalDpi xmlns:a14="http://schemas.microsoft.com/office/drawing/2010/main" val="0"/>
@@ -8327,8 +8546,8 @@
         </p:blipFill>
         <p:spPr>
           <a:xfrm>
-            <a:off x="916937" y="2644690"/>
-            <a:ext cx="9311986" cy="2173831"/>
+            <a:off x="1103312" y="1731698"/>
+            <a:ext cx="8594141" cy="2006254"/>
           </a:xfrm>
           <a:prstGeom prst="rect">
             <a:avLst/>
@@ -8343,7 +8562,7 @@
         </p:nvSpPr>
         <p:spPr>
           <a:xfrm>
-            <a:off x="2154538" y="5244181"/>
+            <a:off x="2157209" y="3737952"/>
             <a:ext cx="6836784" cy="369332"/>
           </a:xfrm>
           <a:prstGeom prst="rect">
@@ -8376,6 +8595,109 @@
               <a:rPr lang="en-US" b="1" dirty="0"/>
               <a:t> RHS Confidence Sort</a:t>
             </a:r>
+          </a:p>
+        </p:txBody>
+      </p:sp>
+      <p:pic>
+        <p:nvPicPr>
+          <p:cNvPr id="7" name="Picture 6"/>
+          <p:cNvPicPr/>
+          <p:nvPr/>
+        </p:nvPicPr>
+        <p:blipFill>
+          <a:blip r:embed="rId4" cstate="print">
+            <a:extLst>
+              <a:ext uri="{28A0092B-C50C-407E-A947-70E740481C1C}">
+                <a14:useLocalDpi xmlns:a14="http://schemas.microsoft.com/office/drawing/2010/main" val="0"/>
+              </a:ext>
+            </a:extLst>
+          </a:blip>
+          <a:stretch>
+            <a:fillRect/>
+          </a:stretch>
+        </p:blipFill>
+        <p:spPr>
+          <a:xfrm>
+            <a:off x="1102821" y="4167444"/>
+            <a:ext cx="8595122" cy="2203373"/>
+          </a:xfrm>
+          <a:prstGeom prst="rect">
+            <a:avLst/>
+          </a:prstGeom>
+        </p:spPr>
+      </p:pic>
+      <p:sp>
+        <p:nvSpPr>
+          <p:cNvPr id="6" name="Rectangle 5"/>
+          <p:cNvSpPr/>
+          <p:nvPr/>
+        </p:nvSpPr>
+        <p:spPr>
+          <a:xfrm>
+            <a:off x="2281863" y="6481631"/>
+            <a:ext cx="6133217" cy="369332"/>
+          </a:xfrm>
+          <a:prstGeom prst="rect">
+            <a:avLst/>
+          </a:prstGeom>
+        </p:spPr>
+        <p:txBody>
+          <a:bodyPr wrap="none">
+            <a:spAutoFit/>
+          </a:bodyPr>
+          <a:lstStyle/>
+          <a:p>
+            <a:pPr algn="ctr">
+              <a:spcAft>
+                <a:spcPts val="400"/>
+              </a:spcAft>
+            </a:pPr>
+            <a:r>
+              <a:rPr lang="en-US" b="1" dirty="0">
+                <a:latin typeface="Times New Roman" panose="02020603050405020304" pitchFamily="18" charset="0"/>
+                <a:ea typeface="Times New Roman" panose="02020603050405020304" pitchFamily="18" charset="0"/>
+                <a:cs typeface="Miriam"/>
+              </a:rPr>
+              <a:t>Table 6. </a:t>
+            </a:r>
+            <a:r>
+              <a:rPr lang="en-US" b="1" dirty="0" err="1">
+                <a:latin typeface="Times New Roman" panose="02020603050405020304" pitchFamily="18" charset="0"/>
+                <a:ea typeface="Times New Roman" panose="02020603050405020304" pitchFamily="18" charset="0"/>
+                <a:cs typeface="Miriam"/>
+              </a:rPr>
+              <a:t>Apriori</a:t>
+            </a:r>
+            <a:r>
+              <a:rPr lang="en-US" b="1" dirty="0">
+                <a:latin typeface="Times New Roman" panose="02020603050405020304" pitchFamily="18" charset="0"/>
+                <a:ea typeface="Times New Roman" panose="02020603050405020304" pitchFamily="18" charset="0"/>
+                <a:cs typeface="Miriam"/>
+              </a:rPr>
+              <a:t> </a:t>
+            </a:r>
+            <a:r>
+              <a:rPr lang="en-US" b="1" dirty="0" err="1">
+                <a:latin typeface="Times New Roman" panose="02020603050405020304" pitchFamily="18" charset="0"/>
+                <a:ea typeface="Times New Roman" panose="02020603050405020304" pitchFamily="18" charset="0"/>
+                <a:cs typeface="Miriam"/>
+              </a:rPr>
+              <a:t>ViolentCrimesPerPop</a:t>
+            </a:r>
+            <a:r>
+              <a:rPr lang="en-US" b="1" dirty="0">
+                <a:latin typeface="Times New Roman" panose="02020603050405020304" pitchFamily="18" charset="0"/>
+                <a:ea typeface="Times New Roman" panose="02020603050405020304" pitchFamily="18" charset="0"/>
+                <a:cs typeface="Miriam"/>
+              </a:rPr>
+              <a:t> LHS Confidence Sort</a:t>
+            </a:r>
+            <a:endParaRPr lang="en-US" b="1" dirty="0">
+              <a:effectLst/>
+              <a:latin typeface="Times New Roman" panose="02020603050405020304" pitchFamily="18" charset="0"/>
+              <a:ea typeface="Times New Roman" panose="02020603050405020304" pitchFamily="18" charset="0"/>
+              <a:cs typeface="Miriam"/>
+            </a:endParaRPr>
           </a:p>
         </p:txBody>
       </p:sp>
@@ -8535,7 +8857,7 @@
           <p:nvPr/>
         </p:nvPicPr>
         <p:blipFill>
-          <a:blip r:embed="rId2">
+          <a:blip r:embed="rId3">
             <a:extLst>
               <a:ext uri="{28A0092B-C50C-407E-A947-70E740481C1C}">
                 <a14:useLocalDpi xmlns:a14="http://schemas.microsoft.com/office/drawing/2010/main" val="0"/>
@@ -8873,7 +9195,7 @@
   <a:extraClrSchemeLst/>
   <a:extLst>
     <a:ext uri="{05A4C25C-085E-4340-85A3-A5531E510DB2}">
-      <thm15:themeFamily xmlns:thm15="http://schemas.microsoft.com/office/thememl/2012/main" xmlns="" name="Ion" id="{B8441ADB-2E43-4AF7-B97A-BD870242C6A8}" vid="{292E63A9-BB86-4E3D-B92A-7223C6510D2E}"/>
+      <thm15:themeFamily xmlns:thm15="http://schemas.microsoft.com/office/thememl/2012/main" name="Ion" id="{B8441ADB-2E43-4AF7-B97A-BD870242C6A8}" vid="{292E63A9-BB86-4E3D-B92A-7223C6510D2E}"/>
     </a:ext>
   </a:extLst>
 </a:theme>

--- a/GroupProject/GroupProject.pptx
+++ b/GroupProject/GroupProject.pptx
@@ -5,21 +5,23 @@
     <p:sldMasterId id="2147483725" r:id="rId1"/>
   </p:sldMasterIdLst>
   <p:notesMasterIdLst>
-    <p:notesMasterId r:id="rId14"/>
+    <p:notesMasterId r:id="rId16"/>
   </p:notesMasterIdLst>
   <p:sldIdLst>
     <p:sldId id="256" r:id="rId2"/>
     <p:sldId id="257" r:id="rId3"/>
     <p:sldId id="265" r:id="rId4"/>
-    <p:sldId id="259" r:id="rId5"/>
-    <p:sldId id="260" r:id="rId6"/>
-    <p:sldId id="262" r:id="rId7"/>
-    <p:sldId id="261" r:id="rId8"/>
-    <p:sldId id="266" r:id="rId9"/>
-    <p:sldId id="267" r:id="rId10"/>
-    <p:sldId id="263" r:id="rId11"/>
-    <p:sldId id="258" r:id="rId12"/>
-    <p:sldId id="264" r:id="rId13"/>
+    <p:sldId id="260" r:id="rId5"/>
+    <p:sldId id="259" r:id="rId6"/>
+    <p:sldId id="268" r:id="rId7"/>
+    <p:sldId id="262" r:id="rId8"/>
+    <p:sldId id="261" r:id="rId9"/>
+    <p:sldId id="266" r:id="rId10"/>
+    <p:sldId id="267" r:id="rId11"/>
+    <p:sldId id="263" r:id="rId12"/>
+    <p:sldId id="269" r:id="rId13"/>
+    <p:sldId id="258" r:id="rId14"/>
+    <p:sldId id="264" r:id="rId15"/>
   </p:sldIdLst>
   <p:sldSz cx="12192000" cy="6858000"/>
   <p:notesSz cx="6858000" cy="9144000"/>
@@ -219,7 +221,7 @@
           <a:p>
             <a:fld id="{68AB4E1C-804C-463D-90D8-E12D92B55F5A}" type="datetimeFigureOut">
               <a:rPr lang="en-US" smtClean="0"/>
-              <a:t>5/11/2016</a:t>
+              <a:t>11-May-16</a:t>
             </a:fld>
             <a:endParaRPr lang="en-US"/>
           </a:p>
@@ -531,6 +533,20 @@
           <a:bodyPr/>
           <a:lstStyle/>
           <a:p>
+            <a:r>
+              <a:rPr lang="en-US" dirty="0" smtClean="0"/>
+              <a:t>Many cities in</a:t>
+            </a:r>
+            <a:r>
+              <a:rPr lang="en-US" baseline="0" dirty="0" smtClean="0"/>
+              <a:t> the Midwest were dropped because of differ definition of rape</a:t>
+            </a:r>
+          </a:p>
+          <a:p>
+            <a:r>
+              <a:rPr lang="en-US" baseline="0" dirty="0" smtClean="0"/>
+              <a:t>Other cities dropped because no LEMAS data</a:t>
+            </a:r>
             <a:endParaRPr lang="en-US" dirty="0"/>
           </a:p>
         </p:txBody>
@@ -552,7 +568,7 @@
           <a:p>
             <a:fld id="{379AA848-7A20-465D-A319-012F3EE62EEB}" type="slidenum">
               <a:rPr lang="en-US" smtClean="0"/>
-              <a:t>5</a:t>
+              <a:t>3</a:t>
             </a:fld>
             <a:endParaRPr lang="en-US"/>
           </a:p>
@@ -561,7 +577,7 @@
     </p:spTree>
     <p:extLst>
       <p:ext uri="{BB962C8B-B14F-4D97-AF65-F5344CB8AC3E}">
-        <p14:creationId xmlns:p14="http://schemas.microsoft.com/office/powerpoint/2010/main" val="2082875433"/>
+        <p14:creationId xmlns:p14="http://schemas.microsoft.com/office/powerpoint/2010/main" val="1150132314"/>
       </p:ext>
     </p:extLst>
   </p:cSld>
@@ -615,143 +631,6 @@
           <a:bodyPr/>
           <a:lstStyle/>
           <a:p>
-            <a:r>
-              <a:rPr lang="en-US" sz="1200" kern="1200" dirty="0" err="1" smtClean="0">
-                <a:solidFill>
-                  <a:schemeClr val="tx1"/>
-                </a:solidFill>
-                <a:latin typeface="+mn-lt"/>
-                <a:ea typeface="+mn-ea"/>
-                <a:cs typeface="+mn-cs"/>
-              </a:rPr>
-              <a:t>racePctWhite</a:t>
-            </a:r>
-            <a:r>
-              <a:rPr lang="en-US" sz="1200" kern="1200" dirty="0" smtClean="0">
-                <a:solidFill>
-                  <a:schemeClr val="tx1"/>
-                </a:solidFill>
-                <a:latin typeface="+mn-lt"/>
-                <a:ea typeface="+mn-ea"/>
-                <a:cs typeface="+mn-cs"/>
-              </a:rPr>
-              <a:t>: percentage of population that is </a:t>
-            </a:r>
-            <a:r>
-              <a:rPr lang="en-US" sz="1200" u="sng" kern="1200" dirty="0" err="1" smtClean="0">
-                <a:solidFill>
-                  <a:schemeClr val="tx1"/>
-                </a:solidFill>
-                <a:latin typeface="+mn-lt"/>
-                <a:ea typeface="+mn-ea"/>
-                <a:cs typeface="+mn-cs"/>
-              </a:rPr>
-              <a:t>caucasian</a:t>
-            </a:r>
-            <a:r>
-              <a:rPr lang="en-US" sz="1200" u="sng" kern="1200" dirty="0" smtClean="0">
-                <a:solidFill>
-                  <a:schemeClr val="tx1"/>
-                </a:solidFill>
-                <a:latin typeface="+mn-lt"/>
-                <a:ea typeface="+mn-ea"/>
-                <a:cs typeface="+mn-cs"/>
-              </a:rPr>
-              <a:t> (numeric - decimal)</a:t>
-            </a:r>
-          </a:p>
-          <a:p>
-            <a:r>
-              <a:rPr lang="en-US" sz="1200" u="none" kern="1200" baseline="0" dirty="0" smtClean="0">
-                <a:solidFill>
-                  <a:schemeClr val="tx1"/>
-                </a:solidFill>
-                <a:latin typeface="+mn-lt"/>
-                <a:ea typeface="+mn-ea"/>
-                <a:cs typeface="+mn-cs"/>
-              </a:rPr>
-              <a:t>	Every other race was inverse of this (African American, Asian, and Hispanic)</a:t>
-            </a:r>
-            <a:endParaRPr lang="en-US" sz="1200" u="none" kern="1200" dirty="0" smtClean="0">
-              <a:solidFill>
-                <a:schemeClr val="tx1"/>
-              </a:solidFill>
-              <a:latin typeface="+mn-lt"/>
-              <a:ea typeface="+mn-ea"/>
-              <a:cs typeface="+mn-cs"/>
-            </a:endParaRPr>
-          </a:p>
-          <a:p>
-            <a:r>
-              <a:rPr lang="en-US" sz="1200" kern="1200" dirty="0" err="1" smtClean="0">
-                <a:solidFill>
-                  <a:schemeClr val="tx1"/>
-                </a:solidFill>
-                <a:latin typeface="+mn-lt"/>
-                <a:ea typeface="+mn-ea"/>
-                <a:cs typeface="+mn-cs"/>
-              </a:rPr>
-              <a:t>pctWInvInc</a:t>
-            </a:r>
-            <a:r>
-              <a:rPr lang="en-US" sz="1200" kern="1200" dirty="0" smtClean="0">
-                <a:solidFill>
-                  <a:schemeClr val="tx1"/>
-                </a:solidFill>
-                <a:latin typeface="+mn-lt"/>
-                <a:ea typeface="+mn-ea"/>
-                <a:cs typeface="+mn-cs"/>
-              </a:rPr>
-              <a:t>: percentage of households with investment / rent income in 1989 (numeric - decimal)</a:t>
-            </a:r>
-          </a:p>
-          <a:p>
-            <a:r>
-              <a:rPr lang="en-US" sz="1200" kern="1200" dirty="0" err="1" smtClean="0">
-                <a:solidFill>
-                  <a:schemeClr val="tx1"/>
-                </a:solidFill>
-                <a:latin typeface="+mn-lt"/>
-                <a:ea typeface="+mn-ea"/>
-                <a:cs typeface="+mn-cs"/>
-              </a:rPr>
-              <a:t>PctNotHSGrad</a:t>
-            </a:r>
-            <a:r>
-              <a:rPr lang="en-US" sz="1200" kern="1200" dirty="0" smtClean="0">
-                <a:solidFill>
-                  <a:schemeClr val="tx1"/>
-                </a:solidFill>
-                <a:latin typeface="+mn-lt"/>
-                <a:ea typeface="+mn-ea"/>
-                <a:cs typeface="+mn-cs"/>
-              </a:rPr>
-              <a:t>: percentage of people 25 and over that are not high school graduates (numeric - decimal)</a:t>
-            </a:r>
-          </a:p>
-          <a:p>
-            <a:r>
-              <a:rPr lang="en-US" sz="1200" kern="1200" dirty="0" err="1" smtClean="0">
-                <a:solidFill>
-                  <a:schemeClr val="tx1"/>
-                </a:solidFill>
-                <a:latin typeface="+mn-lt"/>
-                <a:ea typeface="+mn-ea"/>
-                <a:cs typeface="+mn-cs"/>
-              </a:rPr>
-              <a:t>TotalPctDiv</a:t>
-            </a:r>
-            <a:r>
-              <a:rPr lang="en-US" sz="1200" kern="1200" dirty="0" smtClean="0">
-                <a:solidFill>
-                  <a:schemeClr val="tx1"/>
-                </a:solidFill>
-                <a:latin typeface="+mn-lt"/>
-                <a:ea typeface="+mn-ea"/>
-                <a:cs typeface="+mn-cs"/>
-              </a:rPr>
-              <a:t>: percentage of population who are divorced (numeric - decimal)</a:t>
-            </a:r>
             <a:endParaRPr lang="en-US" dirty="0"/>
           </a:p>
         </p:txBody>
@@ -773,7 +652,7 @@
           <a:p>
             <a:fld id="{379AA848-7A20-465D-A319-012F3EE62EEB}" type="slidenum">
               <a:rPr lang="en-US" smtClean="0"/>
-              <a:t>6</a:t>
+              <a:t>4</a:t>
             </a:fld>
             <a:endParaRPr lang="en-US"/>
           </a:p>
@@ -782,7 +661,7 @@
     </p:spTree>
     <p:extLst>
       <p:ext uri="{BB962C8B-B14F-4D97-AF65-F5344CB8AC3E}">
-        <p14:creationId xmlns:p14="http://schemas.microsoft.com/office/powerpoint/2010/main" val="3598488852"/>
+        <p14:creationId xmlns:p14="http://schemas.microsoft.com/office/powerpoint/2010/main" val="2082875433"/>
       </p:ext>
     </p:extLst>
   </p:cSld>
@@ -837,33 +716,141 @@
           <a:lstStyle/>
           <a:p>
             <a:r>
-              <a:rPr lang="en-US" dirty="0" smtClean="0"/>
-              <a:t>Performed decision tree when k</a:t>
-            </a:r>
-            <a:r>
-              <a:rPr lang="en-US" baseline="0" dirty="0" smtClean="0"/>
-              <a:t> = 5</a:t>
-            </a:r>
-          </a:p>
-          <a:p>
-            <a:r>
-              <a:rPr lang="en-US" baseline="0" dirty="0" smtClean="0"/>
-              <a:t>Similar results -&gt; 3 levels</a:t>
-            </a:r>
-          </a:p>
-          <a:p>
-            <a:endParaRPr lang="en-US" baseline="0" dirty="0" smtClean="0"/>
-          </a:p>
-          <a:p>
-            <a:r>
-              <a:rPr lang="en-US" baseline="0" dirty="0" smtClean="0"/>
-              <a:t>Overall accuracy: 47%</a:t>
-            </a:r>
-          </a:p>
-          <a:p>
-            <a:r>
-              <a:rPr lang="en-US" baseline="0" dirty="0" smtClean="0"/>
-              <a:t>Overall error rate: 53%</a:t>
+              <a:rPr lang="en-US" sz="1200" kern="1200" dirty="0" err="1" smtClean="0">
+                <a:solidFill>
+                  <a:schemeClr val="tx1"/>
+                </a:solidFill>
+                <a:latin typeface="+mn-lt"/>
+                <a:ea typeface="+mn-ea"/>
+                <a:cs typeface="+mn-cs"/>
+              </a:rPr>
+              <a:t>racePctWhite</a:t>
+            </a:r>
+            <a:r>
+              <a:rPr lang="en-US" sz="1200" kern="1200" dirty="0" smtClean="0">
+                <a:solidFill>
+                  <a:schemeClr val="tx1"/>
+                </a:solidFill>
+                <a:latin typeface="+mn-lt"/>
+                <a:ea typeface="+mn-ea"/>
+                <a:cs typeface="+mn-cs"/>
+              </a:rPr>
+              <a:t>: percentage of population that is </a:t>
+            </a:r>
+            <a:r>
+              <a:rPr lang="en-US" sz="1200" u="sng" kern="1200" dirty="0" err="1" smtClean="0">
+                <a:solidFill>
+                  <a:schemeClr val="tx1"/>
+                </a:solidFill>
+                <a:latin typeface="+mn-lt"/>
+                <a:ea typeface="+mn-ea"/>
+                <a:cs typeface="+mn-cs"/>
+              </a:rPr>
+              <a:t>caucasian</a:t>
+            </a:r>
+            <a:r>
+              <a:rPr lang="en-US" sz="1200" u="sng" kern="1200" dirty="0" smtClean="0">
+                <a:solidFill>
+                  <a:schemeClr val="tx1"/>
+                </a:solidFill>
+                <a:latin typeface="+mn-lt"/>
+                <a:ea typeface="+mn-ea"/>
+                <a:cs typeface="+mn-cs"/>
+              </a:rPr>
+              <a:t> (numeric - decimal)</a:t>
+            </a:r>
+          </a:p>
+          <a:p>
+            <a:r>
+              <a:rPr lang="en-US" sz="1200" u="none" kern="1200" baseline="0" dirty="0" smtClean="0">
+                <a:solidFill>
+                  <a:schemeClr val="tx1"/>
+                </a:solidFill>
+                <a:latin typeface="+mn-lt"/>
+                <a:ea typeface="+mn-ea"/>
+                <a:cs typeface="+mn-cs"/>
+              </a:rPr>
+              <a:t>	Every other race was inverse of this (African American, Asian, and Hispanic)</a:t>
+            </a:r>
+            <a:endParaRPr lang="en-US" sz="1200" u="none" kern="1200" dirty="0" smtClean="0">
+              <a:solidFill>
+                <a:schemeClr val="tx1"/>
+              </a:solidFill>
+              <a:latin typeface="+mn-lt"/>
+              <a:ea typeface="+mn-ea"/>
+              <a:cs typeface="+mn-cs"/>
+            </a:endParaRPr>
+          </a:p>
+          <a:p>
+            <a:r>
+              <a:rPr lang="en-US" sz="1200" kern="1200" dirty="0" err="1" smtClean="0">
+                <a:solidFill>
+                  <a:schemeClr val="tx1"/>
+                </a:solidFill>
+                <a:latin typeface="+mn-lt"/>
+                <a:ea typeface="+mn-ea"/>
+                <a:cs typeface="+mn-cs"/>
+              </a:rPr>
+              <a:t>pctWInvInc</a:t>
+            </a:r>
+            <a:r>
+              <a:rPr lang="en-US" sz="1200" kern="1200" dirty="0" smtClean="0">
+                <a:solidFill>
+                  <a:schemeClr val="tx1"/>
+                </a:solidFill>
+                <a:latin typeface="+mn-lt"/>
+                <a:ea typeface="+mn-ea"/>
+                <a:cs typeface="+mn-cs"/>
+              </a:rPr>
+              <a:t>: percentage of households with investment / rent income in 1989 (numeric - decimal)</a:t>
+            </a:r>
+          </a:p>
+          <a:p>
+            <a:r>
+              <a:rPr lang="en-US" sz="1200" kern="1200" dirty="0" err="1" smtClean="0">
+                <a:solidFill>
+                  <a:schemeClr val="tx1"/>
+                </a:solidFill>
+                <a:latin typeface="+mn-lt"/>
+                <a:ea typeface="+mn-ea"/>
+                <a:cs typeface="+mn-cs"/>
+              </a:rPr>
+              <a:t>PctNotHSGrad</a:t>
+            </a:r>
+            <a:r>
+              <a:rPr lang="en-US" sz="1200" kern="1200" dirty="0" smtClean="0">
+                <a:solidFill>
+                  <a:schemeClr val="tx1"/>
+                </a:solidFill>
+                <a:latin typeface="+mn-lt"/>
+                <a:ea typeface="+mn-ea"/>
+                <a:cs typeface="+mn-cs"/>
+              </a:rPr>
+              <a:t>: percentage of people 25 and over that are not high school graduates (numeric - decimal)</a:t>
+            </a:r>
+          </a:p>
+          <a:p>
+            <a:r>
+              <a:rPr lang="en-US" sz="1200" kern="1200" dirty="0" err="1" smtClean="0">
+                <a:solidFill>
+                  <a:schemeClr val="tx1"/>
+                </a:solidFill>
+                <a:latin typeface="+mn-lt"/>
+                <a:ea typeface="+mn-ea"/>
+                <a:cs typeface="+mn-cs"/>
+              </a:rPr>
+              <a:t>TotalPctDiv</a:t>
+            </a:r>
+            <a:r>
+              <a:rPr lang="en-US" sz="1200" kern="1200" dirty="0" smtClean="0">
+                <a:solidFill>
+                  <a:schemeClr val="tx1"/>
+                </a:solidFill>
+                <a:latin typeface="+mn-lt"/>
+                <a:ea typeface="+mn-ea"/>
+                <a:cs typeface="+mn-cs"/>
+              </a:rPr>
+              <a:t>: percentage of population who are divorced (numeric - decimal)</a:t>
             </a:r>
             <a:endParaRPr lang="en-US" dirty="0"/>
           </a:p>
@@ -886,7 +873,7 @@
           <a:p>
             <a:fld id="{379AA848-7A20-465D-A319-012F3EE62EEB}" type="slidenum">
               <a:rPr lang="en-US" smtClean="0"/>
-              <a:t>7</a:t>
+              <a:t>6</a:t>
             </a:fld>
             <a:endParaRPr lang="en-US"/>
           </a:p>
@@ -895,7 +882,7 @@
     </p:spTree>
     <p:extLst>
       <p:ext uri="{BB962C8B-B14F-4D97-AF65-F5344CB8AC3E}">
-        <p14:creationId xmlns:p14="http://schemas.microsoft.com/office/powerpoint/2010/main" val="3107911012"/>
+        <p14:creationId xmlns:p14="http://schemas.microsoft.com/office/powerpoint/2010/main" val="3901802455"/>
       </p:ext>
     </p:extLst>
   </p:cSld>
@@ -950,20 +937,141 @@
           <a:lstStyle/>
           <a:p>
             <a:r>
-              <a:rPr lang="en-US" dirty="0" smtClean="0"/>
-              <a:t>Right</a:t>
-            </a:r>
-            <a:r>
-              <a:rPr lang="en-US" baseline="0" dirty="0" smtClean="0"/>
-              <a:t> Hand Side vs. Left Hand Side </a:t>
-            </a:r>
-            <a:r>
-              <a:rPr lang="en-US" baseline="0" dirty="0" err="1" smtClean="0"/>
-              <a:t>Apriori</a:t>
-            </a:r>
-            <a:r>
-              <a:rPr lang="en-US" baseline="0" dirty="0" smtClean="0"/>
-              <a:t> comparison</a:t>
+              <a:rPr lang="en-US" sz="1200" kern="1200" dirty="0" err="1" smtClean="0">
+                <a:solidFill>
+                  <a:schemeClr val="tx1"/>
+                </a:solidFill>
+                <a:latin typeface="+mn-lt"/>
+                <a:ea typeface="+mn-ea"/>
+                <a:cs typeface="+mn-cs"/>
+              </a:rPr>
+              <a:t>racePctWhite</a:t>
+            </a:r>
+            <a:r>
+              <a:rPr lang="en-US" sz="1200" kern="1200" dirty="0" smtClean="0">
+                <a:solidFill>
+                  <a:schemeClr val="tx1"/>
+                </a:solidFill>
+                <a:latin typeface="+mn-lt"/>
+                <a:ea typeface="+mn-ea"/>
+                <a:cs typeface="+mn-cs"/>
+              </a:rPr>
+              <a:t>: percentage of population that is </a:t>
+            </a:r>
+            <a:r>
+              <a:rPr lang="en-US" sz="1200" u="sng" kern="1200" dirty="0" err="1" smtClean="0">
+                <a:solidFill>
+                  <a:schemeClr val="tx1"/>
+                </a:solidFill>
+                <a:latin typeface="+mn-lt"/>
+                <a:ea typeface="+mn-ea"/>
+                <a:cs typeface="+mn-cs"/>
+              </a:rPr>
+              <a:t>caucasian</a:t>
+            </a:r>
+            <a:r>
+              <a:rPr lang="en-US" sz="1200" u="sng" kern="1200" dirty="0" smtClean="0">
+                <a:solidFill>
+                  <a:schemeClr val="tx1"/>
+                </a:solidFill>
+                <a:latin typeface="+mn-lt"/>
+                <a:ea typeface="+mn-ea"/>
+                <a:cs typeface="+mn-cs"/>
+              </a:rPr>
+              <a:t> (numeric - decimal)</a:t>
+            </a:r>
+          </a:p>
+          <a:p>
+            <a:r>
+              <a:rPr lang="en-US" sz="1200" u="none" kern="1200" baseline="0" dirty="0" smtClean="0">
+                <a:solidFill>
+                  <a:schemeClr val="tx1"/>
+                </a:solidFill>
+                <a:latin typeface="+mn-lt"/>
+                <a:ea typeface="+mn-ea"/>
+                <a:cs typeface="+mn-cs"/>
+              </a:rPr>
+              <a:t>	Every other race was inverse of this (African American, Asian, and Hispanic)</a:t>
+            </a:r>
+            <a:endParaRPr lang="en-US" sz="1200" u="none" kern="1200" dirty="0" smtClean="0">
+              <a:solidFill>
+                <a:schemeClr val="tx1"/>
+              </a:solidFill>
+              <a:latin typeface="+mn-lt"/>
+              <a:ea typeface="+mn-ea"/>
+              <a:cs typeface="+mn-cs"/>
+            </a:endParaRPr>
+          </a:p>
+          <a:p>
+            <a:r>
+              <a:rPr lang="en-US" sz="1200" kern="1200" dirty="0" err="1" smtClean="0">
+                <a:solidFill>
+                  <a:schemeClr val="tx1"/>
+                </a:solidFill>
+                <a:latin typeface="+mn-lt"/>
+                <a:ea typeface="+mn-ea"/>
+                <a:cs typeface="+mn-cs"/>
+              </a:rPr>
+              <a:t>pctWInvInc</a:t>
+            </a:r>
+            <a:r>
+              <a:rPr lang="en-US" sz="1200" kern="1200" dirty="0" smtClean="0">
+                <a:solidFill>
+                  <a:schemeClr val="tx1"/>
+                </a:solidFill>
+                <a:latin typeface="+mn-lt"/>
+                <a:ea typeface="+mn-ea"/>
+                <a:cs typeface="+mn-cs"/>
+              </a:rPr>
+              <a:t>: percentage of households with investment / rent income in 1989 (numeric - decimal)</a:t>
+            </a:r>
+          </a:p>
+          <a:p>
+            <a:r>
+              <a:rPr lang="en-US" sz="1200" kern="1200" dirty="0" err="1" smtClean="0">
+                <a:solidFill>
+                  <a:schemeClr val="tx1"/>
+                </a:solidFill>
+                <a:latin typeface="+mn-lt"/>
+                <a:ea typeface="+mn-ea"/>
+                <a:cs typeface="+mn-cs"/>
+              </a:rPr>
+              <a:t>PctNotHSGrad</a:t>
+            </a:r>
+            <a:r>
+              <a:rPr lang="en-US" sz="1200" kern="1200" dirty="0" smtClean="0">
+                <a:solidFill>
+                  <a:schemeClr val="tx1"/>
+                </a:solidFill>
+                <a:latin typeface="+mn-lt"/>
+                <a:ea typeface="+mn-ea"/>
+                <a:cs typeface="+mn-cs"/>
+              </a:rPr>
+              <a:t>: percentage of people 25 and over that are not high school graduates (numeric - decimal)</a:t>
+            </a:r>
+          </a:p>
+          <a:p>
+            <a:r>
+              <a:rPr lang="en-US" sz="1200" kern="1200" dirty="0" err="1" smtClean="0">
+                <a:solidFill>
+                  <a:schemeClr val="tx1"/>
+                </a:solidFill>
+                <a:latin typeface="+mn-lt"/>
+                <a:ea typeface="+mn-ea"/>
+                <a:cs typeface="+mn-cs"/>
+              </a:rPr>
+              <a:t>TotalPctDiv</a:t>
+            </a:r>
+            <a:r>
+              <a:rPr lang="en-US" sz="1200" kern="1200" dirty="0" smtClean="0">
+                <a:solidFill>
+                  <a:schemeClr val="tx1"/>
+                </a:solidFill>
+                <a:latin typeface="+mn-lt"/>
+                <a:ea typeface="+mn-ea"/>
+                <a:cs typeface="+mn-cs"/>
+              </a:rPr>
+              <a:t>: percentage of population who are divorced (numeric - decimal)</a:t>
             </a:r>
             <a:endParaRPr lang="en-US" dirty="0"/>
           </a:p>
@@ -986,7 +1094,7 @@
           <a:p>
             <a:fld id="{379AA848-7A20-465D-A319-012F3EE62EEB}" type="slidenum">
               <a:rPr lang="en-US" smtClean="0"/>
-              <a:t>8</a:t>
+              <a:t>7</a:t>
             </a:fld>
             <a:endParaRPr lang="en-US"/>
           </a:p>
@@ -995,7 +1103,7 @@
     </p:spTree>
     <p:extLst>
       <p:ext uri="{BB962C8B-B14F-4D97-AF65-F5344CB8AC3E}">
-        <p14:creationId xmlns:p14="http://schemas.microsoft.com/office/powerpoint/2010/main" val="2826107052"/>
+        <p14:creationId xmlns:p14="http://schemas.microsoft.com/office/powerpoint/2010/main" val="3598488852"/>
       </p:ext>
     </p:extLst>
   </p:cSld>
@@ -1051,6 +1159,219 @@
           <a:p>
             <a:r>
               <a:rPr lang="en-US" dirty="0" smtClean="0"/>
+              <a:t>Performed decision tree when k</a:t>
+            </a:r>
+            <a:r>
+              <a:rPr lang="en-US" baseline="0" dirty="0" smtClean="0"/>
+              <a:t> = 5</a:t>
+            </a:r>
+          </a:p>
+          <a:p>
+            <a:r>
+              <a:rPr lang="en-US" baseline="0" dirty="0" smtClean="0"/>
+              <a:t>Similar results -&gt; 3 levels</a:t>
+            </a:r>
+          </a:p>
+          <a:p>
+            <a:endParaRPr lang="en-US" baseline="0" dirty="0" smtClean="0"/>
+          </a:p>
+          <a:p>
+            <a:r>
+              <a:rPr lang="en-US" baseline="0" dirty="0" smtClean="0"/>
+              <a:t>Overall accuracy: 47%</a:t>
+            </a:r>
+          </a:p>
+          <a:p>
+            <a:r>
+              <a:rPr lang="en-US" baseline="0" dirty="0" smtClean="0"/>
+              <a:t>Overall error rate: 53%</a:t>
+            </a:r>
+            <a:endParaRPr lang="en-US" dirty="0"/>
+          </a:p>
+        </p:txBody>
+      </p:sp>
+      <p:sp>
+        <p:nvSpPr>
+          <p:cNvPr id="4" name="Slide Number Placeholder 3"/>
+          <p:cNvSpPr>
+            <a:spLocks noGrp="1"/>
+          </p:cNvSpPr>
+          <p:nvPr>
+            <p:ph type="sldNum" sz="quarter" idx="10"/>
+          </p:nvPr>
+        </p:nvSpPr>
+        <p:spPr/>
+        <p:txBody>
+          <a:bodyPr/>
+          <a:lstStyle/>
+          <a:p>
+            <a:fld id="{379AA848-7A20-465D-A319-012F3EE62EEB}" type="slidenum">
+              <a:rPr lang="en-US" smtClean="0"/>
+              <a:t>8</a:t>
+            </a:fld>
+            <a:endParaRPr lang="en-US"/>
+          </a:p>
+        </p:txBody>
+      </p:sp>
+    </p:spTree>
+    <p:extLst>
+      <p:ext uri="{BB962C8B-B14F-4D97-AF65-F5344CB8AC3E}">
+        <p14:creationId xmlns:p14="http://schemas.microsoft.com/office/powerpoint/2010/main" val="3107911012"/>
+      </p:ext>
+    </p:extLst>
+  </p:cSld>
+  <p:clrMapOvr>
+    <a:masterClrMapping/>
+  </p:clrMapOvr>
+</p:notes>
+</file>
+
+<file path=ppt/notesSlides/notesSlide6.xml><?xml version="1.0" encoding="utf-8"?>
+<p:notes xmlns:a="http://schemas.openxmlformats.org/drawingml/2006/main" xmlns:r="http://schemas.openxmlformats.org/officeDocument/2006/relationships" xmlns:p="http://schemas.openxmlformats.org/presentationml/2006/main">
+  <p:cSld>
+    <p:spTree>
+      <p:nvGrpSpPr>
+        <p:cNvPr id="1" name=""/>
+        <p:cNvGrpSpPr/>
+        <p:nvPr/>
+      </p:nvGrpSpPr>
+      <p:grpSpPr>
+        <a:xfrm>
+          <a:off x="0" y="0"/>
+          <a:ext cx="0" cy="0"/>
+          <a:chOff x="0" y="0"/>
+          <a:chExt cx="0" cy="0"/>
+        </a:xfrm>
+      </p:grpSpPr>
+      <p:sp>
+        <p:nvSpPr>
+          <p:cNvPr id="2" name="Slide Image Placeholder 1"/>
+          <p:cNvSpPr>
+            <a:spLocks noGrp="1" noRot="1" noChangeAspect="1"/>
+          </p:cNvSpPr>
+          <p:nvPr>
+            <p:ph type="sldImg"/>
+          </p:nvPr>
+        </p:nvSpPr>
+        <p:spPr/>
+      </p:sp>
+      <p:sp>
+        <p:nvSpPr>
+          <p:cNvPr id="3" name="Notes Placeholder 2"/>
+          <p:cNvSpPr>
+            <a:spLocks noGrp="1"/>
+          </p:cNvSpPr>
+          <p:nvPr>
+            <p:ph type="body" idx="1"/>
+          </p:nvPr>
+        </p:nvSpPr>
+        <p:spPr/>
+        <p:txBody>
+          <a:bodyPr/>
+          <a:lstStyle/>
+          <a:p>
+            <a:r>
+              <a:rPr lang="en-US" dirty="0" smtClean="0"/>
+              <a:t>Right</a:t>
+            </a:r>
+            <a:r>
+              <a:rPr lang="en-US" baseline="0" dirty="0" smtClean="0"/>
+              <a:t> Hand Side vs. Left Hand Side </a:t>
+            </a:r>
+            <a:r>
+              <a:rPr lang="en-US" baseline="0" dirty="0" err="1" smtClean="0"/>
+              <a:t>Apriori</a:t>
+            </a:r>
+            <a:r>
+              <a:rPr lang="en-US" baseline="0" dirty="0" smtClean="0"/>
+              <a:t> comparison</a:t>
+            </a:r>
+            <a:endParaRPr lang="en-US" dirty="0"/>
+          </a:p>
+        </p:txBody>
+      </p:sp>
+      <p:sp>
+        <p:nvSpPr>
+          <p:cNvPr id="4" name="Slide Number Placeholder 3"/>
+          <p:cNvSpPr>
+            <a:spLocks noGrp="1"/>
+          </p:cNvSpPr>
+          <p:nvPr>
+            <p:ph type="sldNum" sz="quarter" idx="10"/>
+          </p:nvPr>
+        </p:nvSpPr>
+        <p:spPr/>
+        <p:txBody>
+          <a:bodyPr/>
+          <a:lstStyle/>
+          <a:p>
+            <a:fld id="{379AA848-7A20-465D-A319-012F3EE62EEB}" type="slidenum">
+              <a:rPr lang="en-US" smtClean="0"/>
+              <a:t>9</a:t>
+            </a:fld>
+            <a:endParaRPr lang="en-US"/>
+          </a:p>
+        </p:txBody>
+      </p:sp>
+    </p:spTree>
+    <p:extLst>
+      <p:ext uri="{BB962C8B-B14F-4D97-AF65-F5344CB8AC3E}">
+        <p14:creationId xmlns:p14="http://schemas.microsoft.com/office/powerpoint/2010/main" val="2826107052"/>
+      </p:ext>
+    </p:extLst>
+  </p:cSld>
+  <p:clrMapOvr>
+    <a:masterClrMapping/>
+  </p:clrMapOvr>
+</p:notes>
+</file>
+
+<file path=ppt/notesSlides/notesSlide7.xml><?xml version="1.0" encoding="utf-8"?>
+<p:notes xmlns:a="http://schemas.openxmlformats.org/drawingml/2006/main" xmlns:r="http://schemas.openxmlformats.org/officeDocument/2006/relationships" xmlns:p="http://schemas.openxmlformats.org/presentationml/2006/main">
+  <p:cSld>
+    <p:spTree>
+      <p:nvGrpSpPr>
+        <p:cNvPr id="1" name=""/>
+        <p:cNvGrpSpPr/>
+        <p:nvPr/>
+      </p:nvGrpSpPr>
+      <p:grpSpPr>
+        <a:xfrm>
+          <a:off x="0" y="0"/>
+          <a:ext cx="0" cy="0"/>
+          <a:chOff x="0" y="0"/>
+          <a:chExt cx="0" cy="0"/>
+        </a:xfrm>
+      </p:grpSpPr>
+      <p:sp>
+        <p:nvSpPr>
+          <p:cNvPr id="2" name="Slide Image Placeholder 1"/>
+          <p:cNvSpPr>
+            <a:spLocks noGrp="1" noRot="1" noChangeAspect="1"/>
+          </p:cNvSpPr>
+          <p:nvPr>
+            <p:ph type="sldImg"/>
+          </p:nvPr>
+        </p:nvSpPr>
+        <p:spPr/>
+      </p:sp>
+      <p:sp>
+        <p:nvSpPr>
+          <p:cNvPr id="3" name="Notes Placeholder 2"/>
+          <p:cNvSpPr>
+            <a:spLocks noGrp="1"/>
+          </p:cNvSpPr>
+          <p:nvPr>
+            <p:ph type="body" idx="1"/>
+          </p:nvPr>
+        </p:nvSpPr>
+        <p:spPr/>
+        <p:txBody>
+          <a:bodyPr/>
+          <a:lstStyle/>
+          <a:p>
+            <a:r>
+              <a:rPr lang="en-US" dirty="0" smtClean="0"/>
               <a:t>No confidence value; used support instead</a:t>
             </a:r>
           </a:p>
@@ -1088,7 +1409,7 @@
           <a:p>
             <a:fld id="{379AA848-7A20-465D-A319-012F3EE62EEB}" type="slidenum">
               <a:rPr lang="en-US" smtClean="0"/>
-              <a:t>9</a:t>
+              <a:t>10</a:t>
             </a:fld>
             <a:endParaRPr lang="en-US"/>
           </a:p>
@@ -1293,7 +1614,7 @@
           <a:p>
             <a:fld id="{B2C8D8C6-32A1-4BAE-BA07-FB9B53739353}" type="datetimeFigureOut">
               <a:rPr lang="en-US" smtClean="0"/>
-              <a:t>5/11/2016</a:t>
+              <a:t>11-May-16</a:t>
             </a:fld>
             <a:endParaRPr lang="en-US"/>
           </a:p>
@@ -1568,7 +1889,7 @@
           <a:p>
             <a:fld id="{B2C8D8C6-32A1-4BAE-BA07-FB9B53739353}" type="datetimeFigureOut">
               <a:rPr lang="en-US" smtClean="0"/>
-              <a:t>5/11/2016</a:t>
+              <a:t>11-May-16</a:t>
             </a:fld>
             <a:endParaRPr lang="en-US"/>
           </a:p>
@@ -1762,7 +2083,7 @@
           <a:p>
             <a:fld id="{B2C8D8C6-32A1-4BAE-BA07-FB9B53739353}" type="datetimeFigureOut">
               <a:rPr lang="en-US" smtClean="0"/>
-              <a:t>5/11/2016</a:t>
+              <a:t>11-May-16</a:t>
             </a:fld>
             <a:endParaRPr lang="en-US"/>
           </a:p>
@@ -2035,7 +2356,7 @@
           <a:p>
             <a:fld id="{B2C8D8C6-32A1-4BAE-BA07-FB9B53739353}" type="datetimeFigureOut">
               <a:rPr lang="en-US" smtClean="0"/>
-              <a:t>5/11/2016</a:t>
+              <a:t>11-May-16</a:t>
             </a:fld>
             <a:endParaRPr lang="en-US"/>
           </a:p>
@@ -2376,7 +2697,7 @@
           <a:p>
             <a:fld id="{B2C8D8C6-32A1-4BAE-BA07-FB9B53739353}" type="datetimeFigureOut">
               <a:rPr lang="en-US" smtClean="0"/>
-              <a:t>5/11/2016</a:t>
+              <a:t>11-May-16</a:t>
             </a:fld>
             <a:endParaRPr lang="en-US"/>
           </a:p>
@@ -2999,7 +3320,7 @@
           <a:p>
             <a:fld id="{B2C8D8C6-32A1-4BAE-BA07-FB9B53739353}" type="datetimeFigureOut">
               <a:rPr lang="en-US" smtClean="0"/>
-              <a:t>5/11/2016</a:t>
+              <a:t>11-May-16</a:t>
             </a:fld>
             <a:endParaRPr lang="en-US"/>
           </a:p>
@@ -3859,7 +4180,7 @@
           <a:p>
             <a:fld id="{B2C8D8C6-32A1-4BAE-BA07-FB9B53739353}" type="datetimeFigureOut">
               <a:rPr lang="en-US" smtClean="0"/>
-              <a:t>5/11/2016</a:t>
+              <a:t>11-May-16</a:t>
             </a:fld>
             <a:endParaRPr lang="en-US"/>
           </a:p>
@@ -4029,7 +4350,7 @@
           <a:p>
             <a:fld id="{B2C8D8C6-32A1-4BAE-BA07-FB9B53739353}" type="datetimeFigureOut">
               <a:rPr lang="en-US" smtClean="0"/>
-              <a:t>5/11/2016</a:t>
+              <a:t>11-May-16</a:t>
             </a:fld>
             <a:endParaRPr lang="en-US"/>
           </a:p>
@@ -4209,7 +4530,7 @@
           <a:p>
             <a:fld id="{B2C8D8C6-32A1-4BAE-BA07-FB9B53739353}" type="datetimeFigureOut">
               <a:rPr lang="en-US" smtClean="0"/>
-              <a:t>5/11/2016</a:t>
+              <a:t>11-May-16</a:t>
             </a:fld>
             <a:endParaRPr lang="en-US"/>
           </a:p>
@@ -4379,7 +4700,7 @@
           <a:p>
             <a:fld id="{B2C8D8C6-32A1-4BAE-BA07-FB9B53739353}" type="datetimeFigureOut">
               <a:rPr lang="en-US" smtClean="0"/>
-              <a:t>5/11/2016</a:t>
+              <a:t>11-May-16</a:t>
             </a:fld>
             <a:endParaRPr lang="en-US"/>
           </a:p>
@@ -4626,7 +4947,7 @@
           <a:p>
             <a:fld id="{B2C8D8C6-32A1-4BAE-BA07-FB9B53739353}" type="datetimeFigureOut">
               <a:rPr lang="en-US" smtClean="0"/>
-              <a:t>5/11/2016</a:t>
+              <a:t>11-May-16</a:t>
             </a:fld>
             <a:endParaRPr lang="en-US"/>
           </a:p>
@@ -4918,7 +5239,7 @@
           <a:p>
             <a:fld id="{B2C8D8C6-32A1-4BAE-BA07-FB9B53739353}" type="datetimeFigureOut">
               <a:rPr lang="en-US" smtClean="0"/>
-              <a:t>5/11/2016</a:t>
+              <a:t>11-May-16</a:t>
             </a:fld>
             <a:endParaRPr lang="en-US"/>
           </a:p>
@@ -5362,7 +5683,7 @@
           <a:p>
             <a:fld id="{B2C8D8C6-32A1-4BAE-BA07-FB9B53739353}" type="datetimeFigureOut">
               <a:rPr lang="en-US" smtClean="0"/>
-              <a:t>5/11/2016</a:t>
+              <a:t>11-May-16</a:t>
             </a:fld>
             <a:endParaRPr lang="en-US"/>
           </a:p>
@@ -5480,7 +5801,7 @@
           <a:p>
             <a:fld id="{B2C8D8C6-32A1-4BAE-BA07-FB9B53739353}" type="datetimeFigureOut">
               <a:rPr lang="en-US" smtClean="0"/>
-              <a:t>5/11/2016</a:t>
+              <a:t>11-May-16</a:t>
             </a:fld>
             <a:endParaRPr lang="en-US"/>
           </a:p>
@@ -5575,7 +5896,7 @@
           <a:p>
             <a:fld id="{B2C8D8C6-32A1-4BAE-BA07-FB9B53739353}" type="datetimeFigureOut">
               <a:rPr lang="en-US" smtClean="0"/>
-              <a:t>5/11/2016</a:t>
+              <a:t>11-May-16</a:t>
             </a:fld>
             <a:endParaRPr lang="en-US"/>
           </a:p>
@@ -5854,7 +6175,7 @@
           <a:p>
             <a:fld id="{B2C8D8C6-32A1-4BAE-BA07-FB9B53739353}" type="datetimeFigureOut">
               <a:rPr lang="en-US" smtClean="0"/>
-              <a:t>5/11/2016</a:t>
+              <a:t>11-May-16</a:t>
             </a:fld>
             <a:endParaRPr lang="en-US"/>
           </a:p>
@@ -6129,7 +6450,7 @@
           <a:p>
             <a:fld id="{B2C8D8C6-32A1-4BAE-BA07-FB9B53739353}" type="datetimeFigureOut">
               <a:rPr lang="en-US" smtClean="0"/>
-              <a:t>5/11/2016</a:t>
+              <a:t>11-May-16</a:t>
             </a:fld>
             <a:endParaRPr lang="en-US"/>
           </a:p>
@@ -6558,7 +6879,7 @@
           <a:p>
             <a:fld id="{B2C8D8C6-32A1-4BAE-BA07-FB9B53739353}" type="datetimeFigureOut">
               <a:rPr lang="en-US" smtClean="0"/>
-              <a:t>5/11/2016</a:t>
+              <a:t>11-May-16</a:t>
             </a:fld>
             <a:endParaRPr lang="en-US"/>
           </a:p>
@@ -7174,14 +7495,23 @@
             <p:ph type="title"/>
           </p:nvPr>
         </p:nvSpPr>
-        <p:spPr/>
+        <p:spPr>
+          <a:xfrm>
+            <a:off x="646111" y="452718"/>
+            <a:ext cx="9794674" cy="1400530"/>
+          </a:xfrm>
+        </p:spPr>
         <p:txBody>
           <a:bodyPr/>
           <a:lstStyle/>
           <a:p>
             <a:r>
               <a:rPr lang="en-US" dirty="0" smtClean="0"/>
-              <a:t>Conclusions</a:t>
+              <a:t>Results – Frequent Item </a:t>
+            </a:r>
+            <a:r>
+              <a:rPr lang="en-US" dirty="0"/>
+              <a:t>Sets (cont’d)</a:t>
             </a:r>
             <a:endParaRPr lang="en-US" dirty="0"/>
           </a:p>
@@ -7197,7 +7527,12 @@
             <p:ph idx="1"/>
           </p:nvPr>
         </p:nvSpPr>
-        <p:spPr/>
+        <p:spPr>
+          <a:xfrm>
+            <a:off x="1103312" y="1501375"/>
+            <a:ext cx="8946541" cy="4195481"/>
+          </a:xfrm>
+        </p:spPr>
         <p:txBody>
           <a:bodyPr>
             <a:normAutofit/>
@@ -7205,35 +7540,155 @@
           <a:lstStyle/>
           <a:p>
             <a:r>
-              <a:rPr lang="en-US" sz="2400" dirty="0"/>
-              <a:t>Initial findings from scatterplots were consistent with decision trees, frequent item </a:t>
-            </a:r>
-            <a:r>
-              <a:rPr lang="en-US" sz="2400" dirty="0" smtClean="0"/>
-              <a:t>sets</a:t>
-            </a:r>
-          </a:p>
-          <a:p>
+              <a:rPr lang="en-US" sz="2400" dirty="0" err="1" smtClean="0"/>
+              <a:t>Eclat</a:t>
+            </a:r>
             <a:endParaRPr lang="en-US" sz="2400" dirty="0" smtClean="0"/>
           </a:p>
           <a:p>
-            <a:r>
-              <a:rPr lang="en-US" sz="2400" dirty="0" smtClean="0"/>
-              <a:t>High correlation among violent crime, primarily Caucasian communities, investment income, and parental marriage status</a:t>
-            </a:r>
-          </a:p>
-          <a:p>
-            <a:pPr marL="0" indent="0">
-              <a:buNone/>
-            </a:pPr>
             <a:endParaRPr lang="en-US" sz="2400" dirty="0"/>
+          </a:p>
+        </p:txBody>
+      </p:sp>
+      <p:sp>
+        <p:nvSpPr>
+          <p:cNvPr id="4" name="Rectangle 2"/>
+          <p:cNvSpPr>
+            <a:spLocks noChangeArrowheads="1"/>
+          </p:cNvSpPr>
+          <p:nvPr/>
+        </p:nvSpPr>
+        <p:spPr bwMode="auto">
+          <a:xfrm>
+            <a:off x="0" y="0"/>
+            <a:ext cx="12192000" cy="457200"/>
+          </a:xfrm>
+          <a:prstGeom prst="rect">
+            <a:avLst/>
+          </a:prstGeom>
+          <a:noFill/>
+          <a:ln>
+            <a:noFill/>
+          </a:ln>
+          <a:effectLst/>
+          <a:extLst>
+            <a:ext uri="{909E8E84-426E-40DD-AFC4-6F175D3DCCD1}">
+              <a14:hiddenFill xmlns:a14="http://schemas.microsoft.com/office/drawing/2010/main">
+                <a:solidFill>
+                  <a:schemeClr val="accent1"/>
+                </a:solidFill>
+              </a14:hiddenFill>
+            </a:ext>
+            <a:ext uri="{91240B29-F687-4F45-9708-019B960494DF}">
+              <a14:hiddenLine xmlns:a14="http://schemas.microsoft.com/office/drawing/2010/main" w="9525">
+                <a:solidFill>
+                  <a:schemeClr val="tx1"/>
+                </a:solidFill>
+                <a:miter lim="800000"/>
+                <a:headEnd/>
+                <a:tailEnd/>
+              </a14:hiddenLine>
+            </a:ext>
+            <a:ext uri="{AF507438-7753-43E0-B8FC-AC1667EBCBE1}">
+              <a14:hiddenEffects xmlns:a14="http://schemas.microsoft.com/office/drawing/2010/main">
+                <a:effectLst>
+                  <a:outerShdw dist="35921" dir="2700000" algn="ctr" rotWithShape="0">
+                    <a:schemeClr val="bg2"/>
+                  </a:outerShdw>
+                </a:effectLst>
+              </a14:hiddenEffects>
+            </a:ext>
+          </a:extLst>
+        </p:spPr>
+        <p:txBody>
+          <a:bodyPr vert="horz" wrap="none" lIns="91440" tIns="45720" rIns="91440" bIns="45720" numCol="1" anchor="ctr" anchorCtr="0" compatLnSpc="1">
+            <a:prstTxWarp prst="textNoShape">
+              <a:avLst/>
+            </a:prstTxWarp>
+            <a:spAutoFit/>
+          </a:bodyPr>
+          <a:lstStyle/>
+          <a:p>
+            <a:endParaRPr lang="en-US"/>
+          </a:p>
+        </p:txBody>
+      </p:sp>
+      <p:pic>
+        <p:nvPicPr>
+          <p:cNvPr id="6" name="Picture 5"/>
+          <p:cNvPicPr/>
+          <p:nvPr/>
+        </p:nvPicPr>
+        <p:blipFill>
+          <a:blip r:embed="rId3">
+            <a:extLst>
+              <a:ext uri="{28A0092B-C50C-407E-A947-70E740481C1C}">
+                <a14:useLocalDpi xmlns:a14="http://schemas.microsoft.com/office/drawing/2010/main" val="0"/>
+              </a:ext>
+            </a:extLst>
+          </a:blip>
+          <a:stretch>
+            <a:fillRect/>
+          </a:stretch>
+        </p:blipFill>
+        <p:spPr>
+          <a:xfrm>
+            <a:off x="3502140" y="2220686"/>
+            <a:ext cx="5187719" cy="3232331"/>
+          </a:xfrm>
+          <a:prstGeom prst="rect">
+            <a:avLst/>
+          </a:prstGeom>
+        </p:spPr>
+      </p:pic>
+      <p:sp>
+        <p:nvSpPr>
+          <p:cNvPr id="5" name="Rectangle 4"/>
+          <p:cNvSpPr/>
+          <p:nvPr/>
+        </p:nvSpPr>
+        <p:spPr>
+          <a:xfrm>
+            <a:off x="3502140" y="5730297"/>
+            <a:ext cx="5442516" cy="369332"/>
+          </a:xfrm>
+          <a:prstGeom prst="rect">
+            <a:avLst/>
+          </a:prstGeom>
+        </p:spPr>
+        <p:txBody>
+          <a:bodyPr wrap="none">
+            <a:spAutoFit/>
+          </a:bodyPr>
+          <a:lstStyle/>
+          <a:p>
+            <a:r>
+              <a:rPr lang="en-US" b="1" dirty="0"/>
+              <a:t>Table 7. </a:t>
+            </a:r>
+            <a:r>
+              <a:rPr lang="en-US" b="1" dirty="0" err="1"/>
+              <a:t>Eclat</a:t>
+            </a:r>
+            <a:r>
+              <a:rPr lang="en-US" b="1" dirty="0"/>
+              <a:t> </a:t>
+            </a:r>
+            <a:r>
+              <a:rPr lang="en-US" b="1" dirty="0" err="1"/>
+              <a:t>ViolentCrimesPerPop</a:t>
+            </a:r>
+            <a:r>
+              <a:rPr lang="en-US" b="1" dirty="0"/>
+              <a:t> Support Sort</a:t>
+            </a:r>
           </a:p>
         </p:txBody>
       </p:sp>
     </p:spTree>
     <p:extLst>
       <p:ext uri="{BB962C8B-B14F-4D97-AF65-F5344CB8AC3E}">
-        <p14:creationId xmlns:p14="http://schemas.microsoft.com/office/powerpoint/2010/main" val="1040588093"/>
+        <p14:creationId xmlns:p14="http://schemas.microsoft.com/office/powerpoint/2010/main" val="197626889"/>
       </p:ext>
     </p:extLst>
   </p:cSld>
@@ -7277,7 +7732,7 @@
           <a:p>
             <a:r>
               <a:rPr lang="en-US" dirty="0" smtClean="0"/>
-              <a:t>Proposed Solution</a:t>
+              <a:t>Conclusions</a:t>
             </a:r>
             <a:endParaRPr lang="en-US" dirty="0"/>
           </a:p>
@@ -7293,12 +7748,7 @@
             <p:ph idx="1"/>
           </p:nvPr>
         </p:nvSpPr>
-        <p:spPr>
-          <a:xfrm>
-            <a:off x="1103312" y="1380684"/>
-            <a:ext cx="9400255" cy="4899800"/>
-          </a:xfrm>
-        </p:spPr>
+        <p:spPr/>
         <p:txBody>
           <a:bodyPr>
             <a:normAutofit/>
@@ -7306,28 +7756,72 @@
           <a:lstStyle/>
           <a:p>
             <a:r>
-              <a:rPr lang="en-US" dirty="0" smtClean="0"/>
-              <a:t>Additional studies to analyze how changes in any specific attribute is correlated with a change in violent crim</a:t>
-            </a:r>
-            <a:r>
-              <a:rPr lang="en-US" dirty="0" smtClean="0"/>
-              <a:t>e per capita</a:t>
+              <a:rPr lang="en-US" sz="2400" dirty="0" smtClean="0"/>
+              <a:t>Violent Crime relationships:</a:t>
             </a:r>
           </a:p>
           <a:p>
             <a:pPr lvl="1"/>
             <a:r>
-              <a:rPr lang="en-US" dirty="0" smtClean="0"/>
-              <a:t>Will require additional data sets in preceding and succeeding years.</a:t>
-            </a:r>
-            <a:endParaRPr lang="en-US" dirty="0" smtClean="0"/>
+              <a:rPr lang="en-US" sz="2200" dirty="0" smtClean="0"/>
+              <a:t>Proportional relationship:</a:t>
+            </a:r>
+            <a:endParaRPr lang="en-US" sz="2200" dirty="0"/>
+          </a:p>
+          <a:p>
+            <a:pPr lvl="2"/>
+            <a:r>
+              <a:rPr lang="en-US" sz="2000" dirty="0" smtClean="0"/>
+              <a:t>Higher percentage of divorcees</a:t>
+            </a:r>
+          </a:p>
+          <a:p>
+            <a:pPr lvl="2"/>
+            <a:r>
+              <a:rPr lang="en-US" sz="2000" dirty="0" smtClean="0"/>
+              <a:t>Large percentage of population who do not have a high school degree</a:t>
+            </a:r>
+            <a:endParaRPr lang="en-US" sz="2000" dirty="0" smtClean="0"/>
+          </a:p>
+          <a:p>
+            <a:pPr lvl="1"/>
+            <a:r>
+              <a:rPr lang="en-US" sz="2200" dirty="0"/>
+              <a:t>Inversely </a:t>
+            </a:r>
+            <a:r>
+              <a:rPr lang="en-US" sz="2200" dirty="0" smtClean="0"/>
+              <a:t>Proportional </a:t>
+            </a:r>
+            <a:r>
+              <a:rPr lang="en-US" sz="2200" dirty="0"/>
+              <a:t>relationship:</a:t>
+            </a:r>
+          </a:p>
+          <a:p>
+            <a:pPr lvl="2"/>
+            <a:r>
+              <a:rPr lang="en-US" sz="2000" dirty="0"/>
+              <a:t>Communities with higher percentage of investment income</a:t>
+            </a:r>
+          </a:p>
+          <a:p>
+            <a:pPr lvl="2"/>
+            <a:r>
+              <a:rPr lang="en-US" sz="2000" dirty="0"/>
+              <a:t>Largely Caucasian </a:t>
+            </a:r>
+            <a:r>
+              <a:rPr lang="en-US" sz="2000" dirty="0" smtClean="0"/>
+              <a:t>communities</a:t>
+            </a:r>
           </a:p>
         </p:txBody>
       </p:sp>
     </p:spTree>
     <p:extLst>
       <p:ext uri="{BB962C8B-B14F-4D97-AF65-F5344CB8AC3E}">
-        <p14:creationId xmlns:p14="http://schemas.microsoft.com/office/powerpoint/2010/main" val="1947831433"/>
+        <p14:creationId xmlns:p14="http://schemas.microsoft.com/office/powerpoint/2010/main" val="1040588093"/>
       </p:ext>
     </p:extLst>
   </p:cSld>
@@ -7371,7 +7865,7 @@
           <a:p>
             <a:r>
               <a:rPr lang="en-US" dirty="0" smtClean="0"/>
-              <a:t>Questions/Comments</a:t>
+              <a:t>Conclusions (cont’d)</a:t>
             </a:r>
             <a:endParaRPr lang="en-US" dirty="0"/>
           </a:p>
@@ -7396,37 +7890,225 @@
           <a:p>
             <a:r>
               <a:rPr lang="en-US" sz="2400" dirty="0" smtClean="0"/>
-              <a:t>Was Google Flu Trend’s model too simple?</a:t>
+              <a:t>Attribute relationships:</a:t>
             </a:r>
           </a:p>
           <a:p>
             <a:pPr lvl="1"/>
             <a:r>
-              <a:rPr lang="en-US" sz="2400" dirty="0" smtClean="0"/>
-              <a:t>CDC uses models to predict spread of disease </a:t>
-            </a:r>
-          </a:p>
-          <a:p>
-            <a:pPr lvl="2"/>
-            <a:r>
-              <a:rPr lang="en-US" sz="2400" dirty="0" smtClean="0"/>
-              <a:t>Should that model have been built into algorithm to determine whether</a:t>
-            </a:r>
-          </a:p>
-          <a:p>
-            <a:pPr lvl="2"/>
-            <a:endParaRPr lang="en-US" sz="2400" dirty="0"/>
-          </a:p>
-          <a:p>
-            <a:pPr lvl="2"/>
-            <a:endParaRPr lang="en-US" sz="2400" dirty="0" smtClean="0"/>
-          </a:p>
-          <a:p>
-            <a:r>
-              <a:rPr lang="en-US" sz="2800" smtClean="0"/>
-              <a:t>Additional comments…</a:t>
-            </a:r>
-            <a:endParaRPr lang="en-US" sz="2800" dirty="0"/>
+              <a:rPr lang="en-US" sz="2200" dirty="0" smtClean="0"/>
+              <a:t>Lower percentage of population without high school diploma frequently found with lower percentage of divorcees and higher percentage of Caucasians</a:t>
+            </a:r>
+          </a:p>
+          <a:p>
+            <a:pPr lvl="1"/>
+            <a:r>
+              <a:rPr lang="en-US" sz="2200" dirty="0" smtClean="0"/>
+              <a:t>Higher percentage of Caucasians in the community frequently associated with higher percentage of population with investment income</a:t>
+            </a:r>
+          </a:p>
+          <a:p>
+            <a:pPr lvl="1"/>
+            <a:r>
+              <a:rPr lang="en-US" sz="2200" dirty="0"/>
+              <a:t>Higher percentage of Caucasians were frequently found with </a:t>
+            </a:r>
+            <a:r>
+              <a:rPr lang="en-US" sz="2200" dirty="0" smtClean="0"/>
+              <a:t>low to mid </a:t>
+            </a:r>
+            <a:r>
+              <a:rPr lang="en-US" sz="2200" dirty="0"/>
+              <a:t>percentage of divorcees</a:t>
+            </a:r>
+          </a:p>
+          <a:p>
+            <a:pPr lvl="1"/>
+            <a:endParaRPr lang="en-US" sz="2200" dirty="0"/>
+          </a:p>
+        </p:txBody>
+      </p:sp>
+    </p:spTree>
+    <p:extLst>
+      <p:ext uri="{BB962C8B-B14F-4D97-AF65-F5344CB8AC3E}">
+        <p14:creationId xmlns:p14="http://schemas.microsoft.com/office/powerpoint/2010/main" val="1168880082"/>
+      </p:ext>
+    </p:extLst>
+  </p:cSld>
+  <p:clrMapOvr>
+    <a:masterClrMapping/>
+  </p:clrMapOvr>
+</p:sld>
+</file>
+
+<file path=ppt/slides/slide13.xml><?xml version="1.0" encoding="utf-8"?>
+<p:sld xmlns:a="http://schemas.openxmlformats.org/drawingml/2006/main" xmlns:r="http://schemas.openxmlformats.org/officeDocument/2006/relationships" xmlns:p="http://schemas.openxmlformats.org/presentationml/2006/main">
+  <p:cSld>
+    <p:spTree>
+      <p:nvGrpSpPr>
+        <p:cNvPr id="1" name=""/>
+        <p:cNvGrpSpPr/>
+        <p:nvPr/>
+      </p:nvGrpSpPr>
+      <p:grpSpPr>
+        <a:xfrm>
+          <a:off x="0" y="0"/>
+          <a:ext cx="0" cy="0"/>
+          <a:chOff x="0" y="0"/>
+          <a:chExt cx="0" cy="0"/>
+        </a:xfrm>
+      </p:grpSpPr>
+      <p:sp>
+        <p:nvSpPr>
+          <p:cNvPr id="2" name="Title 1"/>
+          <p:cNvSpPr>
+            <a:spLocks noGrp="1"/>
+          </p:cNvSpPr>
+          <p:nvPr>
+            <p:ph type="title"/>
+          </p:nvPr>
+        </p:nvSpPr>
+        <p:spPr/>
+        <p:txBody>
+          <a:bodyPr/>
+          <a:lstStyle/>
+          <a:p>
+            <a:r>
+              <a:rPr lang="en-US" dirty="0" smtClean="0"/>
+              <a:t>Proposed </a:t>
+            </a:r>
+            <a:r>
+              <a:rPr lang="en-US" dirty="0" smtClean="0"/>
+              <a:t>Future Analysis</a:t>
+            </a:r>
+            <a:endParaRPr lang="en-US" dirty="0"/>
+          </a:p>
+        </p:txBody>
+      </p:sp>
+      <p:sp>
+        <p:nvSpPr>
+          <p:cNvPr id="3" name="Content Placeholder 2"/>
+          <p:cNvSpPr>
+            <a:spLocks noGrp="1"/>
+          </p:cNvSpPr>
+          <p:nvPr>
+            <p:ph idx="1"/>
+          </p:nvPr>
+        </p:nvSpPr>
+        <p:spPr>
+          <a:xfrm>
+            <a:off x="1103312" y="1380684"/>
+            <a:ext cx="9400255" cy="4899800"/>
+          </a:xfrm>
+        </p:spPr>
+        <p:txBody>
+          <a:bodyPr>
+            <a:normAutofit/>
+          </a:bodyPr>
+          <a:lstStyle/>
+          <a:p>
+            <a:r>
+              <a:rPr lang="en-US" dirty="0" smtClean="0"/>
+              <a:t>Additional studies to analyze how changes in any specific attribute is correlated with a change in violent crime per capita</a:t>
+            </a:r>
+          </a:p>
+          <a:p>
+            <a:pPr lvl="1"/>
+            <a:r>
+              <a:rPr lang="en-US" dirty="0" smtClean="0"/>
+              <a:t>Will require additional data sets in preceding and succeeding years</a:t>
+            </a:r>
+            <a:r>
+              <a:rPr lang="en-US" dirty="0" smtClean="0"/>
+              <a:t>.</a:t>
+            </a:r>
+          </a:p>
+          <a:p>
+            <a:pPr lvl="1"/>
+            <a:r>
+              <a:rPr lang="en-US" dirty="0" smtClean="0"/>
+              <a:t>Would help to determine outliers for improved </a:t>
+            </a:r>
+            <a:r>
+              <a:rPr lang="en-US" dirty="0"/>
+              <a:t>results</a:t>
+            </a:r>
+          </a:p>
+          <a:p>
+            <a:pPr lvl="1"/>
+            <a:endParaRPr lang="en-US" dirty="0" smtClean="0"/>
+          </a:p>
+        </p:txBody>
+      </p:sp>
+    </p:spTree>
+    <p:extLst>
+      <p:ext uri="{BB962C8B-B14F-4D97-AF65-F5344CB8AC3E}">
+        <p14:creationId xmlns:p14="http://schemas.microsoft.com/office/powerpoint/2010/main" val="1947831433"/>
+      </p:ext>
+    </p:extLst>
+  </p:cSld>
+  <p:clrMapOvr>
+    <a:masterClrMapping/>
+  </p:clrMapOvr>
+</p:sld>
+</file>
+
+<file path=ppt/slides/slide14.xml><?xml version="1.0" encoding="utf-8"?>
+<p:sld xmlns:a="http://schemas.openxmlformats.org/drawingml/2006/main" xmlns:r="http://schemas.openxmlformats.org/officeDocument/2006/relationships" xmlns:p="http://schemas.openxmlformats.org/presentationml/2006/main">
+  <p:cSld>
+    <p:spTree>
+      <p:nvGrpSpPr>
+        <p:cNvPr id="1" name=""/>
+        <p:cNvGrpSpPr/>
+        <p:nvPr/>
+      </p:nvGrpSpPr>
+      <p:grpSpPr>
+        <a:xfrm>
+          <a:off x="0" y="0"/>
+          <a:ext cx="0" cy="0"/>
+          <a:chOff x="0" y="0"/>
+          <a:chExt cx="0" cy="0"/>
+        </a:xfrm>
+      </p:grpSpPr>
+      <p:sp>
+        <p:nvSpPr>
+          <p:cNvPr id="2" name="Title 1"/>
+          <p:cNvSpPr>
+            <a:spLocks noGrp="1"/>
+          </p:cNvSpPr>
+          <p:nvPr>
+            <p:ph type="title"/>
+          </p:nvPr>
+        </p:nvSpPr>
+        <p:spPr/>
+        <p:txBody>
+          <a:bodyPr/>
+          <a:lstStyle/>
+          <a:p>
+            <a:r>
+              <a:rPr lang="en-US" dirty="0" smtClean="0"/>
+              <a:t>Questions/Comments</a:t>
+            </a:r>
+            <a:endParaRPr lang="en-US" dirty="0"/>
+          </a:p>
+        </p:txBody>
+      </p:sp>
+      <p:sp>
+        <p:nvSpPr>
+          <p:cNvPr id="4" name="Content Placeholder 3"/>
+          <p:cNvSpPr>
+            <a:spLocks noGrp="1"/>
+          </p:cNvSpPr>
+          <p:nvPr>
+            <p:ph idx="1"/>
+          </p:nvPr>
+        </p:nvSpPr>
+        <p:spPr/>
+        <p:txBody>
+          <a:bodyPr/>
+          <a:lstStyle/>
+          <a:p>
+            <a:endParaRPr lang="en-US"/>
           </a:p>
         </p:txBody>
       </p:sp>
@@ -7502,34 +8184,80 @@
           <a:p>
             <a:r>
               <a:rPr lang="en-US" sz="2400" dirty="0" smtClean="0"/>
-              <a:t>Author: Michael Redmond</a:t>
-            </a:r>
+              <a:t>Author: Michael </a:t>
+            </a:r>
+            <a:r>
+              <a:rPr lang="en-US" sz="2400" dirty="0" smtClean="0"/>
+              <a:t>Redmond</a:t>
+            </a:r>
+            <a:endParaRPr lang="en-US" sz="2400" dirty="0" smtClean="0"/>
+          </a:p>
+          <a:p>
+            <a:r>
+              <a:rPr lang="en-US" sz="2400" dirty="0" smtClean="0"/>
+              <a:t>Title: Communities and </a:t>
+            </a:r>
+            <a:r>
+              <a:rPr lang="en-US" sz="2400" dirty="0" smtClean="0"/>
+              <a:t>Crime</a:t>
+            </a:r>
+            <a:endParaRPr lang="en-US" sz="2400" dirty="0" smtClean="0"/>
+          </a:p>
+          <a:p>
+            <a:r>
+              <a:rPr lang="en-US" sz="2400" dirty="0" smtClean="0"/>
+              <a:t>Sources:</a:t>
+            </a:r>
+          </a:p>
+          <a:p>
+            <a:pPr lvl="1"/>
+            <a:r>
+              <a:rPr lang="en-US" sz="2200" dirty="0" smtClean="0"/>
+              <a:t>1995 </a:t>
+            </a:r>
+            <a:r>
+              <a:rPr lang="en-US" sz="2200" dirty="0" smtClean="0"/>
+              <a:t>Federal Bureau of Investigation Uniform Crime </a:t>
+            </a:r>
+            <a:r>
+              <a:rPr lang="en-US" sz="2200" dirty="0" smtClean="0"/>
+              <a:t>Report</a:t>
+            </a:r>
+          </a:p>
+          <a:p>
+            <a:pPr lvl="1"/>
+            <a:r>
+              <a:rPr lang="en-US" sz="2200" dirty="0" smtClean="0"/>
+              <a:t>1990 US Census</a:t>
+            </a:r>
+          </a:p>
+          <a:p>
+            <a:pPr lvl="1"/>
+            <a:r>
+              <a:rPr lang="en-US" sz="2200" dirty="0" smtClean="0"/>
+              <a:t>1990 LEMAS Survey</a:t>
+            </a:r>
+            <a:endParaRPr lang="en-US" sz="2200" dirty="0" smtClean="0"/>
+          </a:p>
+          <a:p>
+            <a:r>
+              <a:rPr lang="en-US" sz="2400" dirty="0">
+                <a:hlinkClick r:id="rId2"/>
+              </a:rPr>
+              <a:t>https://</a:t>
+            </a:r>
+            <a:r>
+              <a:rPr lang="en-US" sz="2400" dirty="0" smtClean="0">
+                <a:hlinkClick r:id="rId2"/>
+              </a:rPr>
+              <a:t>archive.ics.uci.edu/ml/datasets/Communities+and+Crime</a:t>
+            </a:r>
+            <a:endParaRPr lang="en-US" sz="2400" dirty="0" smtClean="0"/>
           </a:p>
           <a:p>
             <a:pPr marL="0" indent="0">
               <a:buNone/>
             </a:pPr>
-            <a:endParaRPr lang="en-US" sz="2400" dirty="0" smtClean="0"/>
-          </a:p>
-          <a:p>
-            <a:r>
-              <a:rPr lang="en-US" sz="2400" dirty="0" smtClean="0"/>
-              <a:t>Title: Communities and Crime</a:t>
-            </a:r>
-          </a:p>
-          <a:p>
-            <a:pPr marL="0" indent="0">
-              <a:buNone/>
-            </a:pPr>
-            <a:endParaRPr lang="en-US" sz="2400" dirty="0" smtClean="0"/>
-          </a:p>
-          <a:p>
-            <a:r>
-              <a:rPr lang="en-US" sz="2400" dirty="0" smtClean="0"/>
-              <a:t>Source: 1995 Federal Bureau of Investigation Uniform Crime Report</a:t>
-            </a:r>
-          </a:p>
-          <a:p>
             <a:endParaRPr lang="en-US" sz="2400" dirty="0"/>
           </a:p>
         </p:txBody>
@@ -7620,11 +8348,7 @@
             <a:pPr lvl="1"/>
             <a:r>
               <a:rPr lang="en-US" sz="2200" dirty="0" smtClean="0"/>
-              <a:t>Focus </a:t>
-            </a:r>
-            <a:r>
-              <a:rPr lang="en-US" sz="2200" dirty="0" smtClean="0"/>
-              <a:t>attribute: Per Capita Violent Crimes</a:t>
+              <a:t>Focus attribute: Per Capita Violent Crimes</a:t>
             </a:r>
           </a:p>
           <a:p>
@@ -7633,7 +8357,6 @@
               <a:rPr lang="en-US" sz="2200" dirty="0" smtClean="0"/>
               <a:t>127 other attributes</a:t>
             </a:r>
-            <a:endParaRPr lang="en-US" sz="2200" dirty="0" smtClean="0"/>
           </a:p>
           <a:p>
             <a:pPr lvl="1"/>
@@ -7646,15 +8369,15 @@
             <a:pPr lvl="2"/>
             <a:r>
               <a:rPr lang="en-US" sz="2000" dirty="0" smtClean="0"/>
-              <a:t>Violent crime </a:t>
+              <a:t>Violent crime definition </a:t>
             </a:r>
             <a:r>
               <a:rPr lang="en-US" sz="2000" dirty="0" smtClean="0"/>
-              <a:t>definition differences among jurisdictions, </a:t>
+              <a:t>differs </a:t>
             </a:r>
             <a:r>
               <a:rPr lang="en-US" sz="2000" dirty="0" smtClean="0"/>
-              <a:t>police departments with at least 100 police officers, etc.</a:t>
+              <a:t>among jurisdictions, police departments with at least 100 police officers, etc.</a:t>
             </a:r>
           </a:p>
           <a:p>
@@ -7708,8 +8431,8 @@
           <a:lstStyle/>
           <a:p>
             <a:r>
-              <a:rPr lang="en-US" dirty="0" smtClean="0"/>
-              <a:t>Background</a:t>
+              <a:rPr lang="en-US" dirty="0"/>
+              <a:t>Data Set (cont’d)</a:t>
             </a:r>
             <a:endParaRPr lang="en-US" dirty="0"/>
           </a:p>
@@ -7725,63 +8448,54 @@
             <p:ph idx="1"/>
           </p:nvPr>
         </p:nvSpPr>
-        <p:spPr>
-          <a:xfrm>
-            <a:off x="927699" y="1610857"/>
-            <a:ext cx="8946541" cy="4659314"/>
-          </a:xfrm>
-        </p:spPr>
+        <p:spPr/>
         <p:txBody>
           <a:bodyPr>
             <a:normAutofit/>
           </a:bodyPr>
           <a:lstStyle/>
           <a:p>
+            <a:pPr marL="342900" lvl="1" indent="-342900"/>
             <a:r>
               <a:rPr lang="en-US" sz="2400" dirty="0" smtClean="0"/>
-              <a:t>Objective: </a:t>
-            </a:r>
-          </a:p>
-          <a:p>
-            <a:pPr lvl="1"/>
-            <a:r>
-              <a:rPr lang="en-US" sz="2400" dirty="0" smtClean="0"/>
-              <a:t>Explore </a:t>
-            </a:r>
-            <a:r>
-              <a:rPr lang="en-US" sz="2400" dirty="0"/>
-              <a:t>other </a:t>
-            </a:r>
-            <a:r>
-              <a:rPr lang="en-US" sz="2400" dirty="0" smtClean="0"/>
-              <a:t>indicators/attributes </a:t>
-            </a:r>
-            <a:r>
-              <a:rPr lang="en-US" sz="2400" dirty="0"/>
-              <a:t>of communities along with </a:t>
-            </a:r>
-            <a:r>
-              <a:rPr lang="en-US" sz="2400" dirty="0" smtClean="0"/>
-              <a:t>the incidence of </a:t>
-            </a:r>
-            <a:r>
-              <a:rPr lang="en-US" sz="2400" dirty="0"/>
-              <a:t>violent crime to determine what relationships exist and suggest further areas of study</a:t>
-            </a:r>
-            <a:r>
-              <a:rPr lang="en-US" sz="2400" dirty="0" smtClean="0"/>
-              <a:t>.</a:t>
-            </a:r>
-          </a:p>
-          <a:p>
-            <a:endParaRPr lang="en-US" sz="2600" dirty="0"/>
+              <a:t>Pre-processing</a:t>
+            </a:r>
+            <a:endParaRPr lang="en-US" sz="2400" dirty="0" smtClean="0"/>
+          </a:p>
+          <a:p>
+            <a:pPr marL="742950" lvl="2" indent="-342900"/>
+            <a:r>
+              <a:rPr lang="en-US" sz="2200" dirty="0" smtClean="0"/>
+              <a:t>Already </a:t>
+            </a:r>
+            <a:r>
+              <a:rPr lang="en-US" sz="2200" dirty="0" smtClean="0"/>
+              <a:t>normalized (numeric fields between 0.00 and 1.00)</a:t>
+            </a:r>
+          </a:p>
+          <a:p>
+            <a:pPr marL="742950" lvl="2" indent="-342900"/>
+            <a:r>
+              <a:rPr lang="en-US" sz="2200" dirty="0" smtClean="0"/>
+              <a:t>Equal Width Binning (for Classification and Frequent Itemset analysis)</a:t>
+            </a:r>
+          </a:p>
+          <a:p>
+            <a:pPr marL="742950" lvl="2" indent="-342900"/>
+            <a:r>
+              <a:rPr lang="en-US" sz="2200" dirty="0" smtClean="0"/>
+              <a:t>Holdout Method (for Classification)</a:t>
+            </a:r>
+          </a:p>
+          <a:p>
+            <a:endParaRPr lang="en-US" sz="2400" dirty="0"/>
           </a:p>
         </p:txBody>
       </p:sp>
     </p:spTree>
     <p:extLst>
       <p:ext uri="{BB962C8B-B14F-4D97-AF65-F5344CB8AC3E}">
-        <p14:creationId xmlns:p14="http://schemas.microsoft.com/office/powerpoint/2010/main" val="3768458800"/>
+        <p14:creationId xmlns:p14="http://schemas.microsoft.com/office/powerpoint/2010/main" val="2117577309"/>
       </p:ext>
     </p:extLst>
   </p:cSld>
@@ -7825,7 +8539,7 @@
           <a:p>
             <a:r>
               <a:rPr lang="en-US" dirty="0" smtClean="0"/>
-              <a:t>Pre-Processing</a:t>
+              <a:t>Background</a:t>
             </a:r>
             <a:endParaRPr lang="en-US" dirty="0"/>
           </a:p>
@@ -7841,96 +8555,67 @@
             <p:ph idx="1"/>
           </p:nvPr>
         </p:nvSpPr>
-        <p:spPr/>
+        <p:spPr>
+          <a:xfrm>
+            <a:off x="927699" y="1610857"/>
+            <a:ext cx="8946541" cy="4659314"/>
+          </a:xfrm>
+        </p:spPr>
         <p:txBody>
           <a:bodyPr>
-            <a:normAutofit fontScale="92500" lnSpcReduction="20000"/>
+            <a:normAutofit/>
           </a:bodyPr>
           <a:lstStyle/>
           <a:p>
-            <a:pPr marL="342900" lvl="1" indent="-342900"/>
             <a:r>
               <a:rPr lang="en-US" sz="2400" dirty="0" smtClean="0"/>
-              <a:t>1994 instances + 128 attributes!</a:t>
-            </a:r>
-          </a:p>
-          <a:p>
-            <a:pPr marL="0" lvl="1" indent="0">
-              <a:buNone/>
-            </a:pPr>
-            <a:endParaRPr lang="en-US" sz="2400" dirty="0" smtClean="0"/>
-          </a:p>
-          <a:p>
-            <a:pPr marL="342900" lvl="1" indent="-342900"/>
+              <a:t>Objective: </a:t>
+            </a:r>
+          </a:p>
+          <a:p>
+            <a:pPr lvl="1"/>
             <a:r>
               <a:rPr lang="en-US" sz="2400" dirty="0" smtClean="0"/>
-              <a:t>Already </a:t>
+              <a:t>Explore </a:t>
+            </a:r>
+            <a:r>
+              <a:rPr lang="en-US" sz="2400" dirty="0"/>
+              <a:t>other </a:t>
             </a:r>
             <a:r>
               <a:rPr lang="en-US" sz="2400" dirty="0" smtClean="0"/>
-              <a:t>normalized</a:t>
-            </a:r>
-          </a:p>
-          <a:p>
-            <a:pPr marL="0" lvl="1" indent="0">
-              <a:buNone/>
-            </a:pPr>
-            <a:endParaRPr lang="en-US" sz="2400" dirty="0" smtClean="0"/>
-          </a:p>
-          <a:p>
-            <a:pPr marL="342900" lvl="1" indent="-342900"/>
+              <a:t>indicators/attributes </a:t>
+            </a:r>
+            <a:r>
+              <a:rPr lang="en-US" sz="2400" dirty="0"/>
+              <a:t>of communities along with </a:t>
+            </a:r>
             <a:r>
               <a:rPr lang="en-US" sz="2400" dirty="0" smtClean="0"/>
-              <a:t>Classification - Holdout Method</a:t>
-            </a:r>
-            <a:endParaRPr lang="en-US" sz="2400" dirty="0" smtClean="0"/>
-          </a:p>
-          <a:p>
-            <a:pPr marL="342900" lvl="1" indent="-342900"/>
-            <a:endParaRPr lang="en-US" sz="2400" dirty="0"/>
-          </a:p>
-          <a:p>
-            <a:pPr marL="342900" lvl="1" indent="-342900"/>
+              <a:t>incidences </a:t>
+            </a:r>
             <a:r>
               <a:rPr lang="en-US" sz="2400" dirty="0" smtClean="0"/>
-              <a:t>Binning (equal width)</a:t>
-            </a:r>
-          </a:p>
-          <a:p>
-            <a:pPr marL="342900" lvl="1" indent="-342900"/>
-            <a:endParaRPr lang="en-US" sz="2400" dirty="0" smtClean="0"/>
-          </a:p>
-          <a:p>
-            <a:pPr marL="342900" lvl="1" indent="-342900"/>
+              <a:t>of </a:t>
+            </a:r>
+            <a:r>
+              <a:rPr lang="en-US" sz="2400" dirty="0"/>
+              <a:t>violent crime to determine what relationships exist and suggest further areas of study</a:t>
+            </a:r>
             <a:r>
               <a:rPr lang="en-US" sz="2400" dirty="0" smtClean="0"/>
-              <a:t>Scatterplots</a:t>
-            </a:r>
-            <a:r>
-              <a:rPr lang="en-US" sz="2400" b="1" dirty="0" smtClean="0"/>
-              <a:t/>
-            </a:r>
-            <a:br>
-              <a:rPr lang="en-US" sz="2400" b="1" dirty="0" smtClean="0"/>
-            </a:br>
-            <a:r>
-              <a:rPr lang="en-US" sz="2400" b="1" dirty="0" smtClean="0"/>
-              <a:t/>
-            </a:r>
-            <a:br>
-              <a:rPr lang="en-US" sz="2400" b="1" dirty="0" smtClean="0"/>
-            </a:br>
-            <a:endParaRPr lang="en-US" sz="2400" b="1" dirty="0"/>
-          </a:p>
-          <a:p>
-            <a:endParaRPr lang="en-US" sz="2400" dirty="0"/>
+              <a:t>.</a:t>
+            </a:r>
+          </a:p>
+          <a:p>
+            <a:endParaRPr lang="en-US" sz="2600" dirty="0"/>
           </a:p>
         </p:txBody>
       </p:sp>
     </p:spTree>
     <p:extLst>
       <p:ext uri="{BB962C8B-B14F-4D97-AF65-F5344CB8AC3E}">
-        <p14:creationId xmlns:p14="http://schemas.microsoft.com/office/powerpoint/2010/main" val="2117577309"/>
+        <p14:creationId xmlns:p14="http://schemas.microsoft.com/office/powerpoint/2010/main" val="3768458800"/>
       </p:ext>
     </p:extLst>
   </p:cSld>
@@ -8008,15 +8693,187 @@
             </a:pPr>
             <a:r>
               <a:rPr lang="en-US" sz="2600" dirty="0" smtClean="0"/>
-              <a:t>Most Significant Attributes out of 122 plausible </a:t>
-            </a:r>
-            <a:r>
-              <a:rPr lang="en-US" sz="2600" dirty="0" err="1" smtClean="0"/>
-              <a:t>attirbutes</a:t>
+              <a:t>Attributes </a:t>
+            </a:r>
+            <a:r>
+              <a:rPr lang="en-US" sz="2600" dirty="0" smtClean="0"/>
+              <a:t>most commonly believed to influence incidents of Violent Crime</a:t>
             </a:r>
             <a:r>
               <a:rPr lang="en-US" sz="2600" dirty="0" smtClean="0"/>
               <a:t>:</a:t>
+            </a:r>
+            <a:endParaRPr lang="en-US" sz="2600" dirty="0" smtClean="0"/>
+          </a:p>
+          <a:p>
+            <a:pPr marL="1257300" lvl="2" indent="-457200">
+              <a:buFont typeface="Wingdings" panose="05000000000000000000" pitchFamily="2" charset="2"/>
+              <a:buChar char="Ø"/>
+            </a:pPr>
+            <a:r>
+              <a:rPr lang="en-US" sz="2400" dirty="0" smtClean="0"/>
+              <a:t>% Police per </a:t>
+            </a:r>
+            <a:r>
+              <a:rPr lang="en-US" sz="2400" dirty="0" err="1" smtClean="0"/>
+              <a:t>captia</a:t>
+            </a:r>
+            <a:endParaRPr lang="en-US" sz="2400" dirty="0" smtClean="0"/>
+          </a:p>
+          <a:p>
+            <a:pPr marL="1257300" lvl="2" indent="-457200">
+              <a:buFont typeface="Wingdings" panose="05000000000000000000" pitchFamily="2" charset="2"/>
+              <a:buChar char="Ø"/>
+            </a:pPr>
+            <a:r>
+              <a:rPr lang="en-US" sz="2400" dirty="0" smtClean="0"/>
+              <a:t>Per Capita </a:t>
+            </a:r>
+            <a:r>
+              <a:rPr lang="en-US" sz="2400" dirty="0" smtClean="0"/>
+              <a:t>Income</a:t>
+            </a:r>
+          </a:p>
+          <a:p>
+            <a:pPr marL="1257300" lvl="2" indent="-457200">
+              <a:buFont typeface="Wingdings" panose="05000000000000000000" pitchFamily="2" charset="2"/>
+              <a:buChar char="Ø"/>
+            </a:pPr>
+            <a:r>
+              <a:rPr lang="en-US" sz="2400" dirty="0" smtClean="0"/>
+              <a:t>% with Bachelor’s or higher degree</a:t>
+            </a:r>
+            <a:endParaRPr lang="en-US" sz="2400" dirty="0" smtClean="0"/>
+          </a:p>
+          <a:p>
+            <a:pPr marL="1257300" lvl="2" indent="-457200">
+              <a:buFont typeface="Wingdings" panose="05000000000000000000" pitchFamily="2" charset="2"/>
+              <a:buChar char="Ø"/>
+            </a:pPr>
+            <a:endParaRPr lang="en-US" sz="2400" dirty="0"/>
+          </a:p>
+        </p:txBody>
+      </p:sp>
+      <p:pic>
+        <p:nvPicPr>
+          <p:cNvPr id="4" name="Picture 3"/>
+          <p:cNvPicPr>
+            <a:picLocks noChangeAspect="1"/>
+          </p:cNvPicPr>
+          <p:nvPr/>
+        </p:nvPicPr>
+        <p:blipFill>
+          <a:blip r:embed="rId3">
+            <a:extLst>
+              <a:ext uri="{28A0092B-C50C-407E-A947-70E740481C1C}">
+                <a14:useLocalDpi xmlns:a14="http://schemas.microsoft.com/office/drawing/2010/main" val="0"/>
+              </a:ext>
+            </a:extLst>
+          </a:blip>
+          <a:stretch>
+            <a:fillRect/>
+          </a:stretch>
+        </p:blipFill>
+        <p:spPr>
+          <a:xfrm>
+            <a:off x="4556823" y="1886856"/>
+            <a:ext cx="7431976" cy="4762887"/>
+          </a:xfrm>
+          <a:prstGeom prst="rect">
+            <a:avLst/>
+          </a:prstGeom>
+        </p:spPr>
+      </p:pic>
+    </p:spTree>
+    <p:extLst>
+      <p:ext uri="{BB962C8B-B14F-4D97-AF65-F5344CB8AC3E}">
+        <p14:creationId xmlns:p14="http://schemas.microsoft.com/office/powerpoint/2010/main" val="267143276"/>
+      </p:ext>
+    </p:extLst>
+  </p:cSld>
+  <p:clrMapOvr>
+    <a:masterClrMapping/>
+  </p:clrMapOvr>
+</p:sld>
+</file>
+
+<file path=ppt/slides/slide7.xml><?xml version="1.0" encoding="utf-8"?>
+<p:sld xmlns:a="http://schemas.openxmlformats.org/drawingml/2006/main" xmlns:r="http://schemas.openxmlformats.org/officeDocument/2006/relationships" xmlns:p="http://schemas.openxmlformats.org/presentationml/2006/main">
+  <p:cSld>
+    <p:spTree>
+      <p:nvGrpSpPr>
+        <p:cNvPr id="1" name=""/>
+        <p:cNvGrpSpPr/>
+        <p:nvPr/>
+      </p:nvGrpSpPr>
+      <p:grpSpPr>
+        <a:xfrm>
+          <a:off x="0" y="0"/>
+          <a:ext cx="0" cy="0"/>
+          <a:chOff x="0" y="0"/>
+          <a:chExt cx="0" cy="0"/>
+        </a:xfrm>
+      </p:grpSpPr>
+      <p:sp>
+        <p:nvSpPr>
+          <p:cNvPr id="2" name="Title 1"/>
+          <p:cNvSpPr>
+            <a:spLocks noGrp="1"/>
+          </p:cNvSpPr>
+          <p:nvPr>
+            <p:ph type="title"/>
+          </p:nvPr>
+        </p:nvSpPr>
+        <p:spPr/>
+        <p:txBody>
+          <a:bodyPr/>
+          <a:lstStyle/>
+          <a:p>
+            <a:r>
+              <a:rPr lang="en-US" dirty="0" smtClean="0"/>
+              <a:t>Exploratory Data </a:t>
+            </a:r>
+            <a:r>
+              <a:rPr lang="en-US" dirty="0" smtClean="0"/>
+              <a:t>Analysis (cont’d)</a:t>
+            </a:r>
+            <a:endParaRPr lang="en-US" dirty="0"/>
+          </a:p>
+        </p:txBody>
+      </p:sp>
+      <p:sp>
+        <p:nvSpPr>
+          <p:cNvPr id="3" name="Content Placeholder 2"/>
+          <p:cNvSpPr>
+            <a:spLocks noGrp="1"/>
+          </p:cNvSpPr>
+          <p:nvPr>
+            <p:ph idx="1"/>
+          </p:nvPr>
+        </p:nvSpPr>
+        <p:spPr>
+          <a:xfrm>
+            <a:off x="1" y="2061028"/>
+            <a:ext cx="4499428" cy="4332513"/>
+          </a:xfrm>
+        </p:spPr>
+        <p:txBody>
+          <a:bodyPr>
+            <a:normAutofit/>
+          </a:bodyPr>
+          <a:lstStyle/>
+          <a:p>
+            <a:pPr marL="857250" lvl="1" indent="-457200">
+              <a:buFont typeface="Wingdings" panose="05000000000000000000" pitchFamily="2" charset="2"/>
+              <a:buChar char="Ø"/>
+            </a:pPr>
+            <a:r>
+              <a:rPr lang="en-US" sz="2600" dirty="0" smtClean="0"/>
+              <a:t>Most Significant Attributes out of 122 plausible </a:t>
+            </a:r>
+            <a:r>
+              <a:rPr lang="en-US" sz="2600" dirty="0" smtClean="0"/>
+              <a:t>attributes:</a:t>
             </a:r>
             <a:endParaRPr lang="en-US" sz="2600" dirty="0" smtClean="0"/>
           </a:p>
@@ -8112,7 +8969,7 @@
 </p:sld>
 </file>
 
-<file path=ppt/slides/slide7.xml><?xml version="1.0" encoding="utf-8"?>
+<file path=ppt/slides/slide8.xml><?xml version="1.0" encoding="utf-8"?>
 <p:sld xmlns:a="http://schemas.openxmlformats.org/drawingml/2006/main" xmlns:r="http://schemas.openxmlformats.org/officeDocument/2006/relationships" xmlns:p="http://schemas.openxmlformats.org/presentationml/2006/main">
   <p:cSld>
     <p:spTree>
@@ -8242,14 +9099,154 @@
           </a:p>
         </p:txBody>
       </p:sp>
+      <p:sp>
+        <p:nvSpPr>
+          <p:cNvPr id="7" name="Rectangle 6"/>
+          <p:cNvSpPr/>
+          <p:nvPr/>
+        </p:nvSpPr>
+        <p:spPr>
+          <a:xfrm>
+            <a:off x="6665746" y="4846319"/>
+            <a:ext cx="4698722" cy="369332"/>
+          </a:xfrm>
+          <a:prstGeom prst="rect">
+            <a:avLst/>
+          </a:prstGeom>
+        </p:spPr>
+        <p:txBody>
+          <a:bodyPr wrap="none">
+            <a:spAutoFit/>
+          </a:bodyPr>
+          <a:lstStyle/>
+          <a:p>
+            <a:r>
+              <a:rPr lang="en-US" b="1" dirty="0"/>
+              <a:t>Figure 6. </a:t>
+            </a:r>
+            <a:r>
+              <a:rPr lang="en-US" b="1" dirty="0" smtClean="0"/>
+              <a:t>Confusion </a:t>
+            </a:r>
+            <a:r>
+              <a:rPr lang="en-US" b="1" dirty="0" smtClean="0"/>
+              <a:t>Matrix</a:t>
+            </a:r>
+            <a:r>
+              <a:rPr lang="en-US" b="1" dirty="0" smtClean="0"/>
+              <a:t> </a:t>
+            </a:r>
+            <a:r>
+              <a:rPr lang="en-US" b="1" dirty="0"/>
+              <a:t>– </a:t>
+            </a:r>
+            <a:r>
+              <a:rPr lang="en-US" b="1" dirty="0" smtClean="0"/>
+              <a:t>Binning </a:t>
+            </a:r>
+            <a:r>
+              <a:rPr lang="en-US" b="1" i="1" dirty="0"/>
+              <a:t>k</a:t>
+            </a:r>
+            <a:r>
+              <a:rPr lang="en-US" b="1" dirty="0"/>
+              <a:t> = </a:t>
+            </a:r>
+            <a:r>
+              <a:rPr lang="en-US" b="1" dirty="0"/>
+              <a:t>5</a:t>
+            </a:r>
+            <a:endParaRPr lang="en-US" b="1" dirty="0"/>
+          </a:p>
+        </p:txBody>
+      </p:sp>
+      <p:sp>
+        <p:nvSpPr>
+          <p:cNvPr id="9" name="Rectangle 8"/>
+          <p:cNvSpPr/>
+          <p:nvPr/>
+        </p:nvSpPr>
+        <p:spPr>
+          <a:xfrm>
+            <a:off x="534058" y="6245627"/>
+            <a:ext cx="5860900" cy="369332"/>
+          </a:xfrm>
+          <a:prstGeom prst="rect">
+            <a:avLst/>
+          </a:prstGeom>
+        </p:spPr>
+        <p:txBody>
+          <a:bodyPr wrap="none">
+            <a:spAutoFit/>
+          </a:bodyPr>
+          <a:lstStyle/>
+          <a:p>
+            <a:r>
+              <a:rPr lang="en-US" b="1" dirty="0"/>
+              <a:t>Figure 5. Classification Decision Tree – Binning </a:t>
+            </a:r>
+            <a:r>
+              <a:rPr lang="en-US" b="1" i="1" dirty="0"/>
+              <a:t>k</a:t>
+            </a:r>
+            <a:r>
+              <a:rPr lang="en-US" b="1" dirty="0"/>
+              <a:t> = </a:t>
+            </a:r>
+            <a:r>
+              <a:rPr lang="en-US" b="1" dirty="0"/>
+              <a:t>5</a:t>
+            </a:r>
+            <a:endParaRPr lang="en-US" b="1" dirty="0"/>
+          </a:p>
+        </p:txBody>
+      </p:sp>
       <p:pic>
         <p:nvPicPr>
-          <p:cNvPr id="8" name="Picture 7"/>
+          <p:cNvPr id="11" name="Picture 10"/>
           <p:cNvPicPr/>
           <p:nvPr/>
         </p:nvPicPr>
         <p:blipFill>
-          <a:blip r:embed="rId3" cstate="print">
+          <a:blip r:embed="rId3">
+            <a:extLst>
+              <a:ext uri="{28A0092B-C50C-407E-A947-70E740481C1C}">
+                <a14:useLocalDpi xmlns:a14="http://schemas.microsoft.com/office/drawing/2010/main" val="0"/>
+              </a:ext>
+            </a:extLst>
+          </a:blip>
+          <a:stretch>
+            <a:fillRect/>
+          </a:stretch>
+        </p:blipFill>
+        <p:spPr bwMode="auto">
+          <a:xfrm>
+            <a:off x="833017" y="2704496"/>
+            <a:ext cx="5262983" cy="3396225"/>
+          </a:xfrm>
+          <a:prstGeom prst="rect">
+            <a:avLst/>
+          </a:prstGeom>
+          <a:ln>
+            <a:noFill/>
+          </a:ln>
+          <a:extLst>
+            <a:ext uri="{53640926-AAD7-44D8-BBD7-CCE9431645EC}">
+              <a14:shadowObscured xmlns:a14="http://schemas.microsoft.com/office/drawing/2010/main"/>
+            </a:ext>
+          </a:extLst>
+        </p:spPr>
+      </p:pic>
+      <p:pic>
+        <p:nvPicPr>
+          <p:cNvPr id="10" name="Picture 9"/>
+          <p:cNvPicPr>
+            <a:picLocks noChangeAspect="1"/>
+          </p:cNvPicPr>
+          <p:nvPr/>
+        </p:nvPicPr>
+        <p:blipFill>
+          <a:blip r:embed="rId4">
             <a:extLst>
               <a:ext uri="{28A0092B-C50C-407E-A947-70E740481C1C}">
                 <a14:useLocalDpi xmlns:a14="http://schemas.microsoft.com/office/drawing/2010/main" val="0"/>
@@ -8262,119 +9259,12 @@
         </p:blipFill>
         <p:spPr>
           <a:xfrm>
-            <a:off x="6889491" y="2938073"/>
-            <a:ext cx="4797091" cy="3072884"/>
+            <a:off x="7797325" y="3655998"/>
+            <a:ext cx="2698889" cy="990651"/>
           </a:xfrm>
           <a:prstGeom prst="rect">
             <a:avLst/>
           </a:prstGeom>
-        </p:spPr>
-      </p:pic>
-      <p:sp>
-        <p:nvSpPr>
-          <p:cNvPr id="7" name="Rectangle 6"/>
-          <p:cNvSpPr/>
-          <p:nvPr/>
-        </p:nvSpPr>
-        <p:spPr>
-          <a:xfrm>
-            <a:off x="6632495" y="6242367"/>
-            <a:ext cx="5291833" cy="369332"/>
-          </a:xfrm>
-          <a:prstGeom prst="rect">
-            <a:avLst/>
-          </a:prstGeom>
-        </p:spPr>
-        <p:txBody>
-          <a:bodyPr wrap="none">
-            <a:spAutoFit/>
-          </a:bodyPr>
-          <a:lstStyle/>
-          <a:p>
-            <a:r>
-              <a:rPr lang="en-US" b="1" dirty="0"/>
-              <a:t>Figure 6. Relative Error and CP – Binning </a:t>
-            </a:r>
-            <a:r>
-              <a:rPr lang="en-US" b="1" i="1" dirty="0"/>
-              <a:t>k</a:t>
-            </a:r>
-            <a:r>
-              <a:rPr lang="en-US" b="1" dirty="0"/>
-              <a:t> = 10</a:t>
-            </a:r>
-          </a:p>
-        </p:txBody>
-      </p:sp>
-      <p:sp>
-        <p:nvSpPr>
-          <p:cNvPr id="9" name="Rectangle 8"/>
-          <p:cNvSpPr/>
-          <p:nvPr/>
-        </p:nvSpPr>
-        <p:spPr>
-          <a:xfrm>
-            <a:off x="222516" y="6242367"/>
-            <a:ext cx="5990743" cy="369332"/>
-          </a:xfrm>
-          <a:prstGeom prst="rect">
-            <a:avLst/>
-          </a:prstGeom>
-        </p:spPr>
-        <p:txBody>
-          <a:bodyPr wrap="none">
-            <a:spAutoFit/>
-          </a:bodyPr>
-          <a:lstStyle/>
-          <a:p>
-            <a:r>
-              <a:rPr lang="en-US" b="1" dirty="0"/>
-              <a:t>Figure 5. Classification Decision Tree – Binning </a:t>
-            </a:r>
-            <a:r>
-              <a:rPr lang="en-US" b="1" i="1" dirty="0"/>
-              <a:t>k</a:t>
-            </a:r>
-            <a:r>
-              <a:rPr lang="en-US" b="1" dirty="0"/>
-              <a:t> = 10</a:t>
-            </a:r>
-          </a:p>
-        </p:txBody>
-      </p:sp>
-      <p:pic>
-        <p:nvPicPr>
-          <p:cNvPr id="11" name="Picture 10"/>
-          <p:cNvPicPr/>
-          <p:nvPr/>
-        </p:nvPicPr>
-        <p:blipFill rotWithShape="1">
-          <a:blip r:embed="rId4" cstate="print">
-            <a:extLst>
-              <a:ext uri="{28A0092B-C50C-407E-A947-70E740481C1C}">
-                <a14:useLocalDpi xmlns:a14="http://schemas.microsoft.com/office/drawing/2010/main" val="0"/>
-              </a:ext>
-            </a:extLst>
-          </a:blip>
-          <a:srcRect l="6532" t="10656" r="2594" b="12887"/>
-          <a:stretch/>
-        </p:blipFill>
-        <p:spPr bwMode="auto">
-          <a:xfrm>
-            <a:off x="366980" y="2938073"/>
-            <a:ext cx="5701814" cy="3072884"/>
-          </a:xfrm>
-          <a:prstGeom prst="rect">
-            <a:avLst/>
-          </a:prstGeom>
-          <a:ln>
-            <a:noFill/>
-          </a:ln>
-          <a:extLst>
-            <a:ext uri="{53640926-AAD7-44D8-BBD7-CCE9431645EC}">
-              <a14:shadowObscured xmlns:a14="http://schemas.microsoft.com/office/drawing/2010/main"/>
-            </a:ext>
-          </a:extLst>
         </p:spPr>
       </p:pic>
     </p:spTree>
@@ -8390,7 +9280,7 @@
 </p:sld>
 </file>
 
-<file path=ppt/slides/slide8.xml><?xml version="1.0" encoding="utf-8"?>
+<file path=ppt/slides/slide9.xml><?xml version="1.0" encoding="utf-8"?>
 <p:sld xmlns:a="http://schemas.openxmlformats.org/drawingml/2006/main" xmlns:r="http://schemas.openxmlformats.org/officeDocument/2006/relationships" xmlns:p="http://schemas.openxmlformats.org/presentationml/2006/main">
   <p:cSld>
     <p:spTree>
@@ -8705,227 +9595,6 @@
     <p:extLst>
       <p:ext uri="{BB962C8B-B14F-4D97-AF65-F5344CB8AC3E}">
         <p14:creationId xmlns:p14="http://schemas.microsoft.com/office/powerpoint/2010/main" val="1937515719"/>
-      </p:ext>
-    </p:extLst>
-  </p:cSld>
-  <p:clrMapOvr>
-    <a:masterClrMapping/>
-  </p:clrMapOvr>
-</p:sld>
-</file>
-
-<file path=ppt/slides/slide9.xml><?xml version="1.0" encoding="utf-8"?>
-<p:sld xmlns:a="http://schemas.openxmlformats.org/drawingml/2006/main" xmlns:r="http://schemas.openxmlformats.org/officeDocument/2006/relationships" xmlns:p="http://schemas.openxmlformats.org/presentationml/2006/main">
-  <p:cSld>
-    <p:spTree>
-      <p:nvGrpSpPr>
-        <p:cNvPr id="1" name=""/>
-        <p:cNvGrpSpPr/>
-        <p:nvPr/>
-      </p:nvGrpSpPr>
-      <p:grpSpPr>
-        <a:xfrm>
-          <a:off x="0" y="0"/>
-          <a:ext cx="0" cy="0"/>
-          <a:chOff x="0" y="0"/>
-          <a:chExt cx="0" cy="0"/>
-        </a:xfrm>
-      </p:grpSpPr>
-      <p:sp>
-        <p:nvSpPr>
-          <p:cNvPr id="2" name="Title 1"/>
-          <p:cNvSpPr>
-            <a:spLocks noGrp="1"/>
-          </p:cNvSpPr>
-          <p:nvPr>
-            <p:ph type="title"/>
-          </p:nvPr>
-        </p:nvSpPr>
-        <p:spPr/>
-        <p:txBody>
-          <a:bodyPr/>
-          <a:lstStyle/>
-          <a:p>
-            <a:r>
-              <a:rPr lang="en-US" dirty="0" smtClean="0"/>
-              <a:t>Results – Frequent Item Sets</a:t>
-            </a:r>
-            <a:endParaRPr lang="en-US" dirty="0"/>
-          </a:p>
-        </p:txBody>
-      </p:sp>
-      <p:sp>
-        <p:nvSpPr>
-          <p:cNvPr id="3" name="Content Placeholder 2"/>
-          <p:cNvSpPr>
-            <a:spLocks noGrp="1"/>
-          </p:cNvSpPr>
-          <p:nvPr>
-            <p:ph idx="1"/>
-          </p:nvPr>
-        </p:nvSpPr>
-        <p:spPr>
-          <a:xfrm>
-            <a:off x="1103312" y="1501375"/>
-            <a:ext cx="8946541" cy="4195481"/>
-          </a:xfrm>
-        </p:spPr>
-        <p:txBody>
-          <a:bodyPr>
-            <a:normAutofit/>
-          </a:bodyPr>
-          <a:lstStyle/>
-          <a:p>
-            <a:r>
-              <a:rPr lang="en-US" sz="2400" dirty="0" err="1" smtClean="0"/>
-              <a:t>Eclat</a:t>
-            </a:r>
-            <a:endParaRPr lang="en-US" sz="2400" dirty="0" smtClean="0"/>
-          </a:p>
-          <a:p>
-            <a:endParaRPr lang="en-US" sz="2400" dirty="0"/>
-          </a:p>
-        </p:txBody>
-      </p:sp>
-      <p:sp>
-        <p:nvSpPr>
-          <p:cNvPr id="4" name="Rectangle 2"/>
-          <p:cNvSpPr>
-            <a:spLocks noChangeArrowheads="1"/>
-          </p:cNvSpPr>
-          <p:nvPr/>
-        </p:nvSpPr>
-        <p:spPr bwMode="auto">
-          <a:xfrm>
-            <a:off x="0" y="0"/>
-            <a:ext cx="12192000" cy="457200"/>
-          </a:xfrm>
-          <a:prstGeom prst="rect">
-            <a:avLst/>
-          </a:prstGeom>
-          <a:noFill/>
-          <a:ln>
-            <a:noFill/>
-          </a:ln>
-          <a:effectLst/>
-          <a:extLst>
-            <a:ext uri="{909E8E84-426E-40DD-AFC4-6F175D3DCCD1}">
-              <a14:hiddenFill xmlns:a14="http://schemas.microsoft.com/office/drawing/2010/main">
-                <a:solidFill>
-                  <a:schemeClr val="accent1"/>
-                </a:solidFill>
-              </a14:hiddenFill>
-            </a:ext>
-            <a:ext uri="{91240B29-F687-4F45-9708-019B960494DF}">
-              <a14:hiddenLine xmlns:a14="http://schemas.microsoft.com/office/drawing/2010/main" w="9525">
-                <a:solidFill>
-                  <a:schemeClr val="tx1"/>
-                </a:solidFill>
-                <a:miter lim="800000"/>
-                <a:headEnd/>
-                <a:tailEnd/>
-              </a14:hiddenLine>
-            </a:ext>
-            <a:ext uri="{AF507438-7753-43E0-B8FC-AC1667EBCBE1}">
-              <a14:hiddenEffects xmlns:a14="http://schemas.microsoft.com/office/drawing/2010/main">
-                <a:effectLst>
-                  <a:outerShdw dist="35921" dir="2700000" algn="ctr" rotWithShape="0">
-                    <a:schemeClr val="bg2"/>
-                  </a:outerShdw>
-                </a:effectLst>
-              </a14:hiddenEffects>
-            </a:ext>
-          </a:extLst>
-        </p:spPr>
-        <p:txBody>
-          <a:bodyPr vert="horz" wrap="none" lIns="91440" tIns="45720" rIns="91440" bIns="45720" numCol="1" anchor="ctr" anchorCtr="0" compatLnSpc="1">
-            <a:prstTxWarp prst="textNoShape">
-              <a:avLst/>
-            </a:prstTxWarp>
-            <a:spAutoFit/>
-          </a:bodyPr>
-          <a:lstStyle/>
-          <a:p>
-            <a:endParaRPr lang="en-US"/>
-          </a:p>
-        </p:txBody>
-      </p:sp>
-      <p:pic>
-        <p:nvPicPr>
-          <p:cNvPr id="6" name="Picture 5"/>
-          <p:cNvPicPr/>
-          <p:nvPr/>
-        </p:nvPicPr>
-        <p:blipFill>
-          <a:blip r:embed="rId3">
-            <a:extLst>
-              <a:ext uri="{28A0092B-C50C-407E-A947-70E740481C1C}">
-                <a14:useLocalDpi xmlns:a14="http://schemas.microsoft.com/office/drawing/2010/main" val="0"/>
-              </a:ext>
-            </a:extLst>
-          </a:blip>
-          <a:stretch>
-            <a:fillRect/>
-          </a:stretch>
-        </p:blipFill>
-        <p:spPr>
-          <a:xfrm>
-            <a:off x="3502140" y="2220686"/>
-            <a:ext cx="5187719" cy="3232331"/>
-          </a:xfrm>
-          <a:prstGeom prst="rect">
-            <a:avLst/>
-          </a:prstGeom>
-        </p:spPr>
-      </p:pic>
-      <p:sp>
-        <p:nvSpPr>
-          <p:cNvPr id="5" name="Rectangle 4"/>
-          <p:cNvSpPr/>
-          <p:nvPr/>
-        </p:nvSpPr>
-        <p:spPr>
-          <a:xfrm>
-            <a:off x="3502140" y="5730297"/>
-            <a:ext cx="5442516" cy="369332"/>
-          </a:xfrm>
-          <a:prstGeom prst="rect">
-            <a:avLst/>
-          </a:prstGeom>
-        </p:spPr>
-        <p:txBody>
-          <a:bodyPr wrap="none">
-            <a:spAutoFit/>
-          </a:bodyPr>
-          <a:lstStyle/>
-          <a:p>
-            <a:r>
-              <a:rPr lang="en-US" b="1" dirty="0"/>
-              <a:t>Table 7. </a:t>
-            </a:r>
-            <a:r>
-              <a:rPr lang="en-US" b="1" dirty="0" err="1"/>
-              <a:t>Eclat</a:t>
-            </a:r>
-            <a:r>
-              <a:rPr lang="en-US" b="1" dirty="0"/>
-              <a:t> </a:t>
-            </a:r>
-            <a:r>
-              <a:rPr lang="en-US" b="1" dirty="0" err="1"/>
-              <a:t>ViolentCrimesPerPop</a:t>
-            </a:r>
-            <a:r>
-              <a:rPr lang="en-US" b="1" dirty="0"/>
-              <a:t> Support Sort</a:t>
-            </a:r>
-          </a:p>
-        </p:txBody>
-      </p:sp>
-    </p:spTree>
-    <p:extLst>
-      <p:ext uri="{BB962C8B-B14F-4D97-AF65-F5344CB8AC3E}">
-        <p14:creationId xmlns:p14="http://schemas.microsoft.com/office/powerpoint/2010/main" val="197626889"/>
       </p:ext>
     </p:extLst>
   </p:cSld>

--- a/GroupProject/GroupProject.pptx
+++ b/GroupProject/GroupProject.pptx
@@ -188,7 +188,7 @@
             </a:lvl1pPr>
           </a:lstStyle>
           <a:p>
-            <a:endParaRPr lang="en-US"/>
+            <a:endParaRPr lang="en-US" dirty="0"/>
           </a:p>
         </p:txBody>
       </p:sp>
@@ -221,9 +221,9 @@
           <a:p>
             <a:fld id="{68AB4E1C-804C-463D-90D8-E12D92B55F5A}" type="datetimeFigureOut">
               <a:rPr lang="en-US" smtClean="0"/>
-              <a:t>11-May-16</a:t>
+              <a:t>5/11/2016</a:t>
             </a:fld>
-            <a:endParaRPr lang="en-US"/>
+            <a:endParaRPr lang="en-US" dirty="0"/>
           </a:p>
         </p:txBody>
       </p:sp>
@@ -256,7 +256,7 @@
           <a:bodyPr vert="horz" lIns="91440" tIns="45720" rIns="91440" bIns="45720" rtlCol="0" anchor="ctr"/>
           <a:lstStyle/>
           <a:p>
-            <a:endParaRPr lang="en-US"/>
+            <a:endParaRPr lang="en-US" dirty="0"/>
           </a:p>
         </p:txBody>
       </p:sp>
@@ -347,7 +347,7 @@
             </a:lvl1pPr>
           </a:lstStyle>
           <a:p>
-            <a:endParaRPr lang="en-US"/>
+            <a:endParaRPr lang="en-US" dirty="0"/>
           </a:p>
         </p:txBody>
       </p:sp>
@@ -382,7 +382,7 @@
               <a:rPr lang="en-US" smtClean="0"/>
               <a:t>‹#›</a:t>
             </a:fld>
-            <a:endParaRPr lang="en-US"/>
+            <a:endParaRPr lang="en-US" dirty="0"/>
           </a:p>
         </p:txBody>
       </p:sp>
@@ -570,7 +570,7 @@
               <a:rPr lang="en-US" smtClean="0"/>
               <a:t>3</a:t>
             </a:fld>
-            <a:endParaRPr lang="en-US"/>
+            <a:endParaRPr lang="en-US" dirty="0"/>
           </a:p>
         </p:txBody>
       </p:sp>
@@ -654,7 +654,7 @@
               <a:rPr lang="en-US" smtClean="0"/>
               <a:t>4</a:t>
             </a:fld>
-            <a:endParaRPr lang="en-US"/>
+            <a:endParaRPr lang="en-US" dirty="0"/>
           </a:p>
         </p:txBody>
       </p:sp>
@@ -716,17 +716,6 @@
           <a:lstStyle/>
           <a:p>
             <a:r>
-              <a:rPr lang="en-US" sz="1200" kern="1200" dirty="0" err="1" smtClean="0">
-                <a:solidFill>
-                  <a:schemeClr val="tx1"/>
-                </a:solidFill>
-                <a:latin typeface="+mn-lt"/>
-                <a:ea typeface="+mn-ea"/>
-                <a:cs typeface="+mn-cs"/>
-              </a:rPr>
-              <a:t>racePctWhite</a:t>
-            </a:r>
-            <a:r>
               <a:rPr lang="en-US" sz="1200" kern="1200" dirty="0" smtClean="0">
                 <a:solidFill>
                   <a:schemeClr val="tx1"/>
@@ -735,18 +724,7 @@
                 <a:ea typeface="+mn-ea"/>
                 <a:cs typeface="+mn-cs"/>
               </a:rPr>
-              <a:t>: percentage of population that is </a:t>
-            </a:r>
-            <a:r>
-              <a:rPr lang="en-US" sz="1200" u="sng" kern="1200" dirty="0" err="1" smtClean="0">
-                <a:solidFill>
-                  <a:schemeClr val="tx1"/>
-                </a:solidFill>
-                <a:latin typeface="+mn-lt"/>
-                <a:ea typeface="+mn-ea"/>
-                <a:cs typeface="+mn-cs"/>
-              </a:rPr>
-              <a:t>caucasian</a:t>
+              <a:t>racePctWhite: percentage of population that is </a:t>
             </a:r>
             <a:r>
               <a:rPr lang="en-US" sz="1200" u="sng" kern="1200" dirty="0" smtClean="0">
@@ -757,7 +735,18 @@
                 <a:ea typeface="+mn-ea"/>
                 <a:cs typeface="+mn-cs"/>
               </a:rPr>
-              <a:t> (numeric - decimal)</a:t>
+              <a:t>Caucasian </a:t>
+            </a:r>
+            <a:r>
+              <a:rPr lang="en-US" sz="1200" u="sng" kern="1200" dirty="0" smtClean="0">
+                <a:solidFill>
+                  <a:schemeClr val="tx1"/>
+                </a:solidFill>
+                <a:latin typeface="+mn-lt"/>
+                <a:ea typeface="+mn-ea"/>
+                <a:cs typeface="+mn-cs"/>
+              </a:rPr>
+              <a:t>(numeric - decimal)</a:t>
             </a:r>
           </a:p>
           <a:p>
@@ -783,17 +772,6 @@
           </a:p>
           <a:p>
             <a:r>
-              <a:rPr lang="en-US" sz="1200" kern="1200" dirty="0" err="1" smtClean="0">
-                <a:solidFill>
-                  <a:schemeClr val="tx1"/>
-                </a:solidFill>
-                <a:latin typeface="+mn-lt"/>
-                <a:ea typeface="+mn-ea"/>
-                <a:cs typeface="+mn-cs"/>
-              </a:rPr>
-              <a:t>pctWInvInc</a:t>
-            </a:r>
-            <a:r>
               <a:rPr lang="en-US" sz="1200" kern="1200" dirty="0" smtClean="0">
                 <a:solidFill>
                   <a:schemeClr val="tx1"/>
@@ -802,21 +780,10 @@
                 <a:ea typeface="+mn-ea"/>
                 <a:cs typeface="+mn-cs"/>
               </a:rPr>
-              <a:t>: percentage of households with investment / rent income in 1989 (numeric - decimal)</a:t>
-            </a:r>
-          </a:p>
-          <a:p>
-            <a:r>
-              <a:rPr lang="en-US" sz="1200" kern="1200" dirty="0" err="1" smtClean="0">
-                <a:solidFill>
-                  <a:schemeClr val="tx1"/>
-                </a:solidFill>
-                <a:latin typeface="+mn-lt"/>
-                <a:ea typeface="+mn-ea"/>
-                <a:cs typeface="+mn-cs"/>
-              </a:rPr>
-              <a:t>PctNotHSGrad</a:t>
-            </a:r>
+              <a:t>pctWInvInc: percentage of households with investment / rent income in 1989 (numeric - decimal)</a:t>
+            </a:r>
+          </a:p>
+          <a:p>
             <a:r>
               <a:rPr lang="en-US" sz="1200" kern="1200" dirty="0" smtClean="0">
                 <a:solidFill>
@@ -826,21 +793,10 @@
                 <a:ea typeface="+mn-ea"/>
                 <a:cs typeface="+mn-cs"/>
               </a:rPr>
-              <a:t>: percentage of people 25 and over that are not high school graduates (numeric - decimal)</a:t>
-            </a:r>
-          </a:p>
-          <a:p>
-            <a:r>
-              <a:rPr lang="en-US" sz="1200" kern="1200" dirty="0" err="1" smtClean="0">
-                <a:solidFill>
-                  <a:schemeClr val="tx1"/>
-                </a:solidFill>
-                <a:latin typeface="+mn-lt"/>
-                <a:ea typeface="+mn-ea"/>
-                <a:cs typeface="+mn-cs"/>
-              </a:rPr>
-              <a:t>TotalPctDiv</a:t>
-            </a:r>
+              <a:t>PctNotHSGrad: percentage of people 25 and over that are not high school graduates (numeric - decimal)</a:t>
+            </a:r>
+          </a:p>
+          <a:p>
             <a:r>
               <a:rPr lang="en-US" sz="1200" kern="1200" dirty="0" smtClean="0">
                 <a:solidFill>
@@ -850,7 +806,7 @@
                 <a:ea typeface="+mn-ea"/>
                 <a:cs typeface="+mn-cs"/>
               </a:rPr>
-              <a:t>: percentage of population who are divorced (numeric - decimal)</a:t>
+              <a:t>TotalPctDiv: percentage of population who are divorced (numeric - decimal)</a:t>
             </a:r>
             <a:endParaRPr lang="en-US" dirty="0"/>
           </a:p>
@@ -875,7 +831,7 @@
               <a:rPr lang="en-US" smtClean="0"/>
               <a:t>6</a:t>
             </a:fld>
-            <a:endParaRPr lang="en-US"/>
+            <a:endParaRPr lang="en-US" dirty="0"/>
           </a:p>
         </p:txBody>
       </p:sp>
@@ -937,17 +893,6 @@
           <a:lstStyle/>
           <a:p>
             <a:r>
-              <a:rPr lang="en-US" sz="1200" kern="1200" dirty="0" err="1" smtClean="0">
-                <a:solidFill>
-                  <a:schemeClr val="tx1"/>
-                </a:solidFill>
-                <a:latin typeface="+mn-lt"/>
-                <a:ea typeface="+mn-ea"/>
-                <a:cs typeface="+mn-cs"/>
-              </a:rPr>
-              <a:t>racePctWhite</a:t>
-            </a:r>
-            <a:r>
               <a:rPr lang="en-US" sz="1200" kern="1200" dirty="0" smtClean="0">
                 <a:solidFill>
                   <a:schemeClr val="tx1"/>
@@ -956,18 +901,7 @@
                 <a:ea typeface="+mn-ea"/>
                 <a:cs typeface="+mn-cs"/>
               </a:rPr>
-              <a:t>: percentage of population that is </a:t>
-            </a:r>
-            <a:r>
-              <a:rPr lang="en-US" sz="1200" u="sng" kern="1200" dirty="0" err="1" smtClean="0">
-                <a:solidFill>
-                  <a:schemeClr val="tx1"/>
-                </a:solidFill>
-                <a:latin typeface="+mn-lt"/>
-                <a:ea typeface="+mn-ea"/>
-                <a:cs typeface="+mn-cs"/>
-              </a:rPr>
-              <a:t>caucasian</a:t>
+              <a:t>racePctWhite: percentage of population that is </a:t>
             </a:r>
             <a:r>
               <a:rPr lang="en-US" sz="1200" u="sng" kern="1200" dirty="0" smtClean="0">
@@ -978,7 +912,7 @@
                 <a:ea typeface="+mn-ea"/>
                 <a:cs typeface="+mn-cs"/>
               </a:rPr>
-              <a:t> (numeric - decimal)</a:t>
+              <a:t>caucasian (numeric - decimal)</a:t>
             </a:r>
           </a:p>
           <a:p>
@@ -1004,17 +938,6 @@
           </a:p>
           <a:p>
             <a:r>
-              <a:rPr lang="en-US" sz="1200" kern="1200" dirty="0" err="1" smtClean="0">
-                <a:solidFill>
-                  <a:schemeClr val="tx1"/>
-                </a:solidFill>
-                <a:latin typeface="+mn-lt"/>
-                <a:ea typeface="+mn-ea"/>
-                <a:cs typeface="+mn-cs"/>
-              </a:rPr>
-              <a:t>pctWInvInc</a:t>
-            </a:r>
-            <a:r>
               <a:rPr lang="en-US" sz="1200" kern="1200" dirty="0" smtClean="0">
                 <a:solidFill>
                   <a:schemeClr val="tx1"/>
@@ -1023,21 +946,10 @@
                 <a:ea typeface="+mn-ea"/>
                 <a:cs typeface="+mn-cs"/>
               </a:rPr>
-              <a:t>: percentage of households with investment / rent income in 1989 (numeric - decimal)</a:t>
-            </a:r>
-          </a:p>
-          <a:p>
-            <a:r>
-              <a:rPr lang="en-US" sz="1200" kern="1200" dirty="0" err="1" smtClean="0">
-                <a:solidFill>
-                  <a:schemeClr val="tx1"/>
-                </a:solidFill>
-                <a:latin typeface="+mn-lt"/>
-                <a:ea typeface="+mn-ea"/>
-                <a:cs typeface="+mn-cs"/>
-              </a:rPr>
-              <a:t>PctNotHSGrad</a:t>
-            </a:r>
+              <a:t>pctWInvInc: percentage of households with investment / rent income in 1989 (numeric - decimal)</a:t>
+            </a:r>
+          </a:p>
+          <a:p>
             <a:r>
               <a:rPr lang="en-US" sz="1200" kern="1200" dirty="0" smtClean="0">
                 <a:solidFill>
@@ -1047,21 +959,10 @@
                 <a:ea typeface="+mn-ea"/>
                 <a:cs typeface="+mn-cs"/>
               </a:rPr>
-              <a:t>: percentage of people 25 and over that are not high school graduates (numeric - decimal)</a:t>
-            </a:r>
-          </a:p>
-          <a:p>
-            <a:r>
-              <a:rPr lang="en-US" sz="1200" kern="1200" dirty="0" err="1" smtClean="0">
-                <a:solidFill>
-                  <a:schemeClr val="tx1"/>
-                </a:solidFill>
-                <a:latin typeface="+mn-lt"/>
-                <a:ea typeface="+mn-ea"/>
-                <a:cs typeface="+mn-cs"/>
-              </a:rPr>
-              <a:t>TotalPctDiv</a:t>
-            </a:r>
+              <a:t>PctNotHSGrad: percentage of people 25 and over that are not high school graduates (numeric - decimal)</a:t>
+            </a:r>
+          </a:p>
+          <a:p>
             <a:r>
               <a:rPr lang="en-US" sz="1200" kern="1200" dirty="0" smtClean="0">
                 <a:solidFill>
@@ -1071,7 +972,7 @@
                 <a:ea typeface="+mn-ea"/>
                 <a:cs typeface="+mn-cs"/>
               </a:rPr>
-              <a:t>: percentage of population who are divorced (numeric - decimal)</a:t>
+              <a:t>TotalPctDiv: percentage of population who are divorced (numeric - decimal)</a:t>
             </a:r>
             <a:endParaRPr lang="en-US" dirty="0"/>
           </a:p>
@@ -1096,7 +997,7 @@
               <a:rPr lang="en-US" smtClean="0"/>
               <a:t>7</a:t>
             </a:fld>
-            <a:endParaRPr lang="en-US"/>
+            <a:endParaRPr lang="en-US" dirty="0"/>
           </a:p>
         </p:txBody>
       </p:sp>
@@ -1209,7 +1110,7 @@
               <a:rPr lang="en-US" smtClean="0"/>
               <a:t>8</a:t>
             </a:fld>
-            <a:endParaRPr lang="en-US"/>
+            <a:endParaRPr lang="en-US" dirty="0"/>
           </a:p>
         </p:txBody>
       </p:sp>
@@ -1276,15 +1177,7 @@
             </a:r>
             <a:r>
               <a:rPr lang="en-US" baseline="0" dirty="0" smtClean="0"/>
-              <a:t> Hand Side vs. Left Hand Side </a:t>
-            </a:r>
-            <a:r>
-              <a:rPr lang="en-US" baseline="0" dirty="0" err="1" smtClean="0"/>
-              <a:t>Apriori</a:t>
-            </a:r>
-            <a:r>
-              <a:rPr lang="en-US" baseline="0" dirty="0" smtClean="0"/>
-              <a:t> comparison</a:t>
+              <a:t> Hand Side vs. Left Hand Side Apriori comparison</a:t>
             </a:r>
             <a:endParaRPr lang="en-US" dirty="0"/>
           </a:p>
@@ -1309,7 +1202,7 @@
               <a:rPr lang="en-US" smtClean="0"/>
               <a:t>9</a:t>
             </a:fld>
-            <a:endParaRPr lang="en-US"/>
+            <a:endParaRPr lang="en-US" dirty="0"/>
           </a:p>
         </p:txBody>
       </p:sp>
@@ -1382,11 +1275,7 @@
             </a:r>
             <a:r>
               <a:rPr lang="en-US" baseline="0" dirty="0" smtClean="0"/>
-              <a:t> as </a:t>
-            </a:r>
-            <a:r>
-              <a:rPr lang="en-US" baseline="0" smtClean="0"/>
-              <a:t>Apriori</a:t>
+              <a:t> as Apriori</a:t>
             </a:r>
             <a:endParaRPr lang="en-US" dirty="0"/>
           </a:p>
@@ -1411,7 +1300,7 @@
               <a:rPr lang="en-US" smtClean="0"/>
               <a:t>10</a:t>
             </a:fld>
-            <a:endParaRPr lang="en-US"/>
+            <a:endParaRPr lang="en-US" dirty="0"/>
           </a:p>
         </p:txBody>
       </p:sp>
@@ -1614,9 +1503,9 @@
           <a:p>
             <a:fld id="{B2C8D8C6-32A1-4BAE-BA07-FB9B53739353}" type="datetimeFigureOut">
               <a:rPr lang="en-US" smtClean="0"/>
-              <a:t>11-May-16</a:t>
+              <a:t>5/11/2016</a:t>
             </a:fld>
-            <a:endParaRPr lang="en-US"/>
+            <a:endParaRPr lang="en-US" dirty="0"/>
           </a:p>
         </p:txBody>
       </p:sp>
@@ -1635,7 +1524,7 @@
           <a:bodyPr/>
           <a:lstStyle/>
           <a:p>
-            <a:endParaRPr lang="en-US"/>
+            <a:endParaRPr lang="en-US" dirty="0"/>
           </a:p>
         </p:txBody>
       </p:sp>
@@ -1658,7 +1547,7 @@
               <a:rPr lang="en-US" smtClean="0"/>
               <a:t>‹#›</a:t>
             </a:fld>
-            <a:endParaRPr lang="en-US"/>
+            <a:endParaRPr lang="en-US" dirty="0"/>
           </a:p>
         </p:txBody>
       </p:sp>
@@ -1798,7 +1687,7 @@
           </a:lstStyle>
           <a:p>
             <a:r>
-              <a:rPr lang="en-US" smtClean="0"/>
+              <a:rPr lang="en-US" dirty="0" smtClean="0"/>
               <a:t>Click icon to add picture</a:t>
             </a:r>
             <a:endParaRPr lang="en-US" dirty="0"/>
@@ -1889,9 +1778,9 @@
           <a:p>
             <a:fld id="{B2C8D8C6-32A1-4BAE-BA07-FB9B53739353}" type="datetimeFigureOut">
               <a:rPr lang="en-US" smtClean="0"/>
-              <a:t>11-May-16</a:t>
+              <a:t>5/11/2016</a:t>
             </a:fld>
-            <a:endParaRPr lang="en-US"/>
+            <a:endParaRPr lang="en-US" dirty="0"/>
           </a:p>
         </p:txBody>
       </p:sp>
@@ -1910,7 +1799,7 @@
           <a:bodyPr/>
           <a:lstStyle/>
           <a:p>
-            <a:endParaRPr lang="en-US"/>
+            <a:endParaRPr lang="en-US" dirty="0"/>
           </a:p>
         </p:txBody>
       </p:sp>
@@ -1933,7 +1822,7 @@
               <a:rPr lang="en-US" smtClean="0"/>
               <a:t>‹#›</a:t>
             </a:fld>
-            <a:endParaRPr lang="en-US"/>
+            <a:endParaRPr lang="en-US" dirty="0"/>
           </a:p>
         </p:txBody>
       </p:sp>
@@ -2083,9 +1972,9 @@
           <a:p>
             <a:fld id="{B2C8D8C6-32A1-4BAE-BA07-FB9B53739353}" type="datetimeFigureOut">
               <a:rPr lang="en-US" smtClean="0"/>
-              <a:t>11-May-16</a:t>
+              <a:t>5/11/2016</a:t>
             </a:fld>
-            <a:endParaRPr lang="en-US"/>
+            <a:endParaRPr lang="en-US" dirty="0"/>
           </a:p>
         </p:txBody>
       </p:sp>
@@ -2104,7 +1993,7 @@
           <a:bodyPr/>
           <a:lstStyle/>
           <a:p>
-            <a:endParaRPr lang="en-US"/>
+            <a:endParaRPr lang="en-US" dirty="0"/>
           </a:p>
         </p:txBody>
       </p:sp>
@@ -2127,7 +2016,7 @@
               <a:rPr lang="en-US" smtClean="0"/>
               <a:t>‹#›</a:t>
             </a:fld>
-            <a:endParaRPr lang="en-US"/>
+            <a:endParaRPr lang="en-US" dirty="0"/>
           </a:p>
         </p:txBody>
       </p:sp>
@@ -2356,9 +2245,9 @@
           <a:p>
             <a:fld id="{B2C8D8C6-32A1-4BAE-BA07-FB9B53739353}" type="datetimeFigureOut">
               <a:rPr lang="en-US" smtClean="0"/>
-              <a:t>11-May-16</a:t>
+              <a:t>5/11/2016</a:t>
             </a:fld>
-            <a:endParaRPr lang="en-US"/>
+            <a:endParaRPr lang="en-US" dirty="0"/>
           </a:p>
         </p:txBody>
       </p:sp>
@@ -2377,7 +2266,7 @@
           <a:bodyPr/>
           <a:lstStyle/>
           <a:p>
-            <a:endParaRPr lang="en-US"/>
+            <a:endParaRPr lang="en-US" dirty="0"/>
           </a:p>
         </p:txBody>
       </p:sp>
@@ -2400,7 +2289,7 @@
               <a:rPr lang="en-US" smtClean="0"/>
               <a:t>‹#›</a:t>
             </a:fld>
-            <a:endParaRPr lang="en-US"/>
+            <a:endParaRPr lang="en-US" dirty="0"/>
           </a:p>
         </p:txBody>
       </p:sp>
@@ -2697,9 +2586,9 @@
           <a:p>
             <a:fld id="{B2C8D8C6-32A1-4BAE-BA07-FB9B53739353}" type="datetimeFigureOut">
               <a:rPr lang="en-US" smtClean="0"/>
-              <a:t>11-May-16</a:t>
+              <a:t>5/11/2016</a:t>
             </a:fld>
-            <a:endParaRPr lang="en-US"/>
+            <a:endParaRPr lang="en-US" dirty="0"/>
           </a:p>
         </p:txBody>
       </p:sp>
@@ -2718,7 +2607,7 @@
           <a:bodyPr/>
           <a:lstStyle/>
           <a:p>
-            <a:endParaRPr lang="en-US"/>
+            <a:endParaRPr lang="en-US" dirty="0"/>
           </a:p>
         </p:txBody>
       </p:sp>
@@ -2741,7 +2630,7 @@
               <a:rPr lang="en-US" smtClean="0"/>
               <a:t>‹#›</a:t>
             </a:fld>
-            <a:endParaRPr lang="en-US"/>
+            <a:endParaRPr lang="en-US" dirty="0"/>
           </a:p>
         </p:txBody>
       </p:sp>
@@ -3320,9 +3209,9 @@
           <a:p>
             <a:fld id="{B2C8D8C6-32A1-4BAE-BA07-FB9B53739353}" type="datetimeFigureOut">
               <a:rPr lang="en-US" smtClean="0"/>
-              <a:t>11-May-16</a:t>
+              <a:t>5/11/2016</a:t>
             </a:fld>
-            <a:endParaRPr lang="en-US"/>
+            <a:endParaRPr lang="en-US" dirty="0"/>
           </a:p>
         </p:txBody>
       </p:sp>
@@ -3341,7 +3230,7 @@
           <a:bodyPr/>
           <a:lstStyle/>
           <a:p>
-            <a:endParaRPr lang="en-US"/>
+            <a:endParaRPr lang="en-US" dirty="0"/>
           </a:p>
         </p:txBody>
       </p:sp>
@@ -3364,7 +3253,7 @@
               <a:rPr lang="en-US" smtClean="0"/>
               <a:t>‹#›</a:t>
             </a:fld>
-            <a:endParaRPr lang="en-US"/>
+            <a:endParaRPr lang="en-US" dirty="0"/>
           </a:p>
         </p:txBody>
       </p:sp>
@@ -3571,7 +3460,7 @@
           </a:lstStyle>
           <a:p>
             <a:r>
-              <a:rPr lang="en-US" smtClean="0"/>
+              <a:rPr lang="en-US" dirty="0" smtClean="0"/>
               <a:t>Click icon to add picture</a:t>
             </a:r>
             <a:endParaRPr lang="en-US" dirty="0"/>
@@ -3791,7 +3680,7 @@
           </a:lstStyle>
           <a:p>
             <a:r>
-              <a:rPr lang="en-US" smtClean="0"/>
+              <a:rPr lang="en-US" dirty="0" smtClean="0"/>
               <a:t>Click icon to add picture</a:t>
             </a:r>
             <a:endParaRPr lang="en-US" dirty="0"/>
@@ -4011,7 +3900,7 @@
           </a:lstStyle>
           <a:p>
             <a:r>
-              <a:rPr lang="en-US" smtClean="0"/>
+              <a:rPr lang="en-US" dirty="0" smtClean="0"/>
               <a:t>Click icon to add picture</a:t>
             </a:r>
             <a:endParaRPr lang="en-US" dirty="0"/>
@@ -4180,9 +4069,9 @@
           <a:p>
             <a:fld id="{B2C8D8C6-32A1-4BAE-BA07-FB9B53739353}" type="datetimeFigureOut">
               <a:rPr lang="en-US" smtClean="0"/>
-              <a:t>11-May-16</a:t>
+              <a:t>5/11/2016</a:t>
             </a:fld>
-            <a:endParaRPr lang="en-US"/>
+            <a:endParaRPr lang="en-US" dirty="0"/>
           </a:p>
         </p:txBody>
       </p:sp>
@@ -4201,7 +4090,7 @@
           <a:bodyPr/>
           <a:lstStyle/>
           <a:p>
-            <a:endParaRPr lang="en-US"/>
+            <a:endParaRPr lang="en-US" dirty="0"/>
           </a:p>
         </p:txBody>
       </p:sp>
@@ -4224,7 +4113,7 @@
               <a:rPr lang="en-US" smtClean="0"/>
               <a:t>‹#›</a:t>
             </a:fld>
-            <a:endParaRPr lang="en-US"/>
+            <a:endParaRPr lang="en-US" dirty="0"/>
           </a:p>
         </p:txBody>
       </p:sp>
@@ -4350,9 +4239,9 @@
           <a:p>
             <a:fld id="{B2C8D8C6-32A1-4BAE-BA07-FB9B53739353}" type="datetimeFigureOut">
               <a:rPr lang="en-US" smtClean="0"/>
-              <a:t>11-May-16</a:t>
+              <a:t>5/11/2016</a:t>
             </a:fld>
-            <a:endParaRPr lang="en-US"/>
+            <a:endParaRPr lang="en-US" dirty="0"/>
           </a:p>
         </p:txBody>
       </p:sp>
@@ -4371,7 +4260,7 @@
           <a:bodyPr/>
           <a:lstStyle/>
           <a:p>
-            <a:endParaRPr lang="en-US"/>
+            <a:endParaRPr lang="en-US" dirty="0"/>
           </a:p>
         </p:txBody>
       </p:sp>
@@ -4394,7 +4283,7 @@
               <a:rPr lang="en-US" smtClean="0"/>
               <a:t>‹#›</a:t>
             </a:fld>
-            <a:endParaRPr lang="en-US"/>
+            <a:endParaRPr lang="en-US" dirty="0"/>
           </a:p>
         </p:txBody>
       </p:sp>
@@ -4530,9 +4419,9 @@
           <a:p>
             <a:fld id="{B2C8D8C6-32A1-4BAE-BA07-FB9B53739353}" type="datetimeFigureOut">
               <a:rPr lang="en-US" smtClean="0"/>
-              <a:t>11-May-16</a:t>
+              <a:t>5/11/2016</a:t>
             </a:fld>
-            <a:endParaRPr lang="en-US"/>
+            <a:endParaRPr lang="en-US" dirty="0"/>
           </a:p>
         </p:txBody>
       </p:sp>
@@ -4551,7 +4440,7 @@
           <a:bodyPr/>
           <a:lstStyle/>
           <a:p>
-            <a:endParaRPr lang="en-US"/>
+            <a:endParaRPr lang="en-US" dirty="0"/>
           </a:p>
         </p:txBody>
       </p:sp>
@@ -4574,7 +4463,7 @@
               <a:rPr lang="en-US" smtClean="0"/>
               <a:t>‹#›</a:t>
             </a:fld>
-            <a:endParaRPr lang="en-US"/>
+            <a:endParaRPr lang="en-US" dirty="0"/>
           </a:p>
         </p:txBody>
       </p:sp>
@@ -4700,9 +4589,9 @@
           <a:p>
             <a:fld id="{B2C8D8C6-32A1-4BAE-BA07-FB9B53739353}" type="datetimeFigureOut">
               <a:rPr lang="en-US" smtClean="0"/>
-              <a:t>11-May-16</a:t>
+              <a:t>5/11/2016</a:t>
             </a:fld>
-            <a:endParaRPr lang="en-US"/>
+            <a:endParaRPr lang="en-US" dirty="0"/>
           </a:p>
         </p:txBody>
       </p:sp>
@@ -4721,7 +4610,7 @@
           <a:bodyPr/>
           <a:lstStyle/>
           <a:p>
-            <a:endParaRPr lang="en-US"/>
+            <a:endParaRPr lang="en-US" dirty="0"/>
           </a:p>
         </p:txBody>
       </p:sp>
@@ -4744,7 +4633,7 @@
               <a:rPr lang="en-US" smtClean="0"/>
               <a:t>‹#›</a:t>
             </a:fld>
-            <a:endParaRPr lang="en-US"/>
+            <a:endParaRPr lang="en-US" dirty="0"/>
           </a:p>
         </p:txBody>
       </p:sp>
@@ -4947,9 +4836,9 @@
           <a:p>
             <a:fld id="{B2C8D8C6-32A1-4BAE-BA07-FB9B53739353}" type="datetimeFigureOut">
               <a:rPr lang="en-US" smtClean="0"/>
-              <a:t>11-May-16</a:t>
+              <a:t>5/11/2016</a:t>
             </a:fld>
-            <a:endParaRPr lang="en-US"/>
+            <a:endParaRPr lang="en-US" dirty="0"/>
           </a:p>
         </p:txBody>
       </p:sp>
@@ -4968,7 +4857,7 @@
           <a:bodyPr/>
           <a:lstStyle/>
           <a:p>
-            <a:endParaRPr lang="en-US"/>
+            <a:endParaRPr lang="en-US" dirty="0"/>
           </a:p>
         </p:txBody>
       </p:sp>
@@ -4991,7 +4880,7 @@
               <a:rPr lang="en-US" smtClean="0"/>
               <a:t>‹#›</a:t>
             </a:fld>
-            <a:endParaRPr lang="en-US"/>
+            <a:endParaRPr lang="en-US" dirty="0"/>
           </a:p>
         </p:txBody>
       </p:sp>
@@ -5239,9 +5128,9 @@
           <a:p>
             <a:fld id="{B2C8D8C6-32A1-4BAE-BA07-FB9B53739353}" type="datetimeFigureOut">
               <a:rPr lang="en-US" smtClean="0"/>
-              <a:t>11-May-16</a:t>
+              <a:t>5/11/2016</a:t>
             </a:fld>
-            <a:endParaRPr lang="en-US"/>
+            <a:endParaRPr lang="en-US" dirty="0"/>
           </a:p>
         </p:txBody>
       </p:sp>
@@ -5260,7 +5149,7 @@
           <a:bodyPr/>
           <a:lstStyle/>
           <a:p>
-            <a:endParaRPr lang="en-US"/>
+            <a:endParaRPr lang="en-US" dirty="0"/>
           </a:p>
         </p:txBody>
       </p:sp>
@@ -5283,7 +5172,7 @@
               <a:rPr lang="en-US" smtClean="0"/>
               <a:t>‹#›</a:t>
             </a:fld>
-            <a:endParaRPr lang="en-US"/>
+            <a:endParaRPr lang="en-US" dirty="0"/>
           </a:p>
         </p:txBody>
       </p:sp>
@@ -5683,9 +5572,9 @@
           <a:p>
             <a:fld id="{B2C8D8C6-32A1-4BAE-BA07-FB9B53739353}" type="datetimeFigureOut">
               <a:rPr lang="en-US" smtClean="0"/>
-              <a:t>11-May-16</a:t>
+              <a:t>5/11/2016</a:t>
             </a:fld>
-            <a:endParaRPr lang="en-US"/>
+            <a:endParaRPr lang="en-US" dirty="0"/>
           </a:p>
         </p:txBody>
       </p:sp>
@@ -5704,7 +5593,7 @@
           <a:bodyPr/>
           <a:lstStyle/>
           <a:p>
-            <a:endParaRPr lang="en-US"/>
+            <a:endParaRPr lang="en-US" dirty="0"/>
           </a:p>
         </p:txBody>
       </p:sp>
@@ -5727,7 +5616,7 @@
               <a:rPr lang="en-US" smtClean="0"/>
               <a:t>‹#›</a:t>
             </a:fld>
-            <a:endParaRPr lang="en-US"/>
+            <a:endParaRPr lang="en-US" dirty="0"/>
           </a:p>
         </p:txBody>
       </p:sp>
@@ -5801,9 +5690,9 @@
           <a:p>
             <a:fld id="{B2C8D8C6-32A1-4BAE-BA07-FB9B53739353}" type="datetimeFigureOut">
               <a:rPr lang="en-US" smtClean="0"/>
-              <a:t>11-May-16</a:t>
+              <a:t>5/11/2016</a:t>
             </a:fld>
-            <a:endParaRPr lang="en-US"/>
+            <a:endParaRPr lang="en-US" dirty="0"/>
           </a:p>
         </p:txBody>
       </p:sp>
@@ -5822,7 +5711,7 @@
           <a:bodyPr/>
           <a:lstStyle/>
           <a:p>
-            <a:endParaRPr lang="en-US"/>
+            <a:endParaRPr lang="en-US" dirty="0"/>
           </a:p>
         </p:txBody>
       </p:sp>
@@ -5845,7 +5734,7 @@
               <a:rPr lang="en-US" smtClean="0"/>
               <a:t>‹#›</a:t>
             </a:fld>
-            <a:endParaRPr lang="en-US"/>
+            <a:endParaRPr lang="en-US" dirty="0"/>
           </a:p>
         </p:txBody>
       </p:sp>
@@ -5896,9 +5785,9 @@
           <a:p>
             <a:fld id="{B2C8D8C6-32A1-4BAE-BA07-FB9B53739353}" type="datetimeFigureOut">
               <a:rPr lang="en-US" smtClean="0"/>
-              <a:t>11-May-16</a:t>
+              <a:t>5/11/2016</a:t>
             </a:fld>
-            <a:endParaRPr lang="en-US"/>
+            <a:endParaRPr lang="en-US" dirty="0"/>
           </a:p>
         </p:txBody>
       </p:sp>
@@ -5917,7 +5806,7 @@
           <a:bodyPr/>
           <a:lstStyle/>
           <a:p>
-            <a:endParaRPr lang="en-US"/>
+            <a:endParaRPr lang="en-US" dirty="0"/>
           </a:p>
         </p:txBody>
       </p:sp>
@@ -5940,7 +5829,7 @@
               <a:rPr lang="en-US" smtClean="0"/>
               <a:t>‹#›</a:t>
             </a:fld>
-            <a:endParaRPr lang="en-US"/>
+            <a:endParaRPr lang="en-US" dirty="0"/>
           </a:p>
         </p:txBody>
       </p:sp>
@@ -6175,9 +6064,9 @@
           <a:p>
             <a:fld id="{B2C8D8C6-32A1-4BAE-BA07-FB9B53739353}" type="datetimeFigureOut">
               <a:rPr lang="en-US" smtClean="0"/>
-              <a:t>11-May-16</a:t>
+              <a:t>5/11/2016</a:t>
             </a:fld>
-            <a:endParaRPr lang="en-US"/>
+            <a:endParaRPr lang="en-US" dirty="0"/>
           </a:p>
         </p:txBody>
       </p:sp>
@@ -6196,7 +6085,7 @@
           <a:bodyPr/>
           <a:lstStyle/>
           <a:p>
-            <a:endParaRPr lang="en-US"/>
+            <a:endParaRPr lang="en-US" dirty="0"/>
           </a:p>
         </p:txBody>
       </p:sp>
@@ -6219,7 +6108,7 @@
               <a:rPr lang="en-US" smtClean="0"/>
               <a:t>‹#›</a:t>
             </a:fld>
-            <a:endParaRPr lang="en-US"/>
+            <a:endParaRPr lang="en-US" dirty="0"/>
           </a:p>
         </p:txBody>
       </p:sp>
@@ -6359,7 +6248,7 @@
           </a:lstStyle>
           <a:p>
             <a:r>
-              <a:rPr lang="en-US" smtClean="0"/>
+              <a:rPr lang="en-US" dirty="0" smtClean="0"/>
               <a:t>Click icon to add picture</a:t>
             </a:r>
             <a:endParaRPr lang="en-US" dirty="0"/>
@@ -6450,9 +6339,9 @@
           <a:p>
             <a:fld id="{B2C8D8C6-32A1-4BAE-BA07-FB9B53739353}" type="datetimeFigureOut">
               <a:rPr lang="en-US" smtClean="0"/>
-              <a:t>11-May-16</a:t>
+              <a:t>5/11/2016</a:t>
             </a:fld>
-            <a:endParaRPr lang="en-US"/>
+            <a:endParaRPr lang="en-US" dirty="0"/>
           </a:p>
         </p:txBody>
       </p:sp>
@@ -6471,7 +6360,7 @@
           <a:bodyPr/>
           <a:lstStyle/>
           <a:p>
-            <a:endParaRPr lang="en-US"/>
+            <a:endParaRPr lang="en-US" dirty="0"/>
           </a:p>
         </p:txBody>
       </p:sp>
@@ -6494,7 +6383,7 @@
               <a:rPr lang="en-US" smtClean="0"/>
               <a:t>‹#›</a:t>
             </a:fld>
-            <a:endParaRPr lang="en-US"/>
+            <a:endParaRPr lang="en-US" dirty="0"/>
           </a:p>
         </p:txBody>
       </p:sp>
@@ -6879,9 +6768,9 @@
           <a:p>
             <a:fld id="{B2C8D8C6-32A1-4BAE-BA07-FB9B53739353}" type="datetimeFigureOut">
               <a:rPr lang="en-US" smtClean="0"/>
-              <a:t>11-May-16</a:t>
+              <a:t>5/11/2016</a:t>
             </a:fld>
-            <a:endParaRPr lang="en-US"/>
+            <a:endParaRPr lang="en-US" dirty="0"/>
           </a:p>
         </p:txBody>
       </p:sp>
@@ -6919,7 +6808,7 @@
             </a:lvl1pPr>
           </a:lstStyle>
           <a:p>
-            <a:endParaRPr lang="en-US"/>
+            <a:endParaRPr lang="en-US" dirty="0"/>
           </a:p>
         </p:txBody>
       </p:sp>
@@ -6960,7 +6849,7 @@
               <a:rPr lang="en-US" smtClean="0"/>
               <a:t>‹#›</a:t>
             </a:fld>
-            <a:endParaRPr lang="en-US"/>
+            <a:endParaRPr lang="en-US" dirty="0"/>
           </a:p>
         </p:txBody>
       </p:sp>
@@ -7513,7 +7402,6 @@
               <a:rPr lang="en-US" dirty="0"/>
               <a:t>Sets (cont’d)</a:t>
             </a:r>
-            <a:endParaRPr lang="en-US" dirty="0"/>
           </a:p>
         </p:txBody>
       </p:sp>
@@ -7540,10 +7428,9 @@
           <a:lstStyle/>
           <a:p>
             <a:r>
-              <a:rPr lang="en-US" sz="2400" dirty="0" err="1" smtClean="0"/>
+              <a:rPr lang="en-US" sz="2400" dirty="0" smtClean="0"/>
               <a:t>Eclat</a:t>
             </a:r>
-            <a:endParaRPr lang="en-US" sz="2400" dirty="0" smtClean="0"/>
           </a:p>
           <a:p>
             <a:endParaRPr lang="en-US" sz="2400" dirty="0"/>
@@ -7609,7 +7496,7 @@
           </a:bodyPr>
           <a:lstStyle/>
           <a:p>
-            <a:endParaRPr lang="en-US"/>
+            <a:endParaRPr lang="en-US" dirty="0"/>
           </a:p>
         </p:txBody>
       </p:sp>
@@ -7664,23 +7551,7 @@
           <a:p>
             <a:r>
               <a:rPr lang="en-US" b="1" dirty="0"/>
-              <a:t>Table 7. </a:t>
-            </a:r>
-            <a:r>
-              <a:rPr lang="en-US" b="1" dirty="0" err="1"/>
-              <a:t>Eclat</a:t>
-            </a:r>
-            <a:r>
-              <a:rPr lang="en-US" b="1" dirty="0"/>
-              <a:t> </a:t>
-            </a:r>
-            <a:r>
-              <a:rPr lang="en-US" b="1" dirty="0" err="1"/>
-              <a:t>ViolentCrimesPerPop</a:t>
-            </a:r>
-            <a:r>
-              <a:rPr lang="en-US" b="1" dirty="0"/>
-              <a:t> Support Sort</a:t>
+              <a:t>Table 7. Eclat ViolentCrimesPerPop Support Sort</a:t>
             </a:r>
           </a:p>
         </p:txBody>
@@ -7781,7 +7652,6 @@
               <a:rPr lang="en-US" sz="2000" dirty="0" smtClean="0"/>
               <a:t>Large percentage of population who do not have a high school degree</a:t>
             </a:r>
-            <a:endParaRPr lang="en-US" sz="2000" dirty="0" smtClean="0"/>
           </a:p>
           <a:p>
             <a:pPr lvl="1"/>
@@ -7975,11 +7845,7 @@
           <a:p>
             <a:r>
               <a:rPr lang="en-US" dirty="0" smtClean="0"/>
-              <a:t>Proposed </a:t>
-            </a:r>
-            <a:r>
-              <a:rPr lang="en-US" dirty="0" smtClean="0"/>
-              <a:t>Future Analysis</a:t>
+              <a:t>Proposed Future Analysis</a:t>
             </a:r>
             <a:endParaRPr lang="en-US" dirty="0"/>
           </a:p>
@@ -8016,11 +7882,7 @@
             <a:pPr lvl="1"/>
             <a:r>
               <a:rPr lang="en-US" dirty="0" smtClean="0"/>
-              <a:t>Will require additional data sets in preceding and succeeding years</a:t>
-            </a:r>
-            <a:r>
-              <a:rPr lang="en-US" dirty="0" smtClean="0"/>
-              <a:t>.</a:t>
+              <a:t>Will require additional data sets in preceding and succeeding years.</a:t>
             </a:r>
           </a:p>
           <a:p>
@@ -8108,7 +7970,7 @@
           <a:bodyPr/>
           <a:lstStyle/>
           <a:p>
-            <a:endParaRPr lang="en-US"/>
+            <a:endParaRPr lang="en-US" dirty="0"/>
           </a:p>
         </p:txBody>
       </p:sp>
@@ -8184,24 +8046,14 @@
           <a:p>
             <a:r>
               <a:rPr lang="en-US" sz="2400" dirty="0" smtClean="0"/>
-              <a:t>Author: Michael </a:t>
-            </a:r>
+              <a:t>Author: Michael Redmond</a:t>
+            </a:r>
+          </a:p>
+          <a:p>
             <a:r>
               <a:rPr lang="en-US" sz="2400" dirty="0" smtClean="0"/>
-              <a:t>Redmond</a:t>
-            </a:r>
-            <a:endParaRPr lang="en-US" sz="2400" dirty="0" smtClean="0"/>
-          </a:p>
-          <a:p>
-            <a:r>
-              <a:rPr lang="en-US" sz="2400" dirty="0" smtClean="0"/>
-              <a:t>Title: Communities and </a:t>
-            </a:r>
-            <a:r>
-              <a:rPr lang="en-US" sz="2400" dirty="0" smtClean="0"/>
-              <a:t>Crime</a:t>
-            </a:r>
-            <a:endParaRPr lang="en-US" sz="2400" dirty="0" smtClean="0"/>
+              <a:t>Title: Communities and Crime</a:t>
+            </a:r>
           </a:p>
           <a:p>
             <a:r>
@@ -8213,15 +8065,7 @@
             <a:pPr lvl="1"/>
             <a:r>
               <a:rPr lang="en-US" sz="2200" dirty="0" smtClean="0"/>
-              <a:t>1995 </a:t>
-            </a:r>
-            <a:r>
-              <a:rPr lang="en-US" sz="2200" dirty="0" smtClean="0"/>
-              <a:t>Federal Bureau of Investigation Uniform Crime </a:t>
-            </a:r>
-            <a:r>
-              <a:rPr lang="en-US" sz="2200" dirty="0" smtClean="0"/>
-              <a:t>Report</a:t>
+              <a:t>1995 Federal Bureau of Investigation Uniform Crime Report</a:t>
             </a:r>
           </a:p>
           <a:p>
@@ -8237,7 +8081,6 @@
               <a:rPr lang="en-US" sz="2200" dirty="0" smtClean="0"/>
               <a:t>1990 LEMAS Survey</a:t>
             </a:r>
-            <a:endParaRPr lang="en-US" sz="2200" dirty="0" smtClean="0"/>
           </a:p>
           <a:p>
             <a:r>
@@ -8355,8 +8198,13 @@
             <a:pPr lvl="1"/>
             <a:r>
               <a:rPr lang="en-US" sz="2200" dirty="0" smtClean="0"/>
-              <a:t>127 other attributes</a:t>
-            </a:r>
+              <a:t>127 other </a:t>
+            </a:r>
+            <a:r>
+              <a:rPr lang="en-US" sz="2200" dirty="0" smtClean="0"/>
+              <a:t>attributes</a:t>
+            </a:r>
+            <a:endParaRPr lang="en-US" sz="2200" dirty="0" smtClean="0"/>
           </a:p>
           <a:p>
             <a:pPr lvl="1"/>
@@ -8369,15 +8217,7 @@
             <a:pPr lvl="2"/>
             <a:r>
               <a:rPr lang="en-US" sz="2000" dirty="0" smtClean="0"/>
-              <a:t>Violent crime definition </a:t>
-            </a:r>
-            <a:r>
-              <a:rPr lang="en-US" sz="2000" dirty="0" smtClean="0"/>
-              <a:t>differs </a:t>
-            </a:r>
-            <a:r>
-              <a:rPr lang="en-US" sz="2000" dirty="0" smtClean="0"/>
-              <a:t>among jurisdictions, police departments with at least 100 police officers, etc.</a:t>
+              <a:t>Violent crime definition differs among jurisdictions, police departments with at least 100 police officers, etc.</a:t>
             </a:r>
           </a:p>
           <a:p>
@@ -8434,7 +8274,6 @@
               <a:rPr lang="en-US" dirty="0"/>
               <a:t>Data Set (cont’d)</a:t>
             </a:r>
-            <a:endParaRPr lang="en-US" dirty="0"/>
           </a:p>
         </p:txBody>
       </p:sp>
@@ -8460,17 +8299,12 @@
               <a:rPr lang="en-US" sz="2400" dirty="0" smtClean="0"/>
               <a:t>Pre-processing</a:t>
             </a:r>
-            <a:endParaRPr lang="en-US" sz="2400" dirty="0" smtClean="0"/>
           </a:p>
           <a:p>
             <a:pPr marL="742950" lvl="2" indent="-342900"/>
             <a:r>
               <a:rPr lang="en-US" sz="2200" dirty="0" smtClean="0"/>
-              <a:t>Already </a:t>
-            </a:r>
-            <a:r>
-              <a:rPr lang="en-US" sz="2200" dirty="0" smtClean="0"/>
-              <a:t>normalized (numeric fields between 0.00 and 1.00)</a:t>
+              <a:t>Already normalized (numeric fields between 0.00 and 1.00)</a:t>
             </a:r>
           </a:p>
           <a:p>
@@ -8592,11 +8426,7 @@
             </a:r>
             <a:r>
               <a:rPr lang="en-US" sz="2400" dirty="0" smtClean="0"/>
-              <a:t>incidences </a:t>
-            </a:r>
-            <a:r>
-              <a:rPr lang="en-US" sz="2400" dirty="0" smtClean="0"/>
-              <a:t>of </a:t>
+              <a:t>incidences of </a:t>
             </a:r>
             <a:r>
               <a:rPr lang="en-US" sz="2400" dirty="0"/>
@@ -8693,17 +8523,8 @@
             </a:pPr>
             <a:r>
               <a:rPr lang="en-US" sz="2600" dirty="0" smtClean="0"/>
-              <a:t>Attributes </a:t>
-            </a:r>
-            <a:r>
-              <a:rPr lang="en-US" sz="2600" dirty="0" smtClean="0"/>
-              <a:t>most commonly believed to influence incidents of Violent Crime</a:t>
-            </a:r>
-            <a:r>
-              <a:rPr lang="en-US" sz="2600" dirty="0" smtClean="0"/>
-              <a:t>:</a:t>
-            </a:r>
-            <a:endParaRPr lang="en-US" sz="2600" dirty="0" smtClean="0"/>
+              <a:t>Attributes most commonly believed to influence incidents of Violent Crime:</a:t>
+            </a:r>
           </a:p>
           <a:p>
             <a:pPr marL="1257300" lvl="2" indent="-457200">
@@ -8715,8 +8536,8 @@
               <a:t>% Police per </a:t>
             </a:r>
             <a:r>
-              <a:rPr lang="en-US" sz="2400" dirty="0" err="1" smtClean="0"/>
-              <a:t>captia</a:t>
+              <a:rPr lang="en-US" sz="2400" dirty="0" smtClean="0"/>
+              <a:t>capita</a:t>
             </a:r>
             <a:endParaRPr lang="en-US" sz="2400" dirty="0" smtClean="0"/>
           </a:p>
@@ -8727,11 +8548,7 @@
             </a:pPr>
             <a:r>
               <a:rPr lang="en-US" sz="2400" dirty="0" smtClean="0"/>
-              <a:t>Per Capita </a:t>
-            </a:r>
-            <a:r>
-              <a:rPr lang="en-US" sz="2400" dirty="0" smtClean="0"/>
-              <a:t>Income</a:t>
+              <a:t>Per Capita Income</a:t>
             </a:r>
           </a:p>
           <a:p>
@@ -8743,7 +8560,6 @@
               <a:rPr lang="en-US" sz="2400" dirty="0" smtClean="0"/>
               <a:t>% with Bachelor’s or higher degree</a:t>
             </a:r>
-            <a:endParaRPr lang="en-US" sz="2400" dirty="0" smtClean="0"/>
           </a:p>
           <a:p>
             <a:pPr marL="1257300" lvl="2" indent="-457200">
@@ -8831,11 +8647,7 @@
           <a:p>
             <a:r>
               <a:rPr lang="en-US" dirty="0" smtClean="0"/>
-              <a:t>Exploratory Data </a:t>
-            </a:r>
-            <a:r>
-              <a:rPr lang="en-US" dirty="0" smtClean="0"/>
-              <a:t>Analysis (cont’d)</a:t>
+              <a:t>Exploratory Data Analysis (cont’d)</a:t>
             </a:r>
             <a:endParaRPr lang="en-US" dirty="0"/>
           </a:p>
@@ -8869,13 +8681,8 @@
             </a:pPr>
             <a:r>
               <a:rPr lang="en-US" sz="2600" dirty="0" smtClean="0"/>
-              <a:t>Most Significant Attributes out of 122 plausible </a:t>
-            </a:r>
-            <a:r>
-              <a:rPr lang="en-US" sz="2600" dirty="0" smtClean="0"/>
-              <a:t>attributes:</a:t>
-            </a:r>
-            <a:endParaRPr lang="en-US" sz="2600" dirty="0" smtClean="0"/>
+              <a:t>Most Significant Attributes out of 122 plausible attributes:</a:t>
+            </a:r>
           </a:p>
           <a:p>
             <a:pPr marL="1257300" lvl="2" indent="-457200">
@@ -9095,7 +8902,7 @@
           </a:bodyPr>
           <a:lstStyle/>
           <a:p>
-            <a:endParaRPr lang="en-US"/>
+            <a:endParaRPr lang="en-US" dirty="0"/>
           </a:p>
         </p:txBody>
       </p:sp>
@@ -9126,15 +8933,7 @@
             </a:r>
             <a:r>
               <a:rPr lang="en-US" b="1" dirty="0" smtClean="0"/>
-              <a:t>Confusion </a:t>
-            </a:r>
-            <a:r>
-              <a:rPr lang="en-US" b="1" dirty="0" smtClean="0"/>
-              <a:t>Matrix</a:t>
-            </a:r>
-            <a:r>
-              <a:rPr lang="en-US" b="1" dirty="0" smtClean="0"/>
-              <a:t> </a:t>
+              <a:t>Confusion Matrix </a:t>
             </a:r>
             <a:r>
               <a:rPr lang="en-US" b="1" dirty="0"/>
@@ -9150,13 +8949,8 @@
             </a:r>
             <a:r>
               <a:rPr lang="en-US" b="1" dirty="0"/>
-              <a:t> = </a:t>
-            </a:r>
-            <a:r>
-              <a:rPr lang="en-US" b="1" dirty="0"/>
-              <a:t>5</a:t>
-            </a:r>
-            <a:endParaRPr lang="en-US" b="1" dirty="0"/>
+              <a:t> = 5</a:t>
+            </a:r>
           </a:p>
         </p:txBody>
       </p:sp>
@@ -9191,13 +8985,8 @@
             </a:r>
             <a:r>
               <a:rPr lang="en-US" b="1" dirty="0"/>
-              <a:t> = </a:t>
-            </a:r>
-            <a:r>
-              <a:rPr lang="en-US" b="1" dirty="0"/>
-              <a:t>5</a:t>
-            </a:r>
-            <a:endParaRPr lang="en-US" b="1" dirty="0"/>
+              <a:t> = 5</a:t>
+            </a:r>
           </a:p>
         </p:txBody>
       </p:sp>
@@ -9343,10 +9132,9 @@
           <a:lstStyle/>
           <a:p>
             <a:r>
-              <a:rPr lang="en-US" sz="2400" dirty="0" err="1" smtClean="0"/>
+              <a:rPr lang="en-US" sz="2400" dirty="0" smtClean="0"/>
               <a:t>Apriori</a:t>
             </a:r>
-            <a:endParaRPr lang="en-US" sz="2400" dirty="0" smtClean="0"/>
           </a:p>
           <a:p>
             <a:endParaRPr lang="en-US" sz="2400" dirty="0"/>
@@ -9412,7 +9200,7 @@
           </a:bodyPr>
           <a:lstStyle/>
           <a:p>
-            <a:endParaRPr lang="en-US"/>
+            <a:endParaRPr lang="en-US" dirty="0"/>
           </a:p>
         </p:txBody>
       </p:sp>
@@ -9467,23 +9255,7 @@
           <a:p>
             <a:r>
               <a:rPr lang="en-US" b="1" dirty="0"/>
-              <a:t>Table 5. </a:t>
-            </a:r>
-            <a:r>
-              <a:rPr lang="en-US" b="1" dirty="0" err="1"/>
-              <a:t>Apriori</a:t>
-            </a:r>
-            <a:r>
-              <a:rPr lang="en-US" b="1" dirty="0"/>
-              <a:t> </a:t>
-            </a:r>
-            <a:r>
-              <a:rPr lang="en-US" b="1" dirty="0" err="1"/>
-              <a:t>ViolentCrimesPerPop</a:t>
-            </a:r>
-            <a:r>
-              <a:rPr lang="en-US" b="1" dirty="0"/>
-              <a:t> RHS Confidence Sort</a:t>
+              <a:t>Table 5. Apriori ViolentCrimesPerPop RHS Confidence Sort</a:t>
             </a:r>
           </a:p>
         </p:txBody>
@@ -9548,39 +9320,7 @@
                 <a:ea typeface="Times New Roman" panose="02020603050405020304" pitchFamily="18" charset="0"/>
                 <a:cs typeface="Miriam"/>
               </a:rPr>
-              <a:t>Table 6. </a:t>
-            </a:r>
-            <a:r>
-              <a:rPr lang="en-US" b="1" dirty="0" err="1">
-                <a:latin typeface="Times New Roman" panose="02020603050405020304" pitchFamily="18" charset="0"/>
-                <a:ea typeface="Times New Roman" panose="02020603050405020304" pitchFamily="18" charset="0"/>
-                <a:cs typeface="Miriam"/>
-              </a:rPr>
-              <a:t>Apriori</a:t>
-            </a:r>
-            <a:r>
-              <a:rPr lang="en-US" b="1" dirty="0">
-                <a:latin typeface="Times New Roman" panose="02020603050405020304" pitchFamily="18" charset="0"/>
-                <a:ea typeface="Times New Roman" panose="02020603050405020304" pitchFamily="18" charset="0"/>
-                <a:cs typeface="Miriam"/>
-              </a:rPr>
-              <a:t> </a:t>
-            </a:r>
-            <a:r>
-              <a:rPr lang="en-US" b="1" dirty="0" err="1">
-                <a:latin typeface="Times New Roman" panose="02020603050405020304" pitchFamily="18" charset="0"/>
-                <a:ea typeface="Times New Roman" panose="02020603050405020304" pitchFamily="18" charset="0"/>
-                <a:cs typeface="Miriam"/>
-              </a:rPr>
-              <a:t>ViolentCrimesPerPop</a:t>
-            </a:r>
-            <a:r>
-              <a:rPr lang="en-US" b="1" dirty="0">
-                <a:latin typeface="Times New Roman" panose="02020603050405020304" pitchFamily="18" charset="0"/>
-                <a:ea typeface="Times New Roman" panose="02020603050405020304" pitchFamily="18" charset="0"/>
-                <a:cs typeface="Miriam"/>
-              </a:rPr>
-              <a:t> LHS Confidence Sort</a:t>
+              <a:t>Table 6. Apriori ViolentCrimesPerPop LHS Confidence Sort</a:t>
             </a:r>
             <a:endParaRPr lang="en-US" b="1" dirty="0">
               <a:effectLst/>

--- a/GroupProject/GroupProject.pptx
+++ b/GroupProject/GroupProject.pptx
@@ -735,18 +735,7 @@
                 <a:ea typeface="+mn-ea"/>
                 <a:cs typeface="+mn-cs"/>
               </a:rPr>
-              <a:t>Caucasian </a:t>
-            </a:r>
-            <a:r>
-              <a:rPr lang="en-US" sz="1200" u="sng" kern="1200" dirty="0" smtClean="0">
-                <a:solidFill>
-                  <a:schemeClr val="tx1"/>
-                </a:solidFill>
-                <a:latin typeface="+mn-lt"/>
-                <a:ea typeface="+mn-ea"/>
-                <a:cs typeface="+mn-cs"/>
-              </a:rPr>
-              <a:t>(numeric - decimal)</a:t>
+              <a:t>Caucasian (numeric - decimal)</a:t>
             </a:r>
           </a:p>
           <a:p>
@@ -7396,11 +7385,19 @@
           <a:p>
             <a:r>
               <a:rPr lang="en-US" dirty="0" smtClean="0"/>
-              <a:t>Results – Frequent Item </a:t>
+              <a:t>Results – Frequent </a:t>
+            </a:r>
+            <a:r>
+              <a:rPr lang="en-US" dirty="0" err="1" smtClean="0"/>
+              <a:t>Itemsets</a:t>
+            </a:r>
+            <a:r>
+              <a:rPr lang="en-US" dirty="0" smtClean="0"/>
+              <a:t> </a:t>
             </a:r>
             <a:r>
               <a:rPr lang="en-US" dirty="0"/>
-              <a:t>Sets (cont’d)</a:t>
+              <a:t>(cont’d)</a:t>
             </a:r>
           </a:p>
         </p:txBody>
@@ -8198,13 +8195,8 @@
             <a:pPr lvl="1"/>
             <a:r>
               <a:rPr lang="en-US" sz="2200" dirty="0" smtClean="0"/>
-              <a:t>127 other </a:t>
-            </a:r>
-            <a:r>
-              <a:rPr lang="en-US" sz="2200" dirty="0" smtClean="0"/>
-              <a:t>attributes</a:t>
-            </a:r>
-            <a:endParaRPr lang="en-US" sz="2200" dirty="0" smtClean="0"/>
+              <a:t>127 other attributes</a:t>
+            </a:r>
           </a:p>
           <a:p>
             <a:pPr lvl="1"/>
@@ -8533,13 +8525,8 @@
             </a:pPr>
             <a:r>
               <a:rPr lang="en-US" sz="2400" dirty="0" smtClean="0"/>
-              <a:t>% Police per </a:t>
-            </a:r>
-            <a:r>
-              <a:rPr lang="en-US" sz="2400" dirty="0" smtClean="0"/>
-              <a:t>capita</a:t>
-            </a:r>
-            <a:endParaRPr lang="en-US" sz="2400" dirty="0" smtClean="0"/>
+              <a:t>% Police per capita</a:t>
+            </a:r>
           </a:p>
           <a:p>
             <a:pPr marL="1257300" lvl="2" indent="-457200">
@@ -9103,7 +9090,11 @@
           <a:p>
             <a:r>
               <a:rPr lang="en-US" dirty="0" smtClean="0"/>
-              <a:t>Results – Frequent Item Sets</a:t>
+              <a:t>Results – Frequent </a:t>
+            </a:r>
+            <a:r>
+              <a:rPr lang="en-US" dirty="0" err="1" smtClean="0"/>
+              <a:t>Itemsets</a:t>
             </a:r>
             <a:endParaRPr lang="en-US" dirty="0"/>
           </a:p>
